--- a/Advanced Computer Vision/Paper review/22.11.08_Spatial Transformer Network(STN).pptx
+++ b/Advanced Computer Vision/Paper review/22.11.08_Spatial Transformer Network(STN).pptx
@@ -123,7 +123,7 @@
   <p:extLst>
     <p:ext uri="{EFAFB233-063F-42B5-8137-9DF3F51BA10A}">
       <p15:sldGuideLst xmlns:p15="http://schemas.microsoft.com/office/powerpoint/2012/main">
-        <p15:guide id="1" pos="3863" userDrawn="1">
+        <p15:guide id="1" pos="7680" userDrawn="1">
           <p15:clr>
             <a:srgbClr val="A4A3A4"/>
           </p15:clr>
@@ -142,13 +142,1049 @@
 <file path=ppt/revisionInfo.xml><?xml version="1.0" encoding="utf-8"?>
 <p1510:revInfo xmlns:a="http://schemas.openxmlformats.org/drawingml/2006/main" xmlns:r="http://schemas.openxmlformats.org/officeDocument/2006/relationships" xmlns:p1510="http://schemas.microsoft.com/office/powerpoint/2015/10/main">
   <p1510:revLst>
-    <p1510:client id="{D3AD3801-F6E4-4442-AEF2-BDB78824C6DB}" v="7" dt="2022-05-25T09:46:58.556"/>
+    <p1510:client id="{1A74990F-7F6E-4538-864B-F8892A99DDF1}" v="39" dt="2022-11-08T10:46:03.992"/>
   </p1510:revLst>
 </p1510:revInfo>
 </file>
 
 <file path=ppt/changesInfos/changesInfo1.xml><?xml version="1.0" encoding="utf-8"?>
 <pc:chgInfo xmlns:a="http://schemas.openxmlformats.org/drawingml/2006/main" xmlns:r="http://schemas.openxmlformats.org/officeDocument/2006/relationships" xmlns:ac="http://schemas.microsoft.com/office/drawing/2013/main/command" xmlns:pc="http://schemas.microsoft.com/office/powerpoint/2013/main/command">
+  <pc:docChgLst>
+    <pc:chgData name="김소희 에너지AI트랙/" userId="292a1162-0793-4577-a94d-2dae0dfa5995" providerId="ADAL" clId="{1A74990F-7F6E-4538-864B-F8892A99DDF1}"/>
+    <pc:docChg chg="undo custSel modSld modMainMaster">
+      <pc:chgData name="김소희 에너지AI트랙/" userId="292a1162-0793-4577-a94d-2dae0dfa5995" providerId="ADAL" clId="{1A74990F-7F6E-4538-864B-F8892A99DDF1}" dt="2022-11-08T10:50:26.326" v="1213" actId="208"/>
+      <pc:docMkLst>
+        <pc:docMk/>
+      </pc:docMkLst>
+      <pc:sldChg chg="addSp delSp modSp mod setBg setClrOvrMap modNotesTx">
+        <pc:chgData name="김소희 에너지AI트랙/" userId="292a1162-0793-4577-a94d-2dae0dfa5995" providerId="ADAL" clId="{1A74990F-7F6E-4538-864B-F8892A99DDF1}" dt="2022-11-08T10:38:41.447" v="573"/>
+        <pc:sldMkLst>
+          <pc:docMk/>
+          <pc:sldMk cId="130366447" sldId="257"/>
+        </pc:sldMkLst>
+        <pc:spChg chg="add mod ord">
+          <ac:chgData name="김소희 에너지AI트랙/" userId="292a1162-0793-4577-a94d-2dae0dfa5995" providerId="ADAL" clId="{1A74990F-7F6E-4538-864B-F8892A99DDF1}" dt="2022-11-08T10:05:24.764" v="233" actId="20577"/>
+          <ac:spMkLst>
+            <pc:docMk/>
+            <pc:sldMk cId="130366447" sldId="257"/>
+            <ac:spMk id="2" creationId="{0552FBDC-143C-3A1D-8313-E76AFD46282D}"/>
+          </ac:spMkLst>
+        </pc:spChg>
+        <pc:spChg chg="mod ord">
+          <ac:chgData name="김소희 에너지AI트랙/" userId="292a1162-0793-4577-a94d-2dae0dfa5995" providerId="ADAL" clId="{1A74990F-7F6E-4538-864B-F8892A99DDF1}" dt="2022-11-08T10:05:50.585" v="236" actId="1076"/>
+          <ac:spMkLst>
+            <pc:docMk/>
+            <pc:sldMk cId="130366447" sldId="257"/>
+            <ac:spMk id="4" creationId="{5E2F97AE-2941-00DB-053C-2FC53EA618EF}"/>
+          </ac:spMkLst>
+        </pc:spChg>
+        <pc:spChg chg="mod">
+          <ac:chgData name="김소희 에너지AI트랙/" userId="292a1162-0793-4577-a94d-2dae0dfa5995" providerId="ADAL" clId="{1A74990F-7F6E-4538-864B-F8892A99DDF1}" dt="2022-11-08T10:06:09.560" v="249" actId="1076"/>
+          <ac:spMkLst>
+            <pc:docMk/>
+            <pc:sldMk cId="130366447" sldId="257"/>
+            <ac:spMk id="6" creationId="{96694782-0979-24D0-4D63-4DACB413C8D6}"/>
+          </ac:spMkLst>
+        </pc:spChg>
+        <pc:spChg chg="add del">
+          <ac:chgData name="김소희 에너지AI트랙/" userId="292a1162-0793-4577-a94d-2dae0dfa5995" providerId="ADAL" clId="{1A74990F-7F6E-4538-864B-F8892A99DDF1}" dt="2022-11-08T10:04:55.459" v="194" actId="26606"/>
+          <ac:spMkLst>
+            <pc:docMk/>
+            <pc:sldMk cId="130366447" sldId="257"/>
+            <ac:spMk id="8" creationId="{0DE6A193-4755-479A-BC6F-A7EBCA73BE1A}"/>
+          </ac:spMkLst>
+        </pc:spChg>
+        <pc:spChg chg="add del">
+          <ac:chgData name="김소희 에너지AI트랙/" userId="292a1162-0793-4577-a94d-2dae0dfa5995" providerId="ADAL" clId="{1A74990F-7F6E-4538-864B-F8892A99DDF1}" dt="2022-11-08T10:01:40.778" v="162" actId="26606"/>
+          <ac:spMkLst>
+            <pc:docMk/>
+            <pc:sldMk cId="130366447" sldId="257"/>
+            <ac:spMk id="11" creationId="{71B2258F-86CA-4D4D-8270-BC05FCDEBFB3}"/>
+          </ac:spMkLst>
+        </pc:spChg>
+        <pc:spChg chg="add del">
+          <ac:chgData name="김소희 에너지AI트랙/" userId="292a1162-0793-4577-a94d-2dae0dfa5995" providerId="ADAL" clId="{1A74990F-7F6E-4538-864B-F8892A99DDF1}" dt="2022-11-08T10:04:55.459" v="194" actId="26606"/>
+          <ac:spMkLst>
+            <pc:docMk/>
+            <pc:sldMk cId="130366447" sldId="257"/>
+            <ac:spMk id="13" creationId="{B2DC8709-0A70-45A9-A160-4B831CAB1A43}"/>
+          </ac:spMkLst>
+        </pc:spChg>
+        <pc:spChg chg="add del">
+          <ac:chgData name="김소희 에너지AI트랙/" userId="292a1162-0793-4577-a94d-2dae0dfa5995" providerId="ADAL" clId="{1A74990F-7F6E-4538-864B-F8892A99DDF1}" dt="2022-11-08T10:04:55.459" v="194" actId="26606"/>
+          <ac:spMkLst>
+            <pc:docMk/>
+            <pc:sldMk cId="130366447" sldId="257"/>
+            <ac:spMk id="15" creationId="{E613F699-B53E-4E9A-B7E8-4979FEF428EA}"/>
+          </ac:spMkLst>
+        </pc:spChg>
+        <pc:spChg chg="add del">
+          <ac:chgData name="김소희 에너지AI트랙/" userId="292a1162-0793-4577-a94d-2dae0dfa5995" providerId="ADAL" clId="{1A74990F-7F6E-4538-864B-F8892A99DDF1}" dt="2022-11-08T10:03:13.367" v="180" actId="26606"/>
+          <ac:spMkLst>
+            <pc:docMk/>
+            <pc:sldMk cId="130366447" sldId="257"/>
+            <ac:spMk id="17" creationId="{B6CDA21F-E7AF-4C75-8395-33F58D5B0E45}"/>
+          </ac:spMkLst>
+        </pc:spChg>
+        <pc:spChg chg="add del">
+          <ac:chgData name="김소희 에너지AI트랙/" userId="292a1162-0793-4577-a94d-2dae0dfa5995" providerId="ADAL" clId="{1A74990F-7F6E-4538-864B-F8892A99DDF1}" dt="2022-11-08T10:03:42.179" v="184" actId="26606"/>
+          <ac:spMkLst>
+            <pc:docMk/>
+            <pc:sldMk cId="130366447" sldId="257"/>
+            <ac:spMk id="19" creationId="{4DA718D0-4865-4629-8134-44F68D41D574}"/>
+          </ac:spMkLst>
+        </pc:spChg>
+        <pc:spChg chg="add del">
+          <ac:chgData name="김소희 에너지AI트랙/" userId="292a1162-0793-4577-a94d-2dae0dfa5995" providerId="ADAL" clId="{1A74990F-7F6E-4538-864B-F8892A99DDF1}" dt="2022-11-08T10:02:51.029" v="176" actId="26606"/>
+          <ac:spMkLst>
+            <pc:docMk/>
+            <pc:sldMk cId="130366447" sldId="257"/>
+            <ac:spMk id="20" creationId="{081EA652-8C6A-4E69-BEB9-170809474553}"/>
+          </ac:spMkLst>
+        </pc:spChg>
+        <pc:spChg chg="add del">
+          <ac:chgData name="김소희 에너지AI트랙/" userId="292a1162-0793-4577-a94d-2dae0dfa5995" providerId="ADAL" clId="{1A74990F-7F6E-4538-864B-F8892A99DDF1}" dt="2022-11-08T10:03:25.723" v="182" actId="26606"/>
+          <ac:spMkLst>
+            <pc:docMk/>
+            <pc:sldMk cId="130366447" sldId="257"/>
+            <ac:spMk id="21" creationId="{7D67C2EE-AFA7-458A-8695-51B546F47323}"/>
+          </ac:spMkLst>
+        </pc:spChg>
+        <pc:spChg chg="add del">
+          <ac:chgData name="김소희 에너지AI트랙/" userId="292a1162-0793-4577-a94d-2dae0dfa5995" providerId="ADAL" clId="{1A74990F-7F6E-4538-864B-F8892A99DDF1}" dt="2022-11-08T10:02:51.029" v="176" actId="26606"/>
+          <ac:spMkLst>
+            <pc:docMk/>
+            <pc:sldMk cId="130366447" sldId="257"/>
+            <ac:spMk id="22" creationId="{5298780A-33B9-4EA2-8F67-DE68AD62841B}"/>
+          </ac:spMkLst>
+        </pc:spChg>
+        <pc:spChg chg="add del">
+          <ac:chgData name="김소희 에너지AI트랙/" userId="292a1162-0793-4577-a94d-2dae0dfa5995" providerId="ADAL" clId="{1A74990F-7F6E-4538-864B-F8892A99DDF1}" dt="2022-11-08T10:04:03.396" v="188" actId="26606"/>
+          <ac:spMkLst>
+            <pc:docMk/>
+            <pc:sldMk cId="130366447" sldId="257"/>
+            <ac:spMk id="23" creationId="{A5F185B5-6FB4-45DC-9AE7-F7A26BD7E782}"/>
+          </ac:spMkLst>
+        </pc:spChg>
+        <pc:spChg chg="add del">
+          <ac:chgData name="김소희 에너지AI트랙/" userId="292a1162-0793-4577-a94d-2dae0dfa5995" providerId="ADAL" clId="{1A74990F-7F6E-4538-864B-F8892A99DDF1}" dt="2022-11-08T10:02:51.029" v="176" actId="26606"/>
+          <ac:spMkLst>
+            <pc:docMk/>
+            <pc:sldMk cId="130366447" sldId="257"/>
+            <ac:spMk id="24" creationId="{7F488E8B-4E1E-4402-8935-D4E6C02615C7}"/>
+          </ac:spMkLst>
+        </pc:spChg>
+        <pc:spChg chg="add del">
+          <ac:chgData name="김소희 에너지AI트랙/" userId="292a1162-0793-4577-a94d-2dae0dfa5995" providerId="ADAL" clId="{1A74990F-7F6E-4538-864B-F8892A99DDF1}" dt="2022-11-08T10:03:13.367" v="180" actId="26606"/>
+          <ac:spMkLst>
+            <pc:docMk/>
+            <pc:sldMk cId="130366447" sldId="257"/>
+            <ac:spMk id="27" creationId="{D5B0017B-2ECA-49AF-B397-DC140825DF8D}"/>
+          </ac:spMkLst>
+        </pc:spChg>
+        <pc:spChg chg="add del">
+          <ac:chgData name="김소희 에너지AI트랙/" userId="292a1162-0793-4577-a94d-2dae0dfa5995" providerId="ADAL" clId="{1A74990F-7F6E-4538-864B-F8892A99DDF1}" dt="2022-11-08T10:03:55.400" v="186" actId="26606"/>
+          <ac:spMkLst>
+            <pc:docMk/>
+            <pc:sldMk cId="130366447" sldId="257"/>
+            <ac:spMk id="28" creationId="{DBF61EA3-B236-439E-9C0B-340980D56BEE}"/>
+          </ac:spMkLst>
+        </pc:spChg>
+        <pc:spChg chg="add del">
+          <ac:chgData name="김소희 에너지AI트랙/" userId="292a1162-0793-4577-a94d-2dae0dfa5995" providerId="ADAL" clId="{1A74990F-7F6E-4538-864B-F8892A99DDF1}" dt="2022-11-08T10:04:55.459" v="194" actId="26606"/>
+          <ac:spMkLst>
+            <pc:docMk/>
+            <pc:sldMk cId="130366447" sldId="257"/>
+            <ac:spMk id="31" creationId="{DABCE0FB-ADDD-4B37-A958-519663E8E16E}"/>
+          </ac:spMkLst>
+        </pc:spChg>
+        <pc:spChg chg="add del">
+          <ac:chgData name="김소희 에너지AI트랙/" userId="292a1162-0793-4577-a94d-2dae0dfa5995" providerId="ADAL" clId="{1A74990F-7F6E-4538-864B-F8892A99DDF1}" dt="2022-11-08T10:04:55.459" v="194" actId="26606"/>
+          <ac:spMkLst>
+            <pc:docMk/>
+            <pc:sldMk cId="130366447" sldId="257"/>
+            <ac:spMk id="32" creationId="{1F8A981E-6C01-464B-9B2A-810AFEC27C6B}"/>
+          </ac:spMkLst>
+        </pc:spChg>
+        <pc:spChg chg="add del">
+          <ac:chgData name="김소희 에너지AI트랙/" userId="292a1162-0793-4577-a94d-2dae0dfa5995" providerId="ADAL" clId="{1A74990F-7F6E-4538-864B-F8892A99DDF1}" dt="2022-11-08T10:03:55.400" v="186" actId="26606"/>
+          <ac:spMkLst>
+            <pc:docMk/>
+            <pc:sldMk cId="130366447" sldId="257"/>
+            <ac:spMk id="33" creationId="{E659831F-0D9A-4C63-9EBB-8435B85A440F}"/>
+          </ac:spMkLst>
+        </pc:spChg>
+        <pc:spChg chg="add del">
+          <ac:chgData name="김소희 에너지AI트랙/" userId="292a1162-0793-4577-a94d-2dae0dfa5995" providerId="ADAL" clId="{1A74990F-7F6E-4538-864B-F8892A99DDF1}" dt="2022-11-08T10:03:11.660" v="179" actId="26606"/>
+          <ac:spMkLst>
+            <pc:docMk/>
+            <pc:sldMk cId="130366447" sldId="257"/>
+            <ac:spMk id="34" creationId="{3C54F4CE-85F0-46ED-80DA-9518C9251AD1}"/>
+          </ac:spMkLst>
+        </pc:spChg>
+        <pc:spChg chg="add del">
+          <ac:chgData name="김소희 에너지AI트랙/" userId="292a1162-0793-4577-a94d-2dae0dfa5995" providerId="ADAL" clId="{1A74990F-7F6E-4538-864B-F8892A99DDF1}" dt="2022-11-08T10:04:03.396" v="188" actId="26606"/>
+          <ac:spMkLst>
+            <pc:docMk/>
+            <pc:sldMk cId="130366447" sldId="257"/>
+            <ac:spMk id="35" creationId="{EA5B116B-4263-41E0-B09F-AAFE919C0971}"/>
+          </ac:spMkLst>
+        </pc:spChg>
+        <pc:spChg chg="add del">
+          <ac:chgData name="김소희 에너지AI트랙/" userId="292a1162-0793-4577-a94d-2dae0dfa5995" providerId="ADAL" clId="{1A74990F-7F6E-4538-864B-F8892A99DDF1}" dt="2022-11-08T10:03:11.660" v="179" actId="26606"/>
+          <ac:spMkLst>
+            <pc:docMk/>
+            <pc:sldMk cId="130366447" sldId="257"/>
+            <ac:spMk id="36" creationId="{DADD1FCA-8ACB-4958-81DD-4CDD6D3E1921}"/>
+          </ac:spMkLst>
+        </pc:spChg>
+        <pc:spChg chg="add del">
+          <ac:chgData name="김소희 에너지AI트랙/" userId="292a1162-0793-4577-a94d-2dae0dfa5995" providerId="ADAL" clId="{1A74990F-7F6E-4538-864B-F8892A99DDF1}" dt="2022-11-08T10:03:25.723" v="182" actId="26606"/>
+          <ac:spMkLst>
+            <pc:docMk/>
+            <pc:sldMk cId="130366447" sldId="257"/>
+            <ac:spMk id="47" creationId="{A5271697-90F1-4A23-8EF2-0179F2EAFACB}"/>
+          </ac:spMkLst>
+        </pc:spChg>
+        <pc:spChg chg="add del">
+          <ac:chgData name="김소희 에너지AI트랙/" userId="292a1162-0793-4577-a94d-2dae0dfa5995" providerId="ADAL" clId="{1A74990F-7F6E-4538-864B-F8892A99DDF1}" dt="2022-11-08T10:03:25.723" v="182" actId="26606"/>
+          <ac:spMkLst>
+            <pc:docMk/>
+            <pc:sldMk cId="130366447" sldId="257"/>
+            <ac:spMk id="48" creationId="{D9F5512A-48E1-4C07-B75E-3CCC517B6804}"/>
+          </ac:spMkLst>
+        </pc:spChg>
+        <pc:spChg chg="add del">
+          <ac:chgData name="김소희 에너지AI트랙/" userId="292a1162-0793-4577-a94d-2dae0dfa5995" providerId="ADAL" clId="{1A74990F-7F6E-4538-864B-F8892A99DDF1}" dt="2022-11-08T10:03:25.723" v="182" actId="26606"/>
+          <ac:spMkLst>
+            <pc:docMk/>
+            <pc:sldMk cId="130366447" sldId="257"/>
+            <ac:spMk id="49" creationId="{9D800584-727A-48CF-8223-244AD9717CAA}"/>
+          </ac:spMkLst>
+        </pc:spChg>
+        <pc:spChg chg="add del">
+          <ac:chgData name="김소희 에너지AI트랙/" userId="292a1162-0793-4577-a94d-2dae0dfa5995" providerId="ADAL" clId="{1A74990F-7F6E-4538-864B-F8892A99DDF1}" dt="2022-11-08T10:04:12.706" v="190" actId="26606"/>
+          <ac:spMkLst>
+            <pc:docMk/>
+            <pc:sldMk cId="130366447" sldId="257"/>
+            <ac:spMk id="51" creationId="{7D67C2EE-AFA7-458A-8695-51B546F47323}"/>
+          </ac:spMkLst>
+        </pc:spChg>
+        <pc:spChg chg="add del">
+          <ac:chgData name="김소희 에너지AI트랙/" userId="292a1162-0793-4577-a94d-2dae0dfa5995" providerId="ADAL" clId="{1A74990F-7F6E-4538-864B-F8892A99DDF1}" dt="2022-11-08T10:04:12.706" v="190" actId="26606"/>
+          <ac:spMkLst>
+            <pc:docMk/>
+            <pc:sldMk cId="130366447" sldId="257"/>
+            <ac:spMk id="52" creationId="{A5271697-90F1-4A23-8EF2-0179F2EAFACB}"/>
+          </ac:spMkLst>
+        </pc:spChg>
+        <pc:spChg chg="add del">
+          <ac:chgData name="김소희 에너지AI트랙/" userId="292a1162-0793-4577-a94d-2dae0dfa5995" providerId="ADAL" clId="{1A74990F-7F6E-4538-864B-F8892A99DDF1}" dt="2022-11-08T10:04:12.706" v="190" actId="26606"/>
+          <ac:spMkLst>
+            <pc:docMk/>
+            <pc:sldMk cId="130366447" sldId="257"/>
+            <ac:spMk id="53" creationId="{9D800584-727A-48CF-8223-244AD9717CAA}"/>
+          </ac:spMkLst>
+        </pc:spChg>
+        <pc:spChg chg="add del">
+          <ac:chgData name="김소희 에너지AI트랙/" userId="292a1162-0793-4577-a94d-2dae0dfa5995" providerId="ADAL" clId="{1A74990F-7F6E-4538-864B-F8892A99DDF1}" dt="2022-11-08T10:03:42.179" v="184" actId="26606"/>
+          <ac:spMkLst>
+            <pc:docMk/>
+            <pc:sldMk cId="130366447" sldId="257"/>
+            <ac:spMk id="56" creationId="{CBC4F608-B4B8-48C3-9572-C0F061B1CD99}"/>
+          </ac:spMkLst>
+        </pc:spChg>
+        <pc:spChg chg="add del">
+          <ac:chgData name="김소희 에너지AI트랙/" userId="292a1162-0793-4577-a94d-2dae0dfa5995" providerId="ADAL" clId="{1A74990F-7F6E-4538-864B-F8892A99DDF1}" dt="2022-11-08T10:04:12.706" v="190" actId="26606"/>
+          <ac:spMkLst>
+            <pc:docMk/>
+            <pc:sldMk cId="130366447" sldId="257"/>
+            <ac:spMk id="66" creationId="{D9F5512A-48E1-4C07-B75E-3CCC517B6804}"/>
+          </ac:spMkLst>
+        </pc:spChg>
+        <pc:spChg chg="add del">
+          <ac:chgData name="김소희 에너지AI트랙/" userId="292a1162-0793-4577-a94d-2dae0dfa5995" providerId="ADAL" clId="{1A74990F-7F6E-4538-864B-F8892A99DDF1}" dt="2022-11-08T10:04:22.080" v="192" actId="26606"/>
+          <ac:spMkLst>
+            <pc:docMk/>
+            <pc:sldMk cId="130366447" sldId="257"/>
+            <ac:spMk id="67" creationId="{8D1AA55E-40D5-461B-A5A8-4AE8AAB71B08}"/>
+          </ac:spMkLst>
+        </pc:spChg>
+        <pc:grpChg chg="add del">
+          <ac:chgData name="김소희 에너지AI트랙/" userId="292a1162-0793-4577-a94d-2dae0dfa5995" providerId="ADAL" clId="{1A74990F-7F6E-4538-864B-F8892A99DDF1}" dt="2022-11-08T10:03:13.367" v="180" actId="26606"/>
+          <ac:grpSpMkLst>
+            <pc:docMk/>
+            <pc:sldMk cId="130366447" sldId="257"/>
+            <ac:grpSpMk id="18" creationId="{AE1C45F0-260A-458C-96ED-C1F6D2151219}"/>
+          </ac:grpSpMkLst>
+        </pc:grpChg>
+        <pc:grpChg chg="add del">
+          <ac:chgData name="김소희 에너지AI트랙/" userId="292a1162-0793-4577-a94d-2dae0dfa5995" providerId="ADAL" clId="{1A74990F-7F6E-4538-864B-F8892A99DDF1}" dt="2022-11-08T10:03:42.179" v="184" actId="26606"/>
+          <ac:grpSpMkLst>
+            <pc:docMk/>
+            <pc:sldMk cId="130366447" sldId="257"/>
+            <ac:grpSpMk id="25" creationId="{65167ED7-6315-43AB-B1B6-C326D5FD8F84}"/>
+          </ac:grpSpMkLst>
+        </pc:grpChg>
+        <pc:grpChg chg="add del">
+          <ac:chgData name="김소희 에너지AI트랙/" userId="292a1162-0793-4577-a94d-2dae0dfa5995" providerId="ADAL" clId="{1A74990F-7F6E-4538-864B-F8892A99DDF1}" dt="2022-11-08T10:03:55.400" v="186" actId="26606"/>
+          <ac:grpSpMkLst>
+            <pc:docMk/>
+            <pc:sldMk cId="130366447" sldId="257"/>
+            <ac:grpSpMk id="30" creationId="{28FAF094-D087-493F-8DF9-A486C2D6BBAA}"/>
+          </ac:grpSpMkLst>
+        </pc:grpChg>
+        <pc:grpChg chg="add del">
+          <ac:chgData name="김소희 에너지AI트랙/" userId="292a1162-0793-4577-a94d-2dae0dfa5995" providerId="ADAL" clId="{1A74990F-7F6E-4538-864B-F8892A99DDF1}" dt="2022-11-08T10:04:55.459" v="194" actId="26606"/>
+          <ac:grpSpMkLst>
+            <pc:docMk/>
+            <pc:sldMk cId="130366447" sldId="257"/>
+            <ac:grpSpMk id="41" creationId="{50C536A3-D654-4FB9-BB50-B236B87BBF34}"/>
+          </ac:grpSpMkLst>
+        </pc:grpChg>
+        <pc:grpChg chg="add del">
+          <ac:chgData name="김소희 에너지AI트랙/" userId="292a1162-0793-4577-a94d-2dae0dfa5995" providerId="ADAL" clId="{1A74990F-7F6E-4538-864B-F8892A99DDF1}" dt="2022-11-08T10:03:25.723" v="182" actId="26606"/>
+          <ac:grpSpMkLst>
+            <pc:docMk/>
+            <pc:sldMk cId="130366447" sldId="257"/>
+            <ac:grpSpMk id="50" creationId="{1221A507-76C4-489F-9F32-ECC44C5DC4F7}"/>
+          </ac:grpSpMkLst>
+        </pc:grpChg>
+        <pc:grpChg chg="add del">
+          <ac:chgData name="김소희 에너지AI트랙/" userId="292a1162-0793-4577-a94d-2dae0dfa5995" providerId="ADAL" clId="{1A74990F-7F6E-4538-864B-F8892A99DDF1}" dt="2022-11-08T10:04:12.706" v="190" actId="26606"/>
+          <ac:grpSpMkLst>
+            <pc:docMk/>
+            <pc:sldMk cId="130366447" sldId="257"/>
+            <ac:grpSpMk id="54" creationId="{1221A507-76C4-489F-9F32-ECC44C5DC4F7}"/>
+          </ac:grpSpMkLst>
+        </pc:grpChg>
+        <pc:grpChg chg="add del">
+          <ac:chgData name="김소희 에너지AI트랙/" userId="292a1162-0793-4577-a94d-2dae0dfa5995" providerId="ADAL" clId="{1A74990F-7F6E-4538-864B-F8892A99DDF1}" dt="2022-11-08T10:04:22.080" v="192" actId="26606"/>
+          <ac:grpSpMkLst>
+            <pc:docMk/>
+            <pc:sldMk cId="130366447" sldId="257"/>
+            <ac:grpSpMk id="69" creationId="{78350D8D-73D6-4132-89B5-DD52F3962A76}"/>
+          </ac:grpSpMkLst>
+        </pc:grpChg>
+        <pc:cxnChg chg="add del">
+          <ac:chgData name="김소희 에너지AI트랙/" userId="292a1162-0793-4577-a94d-2dae0dfa5995" providerId="ADAL" clId="{1A74990F-7F6E-4538-864B-F8892A99DDF1}" dt="2022-11-08T10:02:51.029" v="176" actId="26606"/>
+          <ac:cxnSpMkLst>
+            <pc:docMk/>
+            <pc:sldMk cId="130366447" sldId="257"/>
+            <ac:cxnSpMk id="26" creationId="{23AAC9B5-8015-485C-ACF9-A750390E9A56}"/>
+          </ac:cxnSpMkLst>
+        </pc:cxnChg>
+        <pc:cxnChg chg="add del">
+          <ac:chgData name="김소희 에너지AI트랙/" userId="292a1162-0793-4577-a94d-2dae0dfa5995" providerId="ADAL" clId="{1A74990F-7F6E-4538-864B-F8892A99DDF1}" dt="2022-11-08T10:03:13.367" v="180" actId="26606"/>
+          <ac:cxnSpMkLst>
+            <pc:docMk/>
+            <pc:sldMk cId="130366447" sldId="257"/>
+            <ac:cxnSpMk id="29" creationId="{6CF1BAF6-AD41-4082-B212-8A1F9A2E8779}"/>
+          </ac:cxnSpMkLst>
+        </pc:cxnChg>
+        <pc:cxnChg chg="add del">
+          <ac:chgData name="김소희 에너지AI트랙/" userId="292a1162-0793-4577-a94d-2dae0dfa5995" providerId="ADAL" clId="{1A74990F-7F6E-4538-864B-F8892A99DDF1}" dt="2022-11-08T10:04:03.396" v="188" actId="26606"/>
+          <ac:cxnSpMkLst>
+            <pc:docMk/>
+            <pc:sldMk cId="130366447" sldId="257"/>
+            <ac:cxnSpMk id="37" creationId="{B5F2DA1D-C1F2-44D4-8BB3-F29B9DD0B2F9}"/>
+          </ac:cxnSpMkLst>
+        </pc:cxnChg>
+        <pc:cxnChg chg="add del">
+          <ac:chgData name="김소희 에너지AI트랙/" userId="292a1162-0793-4577-a94d-2dae0dfa5995" providerId="ADAL" clId="{1A74990F-7F6E-4538-864B-F8892A99DDF1}" dt="2022-11-08T10:04:03.396" v="188" actId="26606"/>
+          <ac:cxnSpMkLst>
+            <pc:docMk/>
+            <pc:sldMk cId="130366447" sldId="257"/>
+            <ac:cxnSpMk id="38" creationId="{A6C6FECB-D48F-4DB7-A7B4-3A9E377B13CB}"/>
+          </ac:cxnSpMkLst>
+        </pc:cxnChg>
+        <pc:cxnChg chg="add del">
+          <ac:chgData name="김소희 에너지AI트랙/" userId="292a1162-0793-4577-a94d-2dae0dfa5995" providerId="ADAL" clId="{1A74990F-7F6E-4538-864B-F8892A99DDF1}" dt="2022-11-08T10:04:55.459" v="194" actId="26606"/>
+          <ac:cxnSpMkLst>
+            <pc:docMk/>
+            <pc:sldMk cId="130366447" sldId="257"/>
+            <ac:cxnSpMk id="39" creationId="{18710E47-0781-4953-BBDA-8EF627A73126}"/>
+          </ac:cxnSpMkLst>
+        </pc:cxnChg>
+        <pc:cxnChg chg="add del">
+          <ac:chgData name="김소희 에너지AI트랙/" userId="292a1162-0793-4577-a94d-2dae0dfa5995" providerId="ADAL" clId="{1A74990F-7F6E-4538-864B-F8892A99DDF1}" dt="2022-11-08T10:04:55.459" v="194" actId="26606"/>
+          <ac:cxnSpMkLst>
+            <pc:docMk/>
+            <pc:sldMk cId="130366447" sldId="257"/>
+            <ac:cxnSpMk id="40" creationId="{125D265C-1D38-4B36-8572-366ED6A60786}"/>
+          </ac:cxnSpMkLst>
+        </pc:cxnChg>
+        <pc:cxnChg chg="add del">
+          <ac:chgData name="김소희 에너지AI트랙/" userId="292a1162-0793-4577-a94d-2dae0dfa5995" providerId="ADAL" clId="{1A74990F-7F6E-4538-864B-F8892A99DDF1}" dt="2022-11-08T10:04:22.080" v="192" actId="26606"/>
+          <ac:cxnSpMkLst>
+            <pc:docMk/>
+            <pc:sldMk cId="130366447" sldId="257"/>
+            <ac:cxnSpMk id="68" creationId="{7EB498BD-8089-4626-91EA-4978EBEF535E}"/>
+          </ac:cxnSpMkLst>
+        </pc:cxnChg>
+      </pc:sldChg>
+      <pc:sldChg chg="addSp delSp modSp mod modNotesTx">
+        <pc:chgData name="김소희 에너지AI트랙/" userId="292a1162-0793-4577-a94d-2dae0dfa5995" providerId="ADAL" clId="{1A74990F-7F6E-4538-864B-F8892A99DDF1}" dt="2022-11-08T10:50:26.326" v="1213" actId="208"/>
+        <pc:sldMkLst>
+          <pc:docMk/>
+          <pc:sldMk cId="3100450580" sldId="259"/>
+        </pc:sldMkLst>
+        <pc:spChg chg="mod">
+          <ac:chgData name="김소희 에너지AI트랙/" userId="292a1162-0793-4577-a94d-2dae0dfa5995" providerId="ADAL" clId="{1A74990F-7F6E-4538-864B-F8892A99DDF1}" dt="2022-11-08T10:45:16.823" v="823" actId="12"/>
+          <ac:spMkLst>
+            <pc:docMk/>
+            <pc:sldMk cId="3100450580" sldId="259"/>
+            <ac:spMk id="5" creationId="{979509AF-A27F-733C-57C1-9246C7112254}"/>
+          </ac:spMkLst>
+        </pc:spChg>
+        <pc:spChg chg="mod">
+          <ac:chgData name="김소희 에너지AI트랙/" userId="292a1162-0793-4577-a94d-2dae0dfa5995" providerId="ADAL" clId="{1A74990F-7F6E-4538-864B-F8892A99DDF1}" dt="2022-11-08T10:50:26.326" v="1213" actId="208"/>
+          <ac:spMkLst>
+            <pc:docMk/>
+            <pc:sldMk cId="3100450580" sldId="259"/>
+            <ac:spMk id="7" creationId="{0EBD9F88-5092-E988-403A-9E99EBE4E645}"/>
+          </ac:spMkLst>
+        </pc:spChg>
+        <pc:spChg chg="del">
+          <ac:chgData name="김소희 에너지AI트랙/" userId="292a1162-0793-4577-a94d-2dae0dfa5995" providerId="ADAL" clId="{1A74990F-7F6E-4538-864B-F8892A99DDF1}" dt="2022-11-08T09:56:36.683" v="8" actId="478"/>
+          <ac:spMkLst>
+            <pc:docMk/>
+            <pc:sldMk cId="3100450580" sldId="259"/>
+            <ac:spMk id="8" creationId="{04DE84A5-04D0-5035-7C0B-B9677B9CDCEF}"/>
+          </ac:spMkLst>
+        </pc:spChg>
+        <pc:spChg chg="mod">
+          <ac:chgData name="김소희 에너지AI트랙/" userId="292a1162-0793-4577-a94d-2dae0dfa5995" providerId="ADAL" clId="{1A74990F-7F6E-4538-864B-F8892A99DDF1}" dt="2022-11-08T09:59:04.746" v="60" actId="12"/>
+          <ac:spMkLst>
+            <pc:docMk/>
+            <pc:sldMk cId="3100450580" sldId="259"/>
+            <ac:spMk id="9" creationId="{05596BCF-D308-A29D-49E5-1678F5F8F27E}"/>
+          </ac:spMkLst>
+        </pc:spChg>
+        <pc:picChg chg="mod">
+          <ac:chgData name="김소희 에너지AI트랙/" userId="292a1162-0793-4577-a94d-2dae0dfa5995" providerId="ADAL" clId="{1A74990F-7F6E-4538-864B-F8892A99DDF1}" dt="2022-11-08T10:45:30.274" v="824" actId="1076"/>
+          <ac:picMkLst>
+            <pc:docMk/>
+            <pc:sldMk cId="3100450580" sldId="259"/>
+            <ac:picMk id="6" creationId="{FE867333-5777-B778-1D44-0E73ED9C2897}"/>
+          </ac:picMkLst>
+        </pc:picChg>
+        <pc:picChg chg="add mod">
+          <ac:chgData name="김소희 에너지AI트랙/" userId="292a1162-0793-4577-a94d-2dae0dfa5995" providerId="ADAL" clId="{1A74990F-7F6E-4538-864B-F8892A99DDF1}" dt="2022-11-08T10:42:40.413" v="745" actId="1076"/>
+          <ac:picMkLst>
+            <pc:docMk/>
+            <pc:sldMk cId="3100450580" sldId="259"/>
+            <ac:picMk id="1026" creationId="{DAF0DD32-A1B8-7756-5C22-17732A7990FB}"/>
+          </ac:picMkLst>
+        </pc:picChg>
+      </pc:sldChg>
+      <pc:sldChg chg="addSp delSp modSp mod">
+        <pc:chgData name="김소희 에너지AI트랙/" userId="292a1162-0793-4577-a94d-2dae0dfa5995" providerId="ADAL" clId="{1A74990F-7F6E-4538-864B-F8892A99DDF1}" dt="2022-11-08T10:07:43.828" v="269" actId="20577"/>
+        <pc:sldMkLst>
+          <pc:docMk/>
+          <pc:sldMk cId="4055642328" sldId="260"/>
+        </pc:sldMkLst>
+        <pc:spChg chg="add mod">
+          <ac:chgData name="김소희 에너지AI트랙/" userId="292a1162-0793-4577-a94d-2dae0dfa5995" providerId="ADAL" clId="{1A74990F-7F6E-4538-864B-F8892A99DDF1}" dt="2022-11-08T09:59:14.197" v="64"/>
+          <ac:spMkLst>
+            <pc:docMk/>
+            <pc:sldMk cId="4055642328" sldId="260"/>
+            <ac:spMk id="2" creationId="{FD6915A4-E0A8-343E-0E6A-CDC1F835CF1D}"/>
+          </ac:spMkLst>
+        </pc:spChg>
+        <pc:spChg chg="add del mod">
+          <ac:chgData name="김소희 에너지AI트랙/" userId="292a1162-0793-4577-a94d-2dae0dfa5995" providerId="ADAL" clId="{1A74990F-7F6E-4538-864B-F8892A99DDF1}" dt="2022-11-08T09:59:17.914" v="66" actId="478"/>
+          <ac:spMkLst>
+            <pc:docMk/>
+            <pc:sldMk cId="4055642328" sldId="260"/>
+            <ac:spMk id="6" creationId="{ED003E01-51E5-DBA7-B06D-430DE7509C4B}"/>
+          </ac:spMkLst>
+        </pc:spChg>
+        <pc:spChg chg="mod">
+          <ac:chgData name="김소희 에너지AI트랙/" userId="292a1162-0793-4577-a94d-2dae0dfa5995" providerId="ADAL" clId="{1A74990F-7F6E-4538-864B-F8892A99DDF1}" dt="2022-11-08T10:07:35.012" v="265" actId="14100"/>
+          <ac:spMkLst>
+            <pc:docMk/>
+            <pc:sldMk cId="4055642328" sldId="260"/>
+            <ac:spMk id="8" creationId="{03317AD2-1595-4EBD-4FD0-CE086D36BAE0}"/>
+          </ac:spMkLst>
+        </pc:spChg>
+        <pc:spChg chg="del">
+          <ac:chgData name="김소희 에너지AI트랙/" userId="292a1162-0793-4577-a94d-2dae0dfa5995" providerId="ADAL" clId="{1A74990F-7F6E-4538-864B-F8892A99DDF1}" dt="2022-11-08T09:59:15.364" v="65" actId="478"/>
+          <ac:spMkLst>
+            <pc:docMk/>
+            <pc:sldMk cId="4055642328" sldId="260"/>
+            <ac:spMk id="9" creationId="{05596BCF-D308-A29D-49E5-1678F5F8F27E}"/>
+          </ac:spMkLst>
+        </pc:spChg>
+        <pc:spChg chg="del">
+          <ac:chgData name="김소희 에너지AI트랙/" userId="292a1162-0793-4577-a94d-2dae0dfa5995" providerId="ADAL" clId="{1A74990F-7F6E-4538-864B-F8892A99DDF1}" dt="2022-11-08T09:58:03.708" v="41" actId="478"/>
+          <ac:spMkLst>
+            <pc:docMk/>
+            <pc:sldMk cId="4055642328" sldId="260"/>
+            <ac:spMk id="10" creationId="{04EF979A-AEA2-A25E-5F21-3BCE929CC356}"/>
+          </ac:spMkLst>
+        </pc:spChg>
+        <pc:spChg chg="mod">
+          <ac:chgData name="김소희 에너지AI트랙/" userId="292a1162-0793-4577-a94d-2dae0dfa5995" providerId="ADAL" clId="{1A74990F-7F6E-4538-864B-F8892A99DDF1}" dt="2022-11-08T10:06:54.403" v="254" actId="1076"/>
+          <ac:spMkLst>
+            <pc:docMk/>
+            <pc:sldMk cId="4055642328" sldId="260"/>
+            <ac:spMk id="13" creationId="{5486D38C-1516-9639-E2B2-D9522514EF1A}"/>
+          </ac:spMkLst>
+        </pc:spChg>
+        <pc:spChg chg="mod">
+          <ac:chgData name="김소희 에너지AI트랙/" userId="292a1162-0793-4577-a94d-2dae0dfa5995" providerId="ADAL" clId="{1A74990F-7F6E-4538-864B-F8892A99DDF1}" dt="2022-11-08T10:07:43.828" v="269" actId="20577"/>
+          <ac:spMkLst>
+            <pc:docMk/>
+            <pc:sldMk cId="4055642328" sldId="260"/>
+            <ac:spMk id="51" creationId="{AC45681E-827E-E0B7-CBC0-926ED38458C4}"/>
+          </ac:spMkLst>
+        </pc:spChg>
+      </pc:sldChg>
+      <pc:sldChg chg="addSp delSp modSp mod">
+        <pc:chgData name="김소희 에너지AI트랙/" userId="292a1162-0793-4577-a94d-2dae0dfa5995" providerId="ADAL" clId="{1A74990F-7F6E-4538-864B-F8892A99DDF1}" dt="2022-11-08T09:59:12.963" v="63" actId="478"/>
+        <pc:sldMkLst>
+          <pc:docMk/>
+          <pc:sldMk cId="2785091716" sldId="261"/>
+        </pc:sldMkLst>
+        <pc:spChg chg="add del mod">
+          <ac:chgData name="김소희 에너지AI트랙/" userId="292a1162-0793-4577-a94d-2dae0dfa5995" providerId="ADAL" clId="{1A74990F-7F6E-4538-864B-F8892A99DDF1}" dt="2022-11-08T09:59:12.963" v="63" actId="478"/>
+          <ac:spMkLst>
+            <pc:docMk/>
+            <pc:sldMk cId="2785091716" sldId="261"/>
+            <ac:spMk id="6" creationId="{E8B0096A-4267-6F62-C262-B644177910DF}"/>
+          </ac:spMkLst>
+        </pc:spChg>
+        <pc:spChg chg="add mod">
+          <ac:chgData name="김소희 에너지AI트랙/" userId="292a1162-0793-4577-a94d-2dae0dfa5995" providerId="ADAL" clId="{1A74990F-7F6E-4538-864B-F8892A99DDF1}" dt="2022-11-08T09:59:11.650" v="62"/>
+          <ac:spMkLst>
+            <pc:docMk/>
+            <pc:sldMk cId="2785091716" sldId="261"/>
+            <ac:spMk id="7" creationId="{DCD5FE20-B640-F724-44E3-9AAF4B3C78B3}"/>
+          </ac:spMkLst>
+        </pc:spChg>
+        <pc:spChg chg="del">
+          <ac:chgData name="김소희 에너지AI트랙/" userId="292a1162-0793-4577-a94d-2dae0dfa5995" providerId="ADAL" clId="{1A74990F-7F6E-4538-864B-F8892A99DDF1}" dt="2022-11-08T09:59:11.437" v="61" actId="478"/>
+          <ac:spMkLst>
+            <pc:docMk/>
+            <pc:sldMk cId="2785091716" sldId="261"/>
+            <ac:spMk id="9" creationId="{05596BCF-D308-A29D-49E5-1678F5F8F27E}"/>
+          </ac:spMkLst>
+        </pc:spChg>
+        <pc:spChg chg="del">
+          <ac:chgData name="김소희 에너지AI트랙/" userId="292a1162-0793-4577-a94d-2dae0dfa5995" providerId="ADAL" clId="{1A74990F-7F6E-4538-864B-F8892A99DDF1}" dt="2022-11-08T09:58:02.092" v="40" actId="478"/>
+          <ac:spMkLst>
+            <pc:docMk/>
+            <pc:sldMk cId="2785091716" sldId="261"/>
+            <ac:spMk id="20" creationId="{6021F622-7BA2-3BC9-6E13-A99FBFA307D9}"/>
+          </ac:spMkLst>
+        </pc:spChg>
+      </pc:sldChg>
+      <pc:sldChg chg="addSp delSp modSp mod">
+        <pc:chgData name="김소희 에너지AI트랙/" userId="292a1162-0793-4577-a94d-2dae0dfa5995" providerId="ADAL" clId="{1A74990F-7F6E-4538-864B-F8892A99DDF1}" dt="2022-11-08T09:59:28.488" v="72" actId="478"/>
+        <pc:sldMkLst>
+          <pc:docMk/>
+          <pc:sldMk cId="3399835551" sldId="262"/>
+        </pc:sldMkLst>
+        <pc:spChg chg="add mod">
+          <ac:chgData name="김소희 에너지AI트랙/" userId="292a1162-0793-4577-a94d-2dae0dfa5995" providerId="ADAL" clId="{1A74990F-7F6E-4538-864B-F8892A99DDF1}" dt="2022-11-08T09:59:25.968" v="70"/>
+          <ac:spMkLst>
+            <pc:docMk/>
+            <pc:sldMk cId="3399835551" sldId="262"/>
+            <ac:spMk id="2" creationId="{1086DD57-0606-2710-7721-9CE07E5657FA}"/>
+          </ac:spMkLst>
+        </pc:spChg>
+        <pc:spChg chg="add del mod">
+          <ac:chgData name="김소희 에너지AI트랙/" userId="292a1162-0793-4577-a94d-2dae0dfa5995" providerId="ADAL" clId="{1A74990F-7F6E-4538-864B-F8892A99DDF1}" dt="2022-11-08T09:59:28.488" v="72" actId="478"/>
+          <ac:spMkLst>
+            <pc:docMk/>
+            <pc:sldMk cId="3399835551" sldId="262"/>
+            <ac:spMk id="6" creationId="{4757889F-29DF-98F1-628D-B2919F723E06}"/>
+          </ac:spMkLst>
+        </pc:spChg>
+        <pc:spChg chg="del">
+          <ac:chgData name="김소희 에너지AI트랙/" userId="292a1162-0793-4577-a94d-2dae0dfa5995" providerId="ADAL" clId="{1A74990F-7F6E-4538-864B-F8892A99DDF1}" dt="2022-11-08T09:59:27.560" v="71" actId="478"/>
+          <ac:spMkLst>
+            <pc:docMk/>
+            <pc:sldMk cId="3399835551" sldId="262"/>
+            <ac:spMk id="9" creationId="{05596BCF-D308-A29D-49E5-1678F5F8F27E}"/>
+          </ac:spMkLst>
+        </pc:spChg>
+        <pc:spChg chg="del">
+          <ac:chgData name="김소희 에너지AI트랙/" userId="292a1162-0793-4577-a94d-2dae0dfa5995" providerId="ADAL" clId="{1A74990F-7F6E-4538-864B-F8892A99DDF1}" dt="2022-11-08T09:58:06.633" v="43" actId="478"/>
+          <ac:spMkLst>
+            <pc:docMk/>
+            <pc:sldMk cId="3399835551" sldId="262"/>
+            <ac:spMk id="23" creationId="{D63093DB-AA0D-395B-B2F8-AEC75DE41160}"/>
+          </ac:spMkLst>
+        </pc:spChg>
+      </pc:sldChg>
+      <pc:sldChg chg="addSp delSp modSp mod">
+        <pc:chgData name="김소희 에너지AI트랙/" userId="292a1162-0793-4577-a94d-2dae0dfa5995" providerId="ADAL" clId="{1A74990F-7F6E-4538-864B-F8892A99DDF1}" dt="2022-11-08T09:59:57.813" v="90"/>
+        <pc:sldMkLst>
+          <pc:docMk/>
+          <pc:sldMk cId="2314811140" sldId="263"/>
+        </pc:sldMkLst>
+        <pc:spChg chg="add del mod">
+          <ac:chgData name="김소희 에너지AI트랙/" userId="292a1162-0793-4577-a94d-2dae0dfa5995" providerId="ADAL" clId="{1A74990F-7F6E-4538-864B-F8892A99DDF1}" dt="2022-11-08T09:59:34.469" v="75" actId="478"/>
+          <ac:spMkLst>
+            <pc:docMk/>
+            <pc:sldMk cId="2314811140" sldId="263"/>
+            <ac:spMk id="4" creationId="{E638AF06-8224-EA2C-F5A9-95E69F9A4329}"/>
+          </ac:spMkLst>
+        </pc:spChg>
+        <pc:spChg chg="add mod">
+          <ac:chgData name="김소희 에너지AI트랙/" userId="292a1162-0793-4577-a94d-2dae0dfa5995" providerId="ADAL" clId="{1A74990F-7F6E-4538-864B-F8892A99DDF1}" dt="2022-11-08T09:59:57.813" v="90"/>
+          <ac:spMkLst>
+            <pc:docMk/>
+            <pc:sldMk cId="2314811140" sldId="263"/>
+            <ac:spMk id="5" creationId="{2E368AB1-E584-8A8B-99BC-4E3328E30875}"/>
+          </ac:spMkLst>
+        </pc:spChg>
+        <pc:spChg chg="del">
+          <ac:chgData name="김소희 에너지AI트랙/" userId="292a1162-0793-4577-a94d-2dae0dfa5995" providerId="ADAL" clId="{1A74990F-7F6E-4538-864B-F8892A99DDF1}" dt="2022-11-08T09:59:32.583" v="74" actId="478"/>
+          <ac:spMkLst>
+            <pc:docMk/>
+            <pc:sldMk cId="2314811140" sldId="263"/>
+            <ac:spMk id="9" creationId="{05596BCF-D308-A29D-49E5-1678F5F8F27E}"/>
+          </ac:spMkLst>
+        </pc:spChg>
+        <pc:spChg chg="del">
+          <ac:chgData name="김소희 에너지AI트랙/" userId="292a1162-0793-4577-a94d-2dae0dfa5995" providerId="ADAL" clId="{1A74990F-7F6E-4538-864B-F8892A99DDF1}" dt="2022-11-08T09:58:09.786" v="45" actId="478"/>
+          <ac:spMkLst>
+            <pc:docMk/>
+            <pc:sldMk cId="2314811140" sldId="263"/>
+            <ac:spMk id="31" creationId="{37E02CC3-5929-0D94-FFA2-70E7ADD4481C}"/>
+          </ac:spMkLst>
+        </pc:spChg>
+      </pc:sldChg>
+      <pc:sldChg chg="addSp delSp modSp mod">
+        <pc:chgData name="김소희 에너지AI트랙/" userId="292a1162-0793-4577-a94d-2dae0dfa5995" providerId="ADAL" clId="{1A74990F-7F6E-4538-864B-F8892A99DDF1}" dt="2022-11-08T09:59:24" v="69" actId="478"/>
+        <pc:sldMkLst>
+          <pc:docMk/>
+          <pc:sldMk cId="4192125725" sldId="265"/>
+        </pc:sldMkLst>
+        <pc:spChg chg="add del mod">
+          <ac:chgData name="김소희 에너지AI트랙/" userId="292a1162-0793-4577-a94d-2dae0dfa5995" providerId="ADAL" clId="{1A74990F-7F6E-4538-864B-F8892A99DDF1}" dt="2022-11-08T09:59:24" v="69" actId="478"/>
+          <ac:spMkLst>
+            <pc:docMk/>
+            <pc:sldMk cId="4192125725" sldId="265"/>
+            <ac:spMk id="4" creationId="{8BCB4689-84C1-C48E-DF89-6A50ABD5544D}"/>
+          </ac:spMkLst>
+        </pc:spChg>
+        <pc:spChg chg="del">
+          <ac:chgData name="김소희 에너지AI트랙/" userId="292a1162-0793-4577-a94d-2dae0dfa5995" providerId="ADAL" clId="{1A74990F-7F6E-4538-864B-F8892A99DDF1}" dt="2022-11-08T09:58:05.408" v="42" actId="478"/>
+          <ac:spMkLst>
+            <pc:docMk/>
+            <pc:sldMk cId="4192125725" sldId="265"/>
+            <ac:spMk id="8" creationId="{53036097-4167-930C-D0CE-11D017FC9DFF}"/>
+          </ac:spMkLst>
+        </pc:spChg>
+        <pc:spChg chg="del">
+          <ac:chgData name="김소희 에너지AI트랙/" userId="292a1162-0793-4577-a94d-2dae0dfa5995" providerId="ADAL" clId="{1A74990F-7F6E-4538-864B-F8892A99DDF1}" dt="2022-11-08T09:59:21.700" v="67" actId="478"/>
+          <ac:spMkLst>
+            <pc:docMk/>
+            <pc:sldMk cId="4192125725" sldId="265"/>
+            <ac:spMk id="9" creationId="{05596BCF-D308-A29D-49E5-1678F5F8F27E}"/>
+          </ac:spMkLst>
+        </pc:spChg>
+        <pc:spChg chg="add mod">
+          <ac:chgData name="김소희 에너지AI트랙/" userId="292a1162-0793-4577-a94d-2dae0dfa5995" providerId="ADAL" clId="{1A74990F-7F6E-4538-864B-F8892A99DDF1}" dt="2022-11-08T09:59:21.925" v="68"/>
+          <ac:spMkLst>
+            <pc:docMk/>
+            <pc:sldMk cId="4192125725" sldId="265"/>
+            <ac:spMk id="10" creationId="{2BCDB4D3-2759-3BD4-5B89-334CC19D82BE}"/>
+          </ac:spMkLst>
+        </pc:spChg>
+      </pc:sldChg>
+      <pc:sldChg chg="addSp delSp modSp mod">
+        <pc:chgData name="김소희 에너지AI트랙/" userId="292a1162-0793-4577-a94d-2dae0dfa5995" providerId="ADAL" clId="{1A74990F-7F6E-4538-864B-F8892A99DDF1}" dt="2022-11-08T09:59:57.114" v="89"/>
+        <pc:sldMkLst>
+          <pc:docMk/>
+          <pc:sldMk cId="4274713490" sldId="266"/>
+        </pc:sldMkLst>
+        <pc:spChg chg="add del mod">
+          <ac:chgData name="김소희 에너지AI트랙/" userId="292a1162-0793-4577-a94d-2dae0dfa5995" providerId="ADAL" clId="{1A74990F-7F6E-4538-864B-F8892A99DDF1}" dt="2022-11-08T09:59:35.574" v="76" actId="478"/>
+          <ac:spMkLst>
+            <pc:docMk/>
+            <pc:sldMk cId="4274713490" sldId="266"/>
+            <ac:spMk id="7" creationId="{A826242C-15D8-6BA3-4033-DDFCC1A002DE}"/>
+          </ac:spMkLst>
+        </pc:spChg>
+        <pc:spChg chg="add mod">
+          <ac:chgData name="김소희 에너지AI트랙/" userId="292a1162-0793-4577-a94d-2dae0dfa5995" providerId="ADAL" clId="{1A74990F-7F6E-4538-864B-F8892A99DDF1}" dt="2022-11-08T09:59:57.114" v="89"/>
+          <ac:spMkLst>
+            <pc:docMk/>
+            <pc:sldMk cId="4274713490" sldId="266"/>
+            <ac:spMk id="8" creationId="{33946488-35C1-4D1A-330F-9322604735A5}"/>
+          </ac:spMkLst>
+        </pc:spChg>
+        <pc:spChg chg="del">
+          <ac:chgData name="김소희 에너지AI트랙/" userId="292a1162-0793-4577-a94d-2dae0dfa5995" providerId="ADAL" clId="{1A74990F-7F6E-4538-864B-F8892A99DDF1}" dt="2022-11-08T09:59:31.621" v="73" actId="478"/>
+          <ac:spMkLst>
+            <pc:docMk/>
+            <pc:sldMk cId="4274713490" sldId="266"/>
+            <ac:spMk id="9" creationId="{05596BCF-D308-A29D-49E5-1678F5F8F27E}"/>
+          </ac:spMkLst>
+        </pc:spChg>
+        <pc:spChg chg="del">
+          <ac:chgData name="김소희 에너지AI트랙/" userId="292a1162-0793-4577-a94d-2dae0dfa5995" providerId="ADAL" clId="{1A74990F-7F6E-4538-864B-F8892A99DDF1}" dt="2022-11-08T09:58:08.404" v="44" actId="478"/>
+          <ac:spMkLst>
+            <pc:docMk/>
+            <pc:sldMk cId="4274713490" sldId="266"/>
+            <ac:spMk id="19" creationId="{096EF5BA-99FE-5143-C4A6-CA9D3F2328E4}"/>
+          </ac:spMkLst>
+        </pc:spChg>
+      </pc:sldChg>
+      <pc:sldChg chg="addSp delSp modSp mod">
+        <pc:chgData name="김소희 에너지AI트랙/" userId="292a1162-0793-4577-a94d-2dae0dfa5995" providerId="ADAL" clId="{1A74990F-7F6E-4538-864B-F8892A99DDF1}" dt="2022-11-08T09:59:58.588" v="91"/>
+        <pc:sldMkLst>
+          <pc:docMk/>
+          <pc:sldMk cId="973955012" sldId="267"/>
+        </pc:sldMkLst>
+        <pc:spChg chg="add del mod">
+          <ac:chgData name="김소희 에너지AI트랙/" userId="292a1162-0793-4577-a94d-2dae0dfa5995" providerId="ADAL" clId="{1A74990F-7F6E-4538-864B-F8892A99DDF1}" dt="2022-11-08T09:59:38.766" v="78" actId="478"/>
+          <ac:spMkLst>
+            <pc:docMk/>
+            <pc:sldMk cId="973955012" sldId="267"/>
+            <ac:spMk id="8" creationId="{52C994EB-1FD6-5D29-515A-B2E1B81F3533}"/>
+          </ac:spMkLst>
+        </pc:spChg>
+        <pc:spChg chg="del">
+          <ac:chgData name="김소희 에너지AI트랙/" userId="292a1162-0793-4577-a94d-2dae0dfa5995" providerId="ADAL" clId="{1A74990F-7F6E-4538-864B-F8892A99DDF1}" dt="2022-11-08T09:59:36.978" v="77" actId="478"/>
+          <ac:spMkLst>
+            <pc:docMk/>
+            <pc:sldMk cId="973955012" sldId="267"/>
+            <ac:spMk id="9" creationId="{05596BCF-D308-A29D-49E5-1678F5F8F27E}"/>
+          </ac:spMkLst>
+        </pc:spChg>
+        <pc:spChg chg="add mod">
+          <ac:chgData name="김소희 에너지AI트랙/" userId="292a1162-0793-4577-a94d-2dae0dfa5995" providerId="ADAL" clId="{1A74990F-7F6E-4538-864B-F8892A99DDF1}" dt="2022-11-08T09:59:58.588" v="91"/>
+          <ac:spMkLst>
+            <pc:docMk/>
+            <pc:sldMk cId="973955012" sldId="267"/>
+            <ac:spMk id="15" creationId="{FA08FE20-F88C-23C3-E6FF-6910750D246B}"/>
+          </ac:spMkLst>
+        </pc:spChg>
+        <pc:spChg chg="del">
+          <ac:chgData name="김소희 에너지AI트랙/" userId="292a1162-0793-4577-a94d-2dae0dfa5995" providerId="ADAL" clId="{1A74990F-7F6E-4538-864B-F8892A99DDF1}" dt="2022-11-08T09:58:11.476" v="46" actId="478"/>
+          <ac:spMkLst>
+            <pc:docMk/>
+            <pc:sldMk cId="973955012" sldId="267"/>
+            <ac:spMk id="29" creationId="{CA0EC0AD-FB87-E286-F054-8C315E2C9423}"/>
+          </ac:spMkLst>
+        </pc:spChg>
+      </pc:sldChg>
+      <pc:sldChg chg="addSp delSp modSp mod">
+        <pc:chgData name="김소희 에너지AI트랙/" userId="292a1162-0793-4577-a94d-2dae0dfa5995" providerId="ADAL" clId="{1A74990F-7F6E-4538-864B-F8892A99DDF1}" dt="2022-11-08T09:59:59.236" v="92"/>
+        <pc:sldMkLst>
+          <pc:docMk/>
+          <pc:sldMk cId="3761049785" sldId="268"/>
+        </pc:sldMkLst>
+        <pc:spChg chg="add del mod">
+          <ac:chgData name="김소희 에너지AI트랙/" userId="292a1162-0793-4577-a94d-2dae0dfa5995" providerId="ADAL" clId="{1A74990F-7F6E-4538-864B-F8892A99DDF1}" dt="2022-11-08T09:59:41.114" v="80" actId="478"/>
+          <ac:spMkLst>
+            <pc:docMk/>
+            <pc:sldMk cId="3761049785" sldId="268"/>
+            <ac:spMk id="4" creationId="{573A2A6D-E4C6-023C-BCF6-4A230DBCD97A}"/>
+          </ac:spMkLst>
+        </pc:spChg>
+        <pc:spChg chg="add mod">
+          <ac:chgData name="김소희 에너지AI트랙/" userId="292a1162-0793-4577-a94d-2dae0dfa5995" providerId="ADAL" clId="{1A74990F-7F6E-4538-864B-F8892A99DDF1}" dt="2022-11-08T09:59:59.236" v="92"/>
+          <ac:spMkLst>
+            <pc:docMk/>
+            <pc:sldMk cId="3761049785" sldId="268"/>
+            <ac:spMk id="6" creationId="{76190627-309A-0BF0-9632-E0B0DDD0594C}"/>
+          </ac:spMkLst>
+        </pc:spChg>
+        <pc:spChg chg="del">
+          <ac:chgData name="김소희 에너지AI트랙/" userId="292a1162-0793-4577-a94d-2dae0dfa5995" providerId="ADAL" clId="{1A74990F-7F6E-4538-864B-F8892A99DDF1}" dt="2022-11-08T09:59:40.305" v="79" actId="478"/>
+          <ac:spMkLst>
+            <pc:docMk/>
+            <pc:sldMk cId="3761049785" sldId="268"/>
+            <ac:spMk id="9" creationId="{05596BCF-D308-A29D-49E5-1678F5F8F27E}"/>
+          </ac:spMkLst>
+        </pc:spChg>
+        <pc:spChg chg="del">
+          <ac:chgData name="김소희 에너지AI트랙/" userId="292a1162-0793-4577-a94d-2dae0dfa5995" providerId="ADAL" clId="{1A74990F-7F6E-4538-864B-F8892A99DDF1}" dt="2022-11-08T09:58:13.017" v="47" actId="478"/>
+          <ac:spMkLst>
+            <pc:docMk/>
+            <pc:sldMk cId="3761049785" sldId="268"/>
+            <ac:spMk id="24" creationId="{67A9C734-BCA9-4A76-AC71-381E7B758F41}"/>
+          </ac:spMkLst>
+        </pc:spChg>
+      </pc:sldChg>
+      <pc:sldChg chg="addSp delSp modSp mod">
+        <pc:chgData name="김소희 에너지AI트랙/" userId="292a1162-0793-4577-a94d-2dae0dfa5995" providerId="ADAL" clId="{1A74990F-7F6E-4538-864B-F8892A99DDF1}" dt="2022-11-08T09:59:59.940" v="93"/>
+        <pc:sldMkLst>
+          <pc:docMk/>
+          <pc:sldMk cId="1185179298" sldId="269"/>
+        </pc:sldMkLst>
+        <pc:spChg chg="add del mod">
+          <ac:chgData name="김소희 에너지AI트랙/" userId="292a1162-0793-4577-a94d-2dae0dfa5995" providerId="ADAL" clId="{1A74990F-7F6E-4538-864B-F8892A99DDF1}" dt="2022-11-08T09:59:46.135" v="84" actId="478"/>
+          <ac:spMkLst>
+            <pc:docMk/>
+            <pc:sldMk cId="1185179298" sldId="269"/>
+            <ac:spMk id="6" creationId="{47EE90CA-02B2-5313-00F3-189374B30CF5}"/>
+          </ac:spMkLst>
+        </pc:spChg>
+        <pc:spChg chg="add mod">
+          <ac:chgData name="김소희 에너지AI트랙/" userId="292a1162-0793-4577-a94d-2dae0dfa5995" providerId="ADAL" clId="{1A74990F-7F6E-4538-864B-F8892A99DDF1}" dt="2022-11-08T09:59:59.940" v="93"/>
+          <ac:spMkLst>
+            <pc:docMk/>
+            <pc:sldMk cId="1185179298" sldId="269"/>
+            <ac:spMk id="7" creationId="{B0754B19-A7D2-966B-48C1-D3006707018F}"/>
+          </ac:spMkLst>
+        </pc:spChg>
+        <pc:spChg chg="del">
+          <ac:chgData name="김소희 에너지AI트랙/" userId="292a1162-0793-4577-a94d-2dae0dfa5995" providerId="ADAL" clId="{1A74990F-7F6E-4538-864B-F8892A99DDF1}" dt="2022-11-08T09:59:44.686" v="83" actId="478"/>
+          <ac:spMkLst>
+            <pc:docMk/>
+            <pc:sldMk cId="1185179298" sldId="269"/>
+            <ac:spMk id="9" creationId="{05596BCF-D308-A29D-49E5-1678F5F8F27E}"/>
+          </ac:spMkLst>
+        </pc:spChg>
+        <pc:spChg chg="del">
+          <ac:chgData name="김소희 에너지AI트랙/" userId="292a1162-0793-4577-a94d-2dae0dfa5995" providerId="ADAL" clId="{1A74990F-7F6E-4538-864B-F8892A99DDF1}" dt="2022-11-08T09:58:18.351" v="48" actId="478"/>
+          <ac:spMkLst>
+            <pc:docMk/>
+            <pc:sldMk cId="1185179298" sldId="269"/>
+            <ac:spMk id="15" creationId="{0C51DCF2-7C76-7813-8EA4-551822A8F492}"/>
+          </ac:spMkLst>
+        </pc:spChg>
+      </pc:sldChg>
+      <pc:sldChg chg="addSp delSp modSp mod">
+        <pc:chgData name="김소희 에너지AI트랙/" userId="292a1162-0793-4577-a94d-2dae0dfa5995" providerId="ADAL" clId="{1A74990F-7F6E-4538-864B-F8892A99DDF1}" dt="2022-11-08T10:00:00.753" v="94"/>
+        <pc:sldMkLst>
+          <pc:docMk/>
+          <pc:sldMk cId="2129832029" sldId="270"/>
+        </pc:sldMkLst>
+        <pc:spChg chg="add del mod">
+          <ac:chgData name="김소희 에너지AI트랙/" userId="292a1162-0793-4577-a94d-2dae0dfa5995" providerId="ADAL" clId="{1A74990F-7F6E-4538-864B-F8892A99DDF1}" dt="2022-11-08T09:59:43.678" v="82" actId="478"/>
+          <ac:spMkLst>
+            <pc:docMk/>
+            <pc:sldMk cId="2129832029" sldId="270"/>
+            <ac:spMk id="4" creationId="{7D21F16F-6966-8020-7D90-2D493542C8FF}"/>
+          </ac:spMkLst>
+        </pc:spChg>
+        <pc:spChg chg="add mod">
+          <ac:chgData name="김소희 에너지AI트랙/" userId="292a1162-0793-4577-a94d-2dae0dfa5995" providerId="ADAL" clId="{1A74990F-7F6E-4538-864B-F8892A99DDF1}" dt="2022-11-08T10:00:00.753" v="94"/>
+          <ac:spMkLst>
+            <pc:docMk/>
+            <pc:sldMk cId="2129832029" sldId="270"/>
+            <ac:spMk id="7" creationId="{A477E9DA-2267-6D6C-DCA1-C604B524B028}"/>
+          </ac:spMkLst>
+        </pc:spChg>
+        <pc:spChg chg="del">
+          <ac:chgData name="김소희 에너지AI트랙/" userId="292a1162-0793-4577-a94d-2dae0dfa5995" providerId="ADAL" clId="{1A74990F-7F6E-4538-864B-F8892A99DDF1}" dt="2022-11-08T09:59:42.850" v="81" actId="478"/>
+          <ac:spMkLst>
+            <pc:docMk/>
+            <pc:sldMk cId="2129832029" sldId="270"/>
+            <ac:spMk id="9" creationId="{05596BCF-D308-A29D-49E5-1678F5F8F27E}"/>
+          </ac:spMkLst>
+        </pc:spChg>
+        <pc:spChg chg="del">
+          <ac:chgData name="김소희 에너지AI트랙/" userId="292a1162-0793-4577-a94d-2dae0dfa5995" providerId="ADAL" clId="{1A74990F-7F6E-4538-864B-F8892A99DDF1}" dt="2022-11-08T09:58:19.663" v="49" actId="478"/>
+          <ac:spMkLst>
+            <pc:docMk/>
+            <pc:sldMk cId="2129832029" sldId="270"/>
+            <ac:spMk id="18" creationId="{50467493-9603-B6F8-7AFA-71068A45FC3D}"/>
+          </ac:spMkLst>
+        </pc:spChg>
+      </pc:sldChg>
+      <pc:sldChg chg="addSp delSp modSp mod">
+        <pc:chgData name="김소희 에너지AI트랙/" userId="292a1162-0793-4577-a94d-2dae0dfa5995" providerId="ADAL" clId="{1A74990F-7F6E-4538-864B-F8892A99DDF1}" dt="2022-11-08T10:00:01.566" v="95"/>
+        <pc:sldMkLst>
+          <pc:docMk/>
+          <pc:sldMk cId="2245789559" sldId="271"/>
+        </pc:sldMkLst>
+        <pc:spChg chg="add del mod">
+          <ac:chgData name="김소희 에너지AI트랙/" userId="292a1162-0793-4577-a94d-2dae0dfa5995" providerId="ADAL" clId="{1A74990F-7F6E-4538-864B-F8892A99DDF1}" dt="2022-11-08T09:59:49.084" v="86" actId="478"/>
+          <ac:spMkLst>
+            <pc:docMk/>
+            <pc:sldMk cId="2245789559" sldId="271"/>
+            <ac:spMk id="6" creationId="{FCA413CE-C4D5-A9E3-B4D0-C1CB1CD1DF0F}"/>
+          </ac:spMkLst>
+        </pc:spChg>
+        <pc:spChg chg="add mod">
+          <ac:chgData name="김소희 에너지AI트랙/" userId="292a1162-0793-4577-a94d-2dae0dfa5995" providerId="ADAL" clId="{1A74990F-7F6E-4538-864B-F8892A99DDF1}" dt="2022-11-08T10:00:01.566" v="95"/>
+          <ac:spMkLst>
+            <pc:docMk/>
+            <pc:sldMk cId="2245789559" sldId="271"/>
+            <ac:spMk id="7" creationId="{E5FF2731-3722-7D8E-BD84-DF2FA84F52A7}"/>
+          </ac:spMkLst>
+        </pc:spChg>
+        <pc:spChg chg="del">
+          <ac:chgData name="김소희 에너지AI트랙/" userId="292a1162-0793-4577-a94d-2dae0dfa5995" providerId="ADAL" clId="{1A74990F-7F6E-4538-864B-F8892A99DDF1}" dt="2022-11-08T09:59:47.994" v="85" actId="478"/>
+          <ac:spMkLst>
+            <pc:docMk/>
+            <pc:sldMk cId="2245789559" sldId="271"/>
+            <ac:spMk id="9" creationId="{05596BCF-D308-A29D-49E5-1678F5F8F27E}"/>
+          </ac:spMkLst>
+        </pc:spChg>
+        <pc:spChg chg="del">
+          <ac:chgData name="김소희 에너지AI트랙/" userId="292a1162-0793-4577-a94d-2dae0dfa5995" providerId="ADAL" clId="{1A74990F-7F6E-4538-864B-F8892A99DDF1}" dt="2022-11-08T09:58:20.707" v="50" actId="478"/>
+          <ac:spMkLst>
+            <pc:docMk/>
+            <pc:sldMk cId="2245789559" sldId="271"/>
+            <ac:spMk id="26" creationId="{5A52575B-C8BF-1097-A138-172FEA7EFC9E}"/>
+          </ac:spMkLst>
+        </pc:spChg>
+      </pc:sldChg>
+      <pc:sldChg chg="addSp delSp modSp mod">
+        <pc:chgData name="김소희 에너지AI트랙/" userId="292a1162-0793-4577-a94d-2dae0dfa5995" providerId="ADAL" clId="{1A74990F-7F6E-4538-864B-F8892A99DDF1}" dt="2022-11-08T10:00:02.477" v="96"/>
+        <pc:sldMkLst>
+          <pc:docMk/>
+          <pc:sldMk cId="1263584717" sldId="272"/>
+        </pc:sldMkLst>
+        <pc:spChg chg="add del mod">
+          <ac:chgData name="김소희 에너지AI트랙/" userId="292a1162-0793-4577-a94d-2dae0dfa5995" providerId="ADAL" clId="{1A74990F-7F6E-4538-864B-F8892A99DDF1}" dt="2022-11-08T09:59:51.183" v="88" actId="478"/>
+          <ac:spMkLst>
+            <pc:docMk/>
+            <pc:sldMk cId="1263584717" sldId="272"/>
+            <ac:spMk id="4" creationId="{7E5EE91A-8DB8-BDF9-CBF9-385058B1C8D7}"/>
+          </ac:spMkLst>
+        </pc:spChg>
+        <pc:spChg chg="add mod">
+          <ac:chgData name="김소희 에너지AI트랙/" userId="292a1162-0793-4577-a94d-2dae0dfa5995" providerId="ADAL" clId="{1A74990F-7F6E-4538-864B-F8892A99DDF1}" dt="2022-11-08T10:00:02.477" v="96"/>
+          <ac:spMkLst>
+            <pc:docMk/>
+            <pc:sldMk cId="1263584717" sldId="272"/>
+            <ac:spMk id="5" creationId="{6BDCBA01-9756-AE10-7B24-A680E64C8653}"/>
+          </ac:spMkLst>
+        </pc:spChg>
+        <pc:spChg chg="del">
+          <ac:chgData name="김소희 에너지AI트랙/" userId="292a1162-0793-4577-a94d-2dae0dfa5995" providerId="ADAL" clId="{1A74990F-7F6E-4538-864B-F8892A99DDF1}" dt="2022-11-08T09:59:50.158" v="87" actId="478"/>
+          <ac:spMkLst>
+            <pc:docMk/>
+            <pc:sldMk cId="1263584717" sldId="272"/>
+            <ac:spMk id="9" creationId="{05596BCF-D308-A29D-49E5-1678F5F8F27E}"/>
+          </ac:spMkLst>
+        </pc:spChg>
+        <pc:spChg chg="del">
+          <ac:chgData name="김소희 에너지AI트랙/" userId="292a1162-0793-4577-a94d-2dae0dfa5995" providerId="ADAL" clId="{1A74990F-7F6E-4538-864B-F8892A99DDF1}" dt="2022-11-08T09:58:21.788" v="51" actId="478"/>
+          <ac:spMkLst>
+            <pc:docMk/>
+            <pc:sldMk cId="1263584717" sldId="272"/>
+            <ac:spMk id="23" creationId="{8EB2682D-529A-0569-2BD4-B0388671ABA1}"/>
+          </ac:spMkLst>
+        </pc:spChg>
+      </pc:sldChg>
+      <pc:sldMasterChg chg="modSp setBg delSldLayout modSldLayout">
+        <pc:chgData name="김소희 에너지AI트랙/" userId="292a1162-0793-4577-a94d-2dae0dfa5995" providerId="ADAL" clId="{1A74990F-7F6E-4538-864B-F8892A99DDF1}" dt="2022-11-08T09:57:55.910" v="39" actId="1076"/>
+        <pc:sldMasterMkLst>
+          <pc:docMk/>
+          <pc:sldMasterMk cId="1887259128" sldId="2147483648"/>
+        </pc:sldMasterMkLst>
+        <pc:sldLayoutChg chg="modSp setBg">
+          <pc:chgData name="김소희 에너지AI트랙/" userId="292a1162-0793-4577-a94d-2dae0dfa5995" providerId="ADAL" clId="{1A74990F-7F6E-4538-864B-F8892A99DDF1}" dt="2022-11-08T09:56:01.244" v="3"/>
+          <pc:sldLayoutMkLst>
+            <pc:docMk/>
+            <pc:sldMasterMk cId="1887259128" sldId="2147483648"/>
+            <pc:sldLayoutMk cId="1953722786" sldId="2147483649"/>
+          </pc:sldLayoutMkLst>
+        </pc:sldLayoutChg>
+        <pc:sldLayoutChg chg="del">
+          <pc:chgData name="김소희 에너지AI트랙/" userId="292a1162-0793-4577-a94d-2dae0dfa5995" providerId="ADAL" clId="{1A74990F-7F6E-4538-864B-F8892A99DDF1}" dt="2022-11-08T09:56:50.425" v="17" actId="2696"/>
+          <pc:sldLayoutMkLst>
+            <pc:docMk/>
+            <pc:sldMasterMk cId="1887259128" sldId="2147483648"/>
+            <pc:sldLayoutMk cId="38801210" sldId="2147483650"/>
+          </pc:sldLayoutMkLst>
+        </pc:sldLayoutChg>
+        <pc:sldLayoutChg chg="del">
+          <pc:chgData name="김소희 에너지AI트랙/" userId="292a1162-0793-4577-a94d-2dae0dfa5995" providerId="ADAL" clId="{1A74990F-7F6E-4538-864B-F8892A99DDF1}" dt="2022-11-08T09:56:42.748" v="9" actId="2696"/>
+          <pc:sldLayoutMkLst>
+            <pc:docMk/>
+            <pc:sldMasterMk cId="1887259128" sldId="2147483648"/>
+            <pc:sldLayoutMk cId="3271247812" sldId="2147483651"/>
+          </pc:sldLayoutMkLst>
+        </pc:sldLayoutChg>
+        <pc:sldLayoutChg chg="del">
+          <pc:chgData name="김소희 에너지AI트랙/" userId="292a1162-0793-4577-a94d-2dae0dfa5995" providerId="ADAL" clId="{1A74990F-7F6E-4538-864B-F8892A99DDF1}" dt="2022-11-08T09:56:42.931" v="10" actId="2696"/>
+          <pc:sldLayoutMkLst>
+            <pc:docMk/>
+            <pc:sldMasterMk cId="1887259128" sldId="2147483648"/>
+            <pc:sldLayoutMk cId="1857762511" sldId="2147483652"/>
+          </pc:sldLayoutMkLst>
+        </pc:sldLayoutChg>
+        <pc:sldLayoutChg chg="del">
+          <pc:chgData name="김소희 에너지AI트랙/" userId="292a1162-0793-4577-a94d-2dae0dfa5995" providerId="ADAL" clId="{1A74990F-7F6E-4538-864B-F8892A99DDF1}" dt="2022-11-08T09:56:43.229" v="11" actId="2696"/>
+          <pc:sldLayoutMkLst>
+            <pc:docMk/>
+            <pc:sldMasterMk cId="1887259128" sldId="2147483648"/>
+            <pc:sldLayoutMk cId="1756613331" sldId="2147483653"/>
+          </pc:sldLayoutMkLst>
+        </pc:sldLayoutChg>
+        <pc:sldLayoutChg chg="addSp delSp modSp mod">
+          <pc:chgData name="김소희 에너지AI트랙/" userId="292a1162-0793-4577-a94d-2dae0dfa5995" providerId="ADAL" clId="{1A74990F-7F6E-4538-864B-F8892A99DDF1}" dt="2022-11-08T09:57:55.910" v="39" actId="1076"/>
+          <pc:sldLayoutMkLst>
+            <pc:docMk/>
+            <pc:sldMasterMk cId="1887259128" sldId="2147483648"/>
+            <pc:sldLayoutMk cId="285636202" sldId="2147483654"/>
+          </pc:sldLayoutMkLst>
+          <pc:spChg chg="del mod">
+            <ac:chgData name="김소희 에너지AI트랙/" userId="292a1162-0793-4577-a94d-2dae0dfa5995" providerId="ADAL" clId="{1A74990F-7F6E-4538-864B-F8892A99DDF1}" dt="2022-11-08T09:57:37.573" v="26" actId="478"/>
+            <ac:spMkLst>
+              <pc:docMk/>
+              <pc:sldMasterMk cId="1887259128" sldId="2147483648"/>
+              <pc:sldLayoutMk cId="285636202" sldId="2147483654"/>
+              <ac:spMk id="5" creationId="{862716D9-D994-52E7-8BE0-9B767BED13AD}"/>
+            </ac:spMkLst>
+          </pc:spChg>
+          <pc:spChg chg="add mod">
+            <ac:chgData name="김소희 에너지AI트랙/" userId="292a1162-0793-4577-a94d-2dae0dfa5995" providerId="ADAL" clId="{1A74990F-7F6E-4538-864B-F8892A99DDF1}" dt="2022-11-08T09:57:55.910" v="39" actId="1076"/>
+            <ac:spMkLst>
+              <pc:docMk/>
+              <pc:sldMasterMk cId="1887259128" sldId="2147483648"/>
+              <pc:sldLayoutMk cId="285636202" sldId="2147483654"/>
+              <ac:spMk id="6" creationId="{C44C27D6-0AB3-C78A-1C2F-617A157ECFF2}"/>
+            </ac:spMkLst>
+          </pc:spChg>
+        </pc:sldLayoutChg>
+        <pc:sldLayoutChg chg="del">
+          <pc:chgData name="김소희 에너지AI트랙/" userId="292a1162-0793-4577-a94d-2dae0dfa5995" providerId="ADAL" clId="{1A74990F-7F6E-4538-864B-F8892A99DDF1}" dt="2022-11-08T09:56:45.647" v="12" actId="2696"/>
+          <pc:sldLayoutMkLst>
+            <pc:docMk/>
+            <pc:sldMasterMk cId="1887259128" sldId="2147483648"/>
+            <pc:sldLayoutMk cId="651258160" sldId="2147483655"/>
+          </pc:sldLayoutMkLst>
+        </pc:sldLayoutChg>
+        <pc:sldLayoutChg chg="del">
+          <pc:chgData name="김소희 에너지AI트랙/" userId="292a1162-0793-4577-a94d-2dae0dfa5995" providerId="ADAL" clId="{1A74990F-7F6E-4538-864B-F8892A99DDF1}" dt="2022-11-08T09:56:45.802" v="13" actId="2696"/>
+          <pc:sldLayoutMkLst>
+            <pc:docMk/>
+            <pc:sldMasterMk cId="1887259128" sldId="2147483648"/>
+            <pc:sldLayoutMk cId="3966231513" sldId="2147483656"/>
+          </pc:sldLayoutMkLst>
+        </pc:sldLayoutChg>
+        <pc:sldLayoutChg chg="del">
+          <pc:chgData name="김소희 에너지AI트랙/" userId="292a1162-0793-4577-a94d-2dae0dfa5995" providerId="ADAL" clId="{1A74990F-7F6E-4538-864B-F8892A99DDF1}" dt="2022-11-08T09:56:45.967" v="14" actId="2696"/>
+          <pc:sldLayoutMkLst>
+            <pc:docMk/>
+            <pc:sldMasterMk cId="1887259128" sldId="2147483648"/>
+            <pc:sldLayoutMk cId="2087608735" sldId="2147483657"/>
+          </pc:sldLayoutMkLst>
+        </pc:sldLayoutChg>
+        <pc:sldLayoutChg chg="del">
+          <pc:chgData name="김소희 에너지AI트랙/" userId="292a1162-0793-4577-a94d-2dae0dfa5995" providerId="ADAL" clId="{1A74990F-7F6E-4538-864B-F8892A99DDF1}" dt="2022-11-08T09:56:46.119" v="15" actId="2696"/>
+          <pc:sldLayoutMkLst>
+            <pc:docMk/>
+            <pc:sldMasterMk cId="1887259128" sldId="2147483648"/>
+            <pc:sldLayoutMk cId="4213625261" sldId="2147483658"/>
+          </pc:sldLayoutMkLst>
+        </pc:sldLayoutChg>
+        <pc:sldLayoutChg chg="del">
+          <pc:chgData name="김소희 에너지AI트랙/" userId="292a1162-0793-4577-a94d-2dae0dfa5995" providerId="ADAL" clId="{1A74990F-7F6E-4538-864B-F8892A99DDF1}" dt="2022-11-08T09:56:46.267" v="16" actId="2696"/>
+          <pc:sldLayoutMkLst>
+            <pc:docMk/>
+            <pc:sldMasterMk cId="1887259128" sldId="2147483648"/>
+            <pc:sldLayoutMk cId="4279420986" sldId="2147483659"/>
+          </pc:sldLayoutMkLst>
+        </pc:sldLayoutChg>
+      </pc:sldMasterChg>
+    </pc:docChg>
+  </pc:docChgLst>
   <pc:docChgLst>
     <pc:chgData name="김소희" userId="292a1162-0793-4577-a94d-2dae0dfa5995" providerId="ADAL" clId="{D3AD3801-F6E4-4442-AEF2-BDB78824C6DB}"/>
     <pc:docChg chg="modSld">
@@ -266,7 +1302,7 @@
           <a:p>
             <a:fld id="{D2E5A9CD-0FA6-49C0-AE09-49BB6DA0A130}" type="datetimeFigureOut">
               <a:rPr lang="ko-KR" altLang="en-US" smtClean="0"/>
-              <a:t>2022-05-25</a:t>
+              <a:t>2022-11-08</a:t>
             </a:fld>
             <a:endParaRPr lang="ko-KR" altLang="en-US"/>
           </a:p>
@@ -578,40 +1614,10 @@
           <a:lstStyle/>
           <a:p>
             <a:r>
-              <a:rPr lang="en-US" altLang="ko-KR" dirty="0"/>
-              <a:t>Non rigid – change in shape or size </a:t>
-            </a:r>
-            <a:r>
-              <a:rPr lang="ko-KR" altLang="en-US" dirty="0"/>
-              <a:t>모양</a:t>
-            </a:r>
-            <a:r>
-              <a:rPr lang="en-US" altLang="ko-KR" dirty="0"/>
-              <a:t>, </a:t>
-            </a:r>
-            <a:r>
-              <a:rPr lang="ko-KR" altLang="en-US" dirty="0"/>
-              <a:t>크기 변형</a:t>
-            </a:r>
-            <a:endParaRPr lang="en-US" altLang="ko-KR" dirty="0"/>
-          </a:p>
-          <a:p>
-            <a:r>
-              <a:rPr lang="en-US" altLang="ko-KR" dirty="0"/>
-              <a:t>Rigid – change in location and orientation </a:t>
-            </a:r>
-            <a:r>
-              <a:rPr lang="ko-KR" altLang="en-US" dirty="0"/>
-              <a:t>위치</a:t>
-            </a:r>
-            <a:r>
-              <a:rPr lang="en-US" altLang="ko-KR" dirty="0"/>
-              <a:t>,</a:t>
-            </a:r>
-            <a:r>
-              <a:rPr lang="ko-KR" altLang="en-US" dirty="0"/>
-              <a:t> 방향 변형</a:t>
-            </a:r>
+              <a:rPr lang="en-US" altLang="ko-KR"/>
+              <a:t>https://towardsdatascience.com/review-stn-spatial-transformer-network-image-classification-d3cbd98a70aa</a:t>
+            </a:r>
+            <a:endParaRPr lang="ko-KR" altLang="en-US"/>
           </a:p>
         </p:txBody>
       </p:sp>
@@ -630,9 +1636,9 @@
           <a:bodyPr/>
           <a:lstStyle/>
           <a:p>
-            <a:fld id="{52486DED-3510-4133-8C1C-AE1D3AAE843F}" type="slidenum">
+            <a:fld id="{437D1B8F-1F03-4E08-88E0-BCC332C29235}" type="slidenum">
               <a:rPr lang="ko-KR" altLang="en-US" smtClean="0"/>
-              <a:t>2</a:t>
+              <a:t>1</a:t>
             </a:fld>
             <a:endParaRPr lang="ko-KR" altLang="en-US"/>
           </a:p>
@@ -641,7 +1647,7 @@
     </p:spTree>
     <p:extLst>
       <p:ext uri="{BB962C8B-B14F-4D97-AF65-F5344CB8AC3E}">
-        <p14:creationId xmlns:p14="http://schemas.microsoft.com/office/powerpoint/2010/main" val="37916394"/>
+        <p14:creationId xmlns:p14="http://schemas.microsoft.com/office/powerpoint/2010/main" val="4198723782"/>
       </p:ext>
     </p:extLst>
   </p:cSld>
@@ -737,7 +1743,7 @@
           <a:p>
             <a:fld id="{52486DED-3510-4133-8C1C-AE1D3AAE843F}" type="slidenum">
               <a:rPr lang="ko-KR" altLang="en-US" smtClean="0"/>
-              <a:t>11</a:t>
+              <a:t>10</a:t>
             </a:fld>
             <a:endParaRPr lang="ko-KR" altLang="en-US"/>
           </a:p>
@@ -746,7 +1752,7 @@
     </p:spTree>
     <p:extLst>
       <p:ext uri="{BB962C8B-B14F-4D97-AF65-F5344CB8AC3E}">
-        <p14:creationId xmlns:p14="http://schemas.microsoft.com/office/powerpoint/2010/main" val="4195034226"/>
+        <p14:creationId xmlns:p14="http://schemas.microsoft.com/office/powerpoint/2010/main" val="87801765"/>
       </p:ext>
     </p:extLst>
   </p:cSld>
@@ -842,7 +1848,7 @@
           <a:p>
             <a:fld id="{52486DED-3510-4133-8C1C-AE1D3AAE843F}" type="slidenum">
               <a:rPr lang="ko-KR" altLang="en-US" smtClean="0"/>
-              <a:t>12</a:t>
+              <a:t>11</a:t>
             </a:fld>
             <a:endParaRPr lang="ko-KR" altLang="en-US"/>
           </a:p>
@@ -851,7 +1857,7 @@
     </p:spTree>
     <p:extLst>
       <p:ext uri="{BB962C8B-B14F-4D97-AF65-F5344CB8AC3E}">
-        <p14:creationId xmlns:p14="http://schemas.microsoft.com/office/powerpoint/2010/main" val="3569555774"/>
+        <p14:creationId xmlns:p14="http://schemas.microsoft.com/office/powerpoint/2010/main" val="4195034226"/>
       </p:ext>
     </p:extLst>
   </p:cSld>
@@ -947,6 +1953,111 @@
           <a:p>
             <a:fld id="{52486DED-3510-4133-8C1C-AE1D3AAE843F}" type="slidenum">
               <a:rPr lang="ko-KR" altLang="en-US" smtClean="0"/>
+              <a:t>12</a:t>
+            </a:fld>
+            <a:endParaRPr lang="ko-KR" altLang="en-US"/>
+          </a:p>
+        </p:txBody>
+      </p:sp>
+    </p:spTree>
+    <p:extLst>
+      <p:ext uri="{BB962C8B-B14F-4D97-AF65-F5344CB8AC3E}">
+        <p14:creationId xmlns:p14="http://schemas.microsoft.com/office/powerpoint/2010/main" val="3569555774"/>
+      </p:ext>
+    </p:extLst>
+  </p:cSld>
+  <p:clrMapOvr>
+    <a:masterClrMapping/>
+  </p:clrMapOvr>
+</p:notes>
+</file>
+
+<file path=ppt/notesSlides/notesSlide13.xml><?xml version="1.0" encoding="utf-8"?>
+<p:notes xmlns:a="http://schemas.openxmlformats.org/drawingml/2006/main" xmlns:r="http://schemas.openxmlformats.org/officeDocument/2006/relationships" xmlns:p="http://schemas.openxmlformats.org/presentationml/2006/main">
+  <p:cSld>
+    <p:spTree>
+      <p:nvGrpSpPr>
+        <p:cNvPr id="1" name=""/>
+        <p:cNvGrpSpPr/>
+        <p:nvPr/>
+      </p:nvGrpSpPr>
+      <p:grpSpPr>
+        <a:xfrm>
+          <a:off x="0" y="0"/>
+          <a:ext cx="0" cy="0"/>
+          <a:chOff x="0" y="0"/>
+          <a:chExt cx="0" cy="0"/>
+        </a:xfrm>
+      </p:grpSpPr>
+      <p:sp>
+        <p:nvSpPr>
+          <p:cNvPr id="2" name="슬라이드 이미지 개체 틀 1"/>
+          <p:cNvSpPr>
+            <a:spLocks noGrp="1" noRot="1" noChangeAspect="1"/>
+          </p:cNvSpPr>
+          <p:nvPr>
+            <p:ph type="sldImg"/>
+          </p:nvPr>
+        </p:nvSpPr>
+        <p:spPr/>
+      </p:sp>
+      <p:sp>
+        <p:nvSpPr>
+          <p:cNvPr id="3" name="슬라이드 노트 개체 틀 2"/>
+          <p:cNvSpPr>
+            <a:spLocks noGrp="1"/>
+          </p:cNvSpPr>
+          <p:nvPr>
+            <p:ph type="body" idx="1"/>
+          </p:nvPr>
+        </p:nvSpPr>
+        <p:spPr/>
+        <p:txBody>
+          <a:bodyPr/>
+          <a:lstStyle/>
+          <a:p>
+            <a:r>
+              <a:rPr lang="en-US" altLang="ko-KR" dirty="0"/>
+              <a:t>Why do we need interpolation</a:t>
+            </a:r>
+          </a:p>
+          <a:p>
+            <a:r>
+              <a:rPr lang="ko-KR" altLang="en-US" dirty="0"/>
+              <a:t>회전하기 전에 포인트 </a:t>
+            </a:r>
+            <a:r>
+              <a:rPr lang="en-US" altLang="ko-KR" dirty="0"/>
+              <a:t>=&gt; </a:t>
+            </a:r>
+            <a:r>
+              <a:rPr lang="ko-KR" altLang="en-US" dirty="0" err="1"/>
+              <a:t>정수값이</a:t>
+            </a:r>
+            <a:r>
+              <a:rPr lang="ko-KR" altLang="en-US" dirty="0"/>
+              <a:t> 아님</a:t>
+            </a:r>
+          </a:p>
+        </p:txBody>
+      </p:sp>
+      <p:sp>
+        <p:nvSpPr>
+          <p:cNvPr id="4" name="슬라이드 번호 개체 틀 3"/>
+          <p:cNvSpPr>
+            <a:spLocks noGrp="1"/>
+          </p:cNvSpPr>
+          <p:nvPr>
+            <p:ph type="sldNum" sz="quarter" idx="5"/>
+          </p:nvPr>
+        </p:nvSpPr>
+        <p:spPr/>
+        <p:txBody>
+          <a:bodyPr/>
+          <a:lstStyle/>
+          <a:p>
+            <a:fld id="{52486DED-3510-4133-8C1C-AE1D3AAE843F}" type="slidenum">
+              <a:rPr lang="ko-KR" altLang="en-US" smtClean="0"/>
               <a:t>13</a:t>
             </a:fld>
             <a:endParaRPr lang="ko-KR" altLang="en-US"/>
@@ -966,7 +2077,7 @@
 </p:notes>
 </file>
 
-<file path=ppt/notesSlides/notesSlide13.xml><?xml version="1.0" encoding="utf-8"?>
+<file path=ppt/notesSlides/notesSlide14.xml><?xml version="1.0" encoding="utf-8"?>
 <p:notes xmlns:a="http://schemas.openxmlformats.org/drawingml/2006/main" xmlns:r="http://schemas.openxmlformats.org/officeDocument/2006/relationships" xmlns:p="http://schemas.openxmlformats.org/presentationml/2006/main">
   <p:cSld>
     <p:spTree>
@@ -1115,6 +2226,98 @@
           <a:bodyPr/>
           <a:lstStyle/>
           <a:p>
+            <a:r>
+              <a:rPr lang="en-US" altLang="ko-KR"/>
+              <a:t>Convolutional Neural Networks define an exceptionally powerful class of models, but are still limited by the lack of ability to be spatially invariant to the input data in a computationally and parameter efficient manner. </a:t>
+            </a:r>
+          </a:p>
+          <a:p>
+            <a:endParaRPr lang="en-US" altLang="ko-KR"/>
+          </a:p>
+          <a:p>
+            <a:r>
+              <a:rPr lang="en-US" altLang="ko-KR" b="0" i="0">
+                <a:solidFill>
+                  <a:srgbClr val="292929"/>
+                </a:solidFill>
+                <a:effectLst/>
+                <a:latin typeface="source-serif-pro"/>
+              </a:rPr>
+              <a:t>Spatial invariance refers to the invariance of the model towards spatial transformations of images such as rotation, translation and scaling.</a:t>
+            </a:r>
+            <a:endParaRPr lang="en-US" altLang="ko-KR"/>
+          </a:p>
+          <a:p>
+            <a:endParaRPr lang="en-US" altLang="ko-KR"/>
+          </a:p>
+          <a:p>
+            <a:r>
+              <a:rPr lang="en-US" altLang="ko-KR"/>
+              <a:t>Non </a:t>
+            </a:r>
+            <a:r>
+              <a:rPr lang="en-US" altLang="ko-KR" dirty="0"/>
+              <a:t>rigid – change in shape or size </a:t>
+            </a:r>
+            <a:r>
+              <a:rPr lang="ko-KR" altLang="en-US" dirty="0"/>
+              <a:t>모양</a:t>
+            </a:r>
+            <a:r>
+              <a:rPr lang="en-US" altLang="ko-KR" dirty="0"/>
+              <a:t>, </a:t>
+            </a:r>
+            <a:r>
+              <a:rPr lang="ko-KR" altLang="en-US" dirty="0"/>
+              <a:t>크기 변형</a:t>
+            </a:r>
+            <a:endParaRPr lang="en-US" altLang="ko-KR" dirty="0"/>
+          </a:p>
+          <a:p>
+            <a:r>
+              <a:rPr lang="en-US" altLang="ko-KR" dirty="0"/>
+              <a:t>Rigid – change in location and orientation </a:t>
+            </a:r>
+            <a:r>
+              <a:rPr lang="ko-KR" altLang="en-US" dirty="0"/>
+              <a:t>위치</a:t>
+            </a:r>
+            <a:r>
+              <a:rPr lang="en-US" altLang="ko-KR" dirty="0"/>
+              <a:t>,</a:t>
+            </a:r>
+            <a:r>
+              <a:rPr lang="ko-KR" altLang="en-US" dirty="0"/>
+              <a:t> </a:t>
+            </a:r>
+            <a:r>
+              <a:rPr lang="ko-KR" altLang="en-US"/>
+              <a:t>방향 변형</a:t>
+            </a:r>
+            <a:endParaRPr lang="en-US" altLang="ko-KR"/>
+          </a:p>
+          <a:p>
+            <a:endParaRPr lang="en-US" altLang="ko-KR"/>
+          </a:p>
+          <a:p>
+            <a:r>
+              <a:rPr lang="en-US" altLang="ko-KR"/>
+              <a:t>https://broc.tistory.com/entry/%EA%B7%B8%EB%9E%98%ED%94%BD%EC%8A%A4-2D-Transformation-1</a:t>
+            </a:r>
+          </a:p>
+          <a:p>
+            <a:r>
+              <a:rPr lang="en-US" altLang="ko-KR"/>
+              <a:t>https://manjunathbhat9920.medium.com/spatial-transformer-network-82666f184299</a:t>
+            </a:r>
+          </a:p>
+          <a:p>
+            <a:endParaRPr lang="en-US" altLang="ko-KR"/>
+          </a:p>
+          <a:p>
+            <a:endParaRPr lang="en-US" altLang="ko-KR"/>
+          </a:p>
+          <a:p>
             <a:endParaRPr lang="ko-KR" altLang="en-US" dirty="0"/>
           </a:p>
         </p:txBody>
@@ -1136,7 +2339,7 @@
           <a:p>
             <a:fld id="{52486DED-3510-4133-8C1C-AE1D3AAE843F}" type="slidenum">
               <a:rPr lang="ko-KR" altLang="en-US" smtClean="0"/>
-              <a:t>3</a:t>
+              <a:t>2</a:t>
             </a:fld>
             <a:endParaRPr lang="ko-KR" altLang="en-US"/>
           </a:p>
@@ -1145,7 +2348,7 @@
     </p:spTree>
     <p:extLst>
       <p:ext uri="{BB962C8B-B14F-4D97-AF65-F5344CB8AC3E}">
-        <p14:creationId xmlns:p14="http://schemas.microsoft.com/office/powerpoint/2010/main" val="623638009"/>
+        <p14:creationId xmlns:p14="http://schemas.microsoft.com/office/powerpoint/2010/main" val="37916394"/>
       </p:ext>
     </p:extLst>
   </p:cSld>
@@ -1220,7 +2423,7 @@
           <a:p>
             <a:fld id="{52486DED-3510-4133-8C1C-AE1D3AAE843F}" type="slidenum">
               <a:rPr lang="ko-KR" altLang="en-US" smtClean="0"/>
-              <a:t>4</a:t>
+              <a:t>3</a:t>
             </a:fld>
             <a:endParaRPr lang="ko-KR" altLang="en-US"/>
           </a:p>
@@ -1229,7 +2432,7 @@
     </p:spTree>
     <p:extLst>
       <p:ext uri="{BB962C8B-B14F-4D97-AF65-F5344CB8AC3E}">
-        <p14:creationId xmlns:p14="http://schemas.microsoft.com/office/powerpoint/2010/main" val="2231323100"/>
+        <p14:creationId xmlns:p14="http://schemas.microsoft.com/office/powerpoint/2010/main" val="623638009"/>
       </p:ext>
     </p:extLst>
   </p:cSld>
@@ -1304,7 +2507,7 @@
           <a:p>
             <a:fld id="{52486DED-3510-4133-8C1C-AE1D3AAE843F}" type="slidenum">
               <a:rPr lang="ko-KR" altLang="en-US" smtClean="0"/>
-              <a:t>5</a:t>
+              <a:t>4</a:t>
             </a:fld>
             <a:endParaRPr lang="ko-KR" altLang="en-US"/>
           </a:p>
@@ -1313,7 +2516,7 @@
     </p:spTree>
     <p:extLst>
       <p:ext uri="{BB962C8B-B14F-4D97-AF65-F5344CB8AC3E}">
-        <p14:creationId xmlns:p14="http://schemas.microsoft.com/office/powerpoint/2010/main" val="587549124"/>
+        <p14:creationId xmlns:p14="http://schemas.microsoft.com/office/powerpoint/2010/main" val="2231323100"/>
       </p:ext>
     </p:extLst>
   </p:cSld>
@@ -1367,102 +2570,6 @@
           <a:bodyPr/>
           <a:lstStyle/>
           <a:p>
-            <a:r>
-              <a:rPr lang="en-US" altLang="ko-KR" dirty="0"/>
-              <a:t>Identity transformation – </a:t>
-            </a:r>
-            <a:r>
-              <a:rPr lang="ko-KR" altLang="en-US" dirty="0" err="1"/>
-              <a:t>항등변환</a:t>
-            </a:r>
-            <a:r>
-              <a:rPr lang="ko-KR" altLang="en-US" dirty="0"/>
-              <a:t> </a:t>
-            </a:r>
-            <a:r>
-              <a:rPr lang="en-US" altLang="ko-KR" dirty="0"/>
-              <a:t>(</a:t>
-            </a:r>
-            <a:r>
-              <a:rPr lang="ko-KR" altLang="en-US" dirty="0"/>
-              <a:t>변환 결과가 자기 자신이 나오는 변환</a:t>
-            </a:r>
-            <a:r>
-              <a:rPr lang="en-US" altLang="ko-KR" dirty="0"/>
-              <a:t>)</a:t>
-            </a:r>
-          </a:p>
-          <a:p>
-            <a:r>
-              <a:rPr lang="en-US" altLang="ko-KR" dirty="0"/>
-              <a:t>Affine</a:t>
-            </a:r>
-            <a:r>
-              <a:rPr lang="ko-KR" altLang="en-US" dirty="0"/>
-              <a:t> </a:t>
-            </a:r>
-            <a:r>
-              <a:rPr lang="en-US" altLang="ko-KR" dirty="0"/>
-              <a:t>transformation</a:t>
-            </a:r>
-            <a:r>
-              <a:rPr lang="ko-KR" altLang="en-US" dirty="0"/>
-              <a:t> </a:t>
-            </a:r>
-            <a:r>
-              <a:rPr lang="en-US" altLang="ko-KR" dirty="0"/>
-              <a:t>–</a:t>
-            </a:r>
-            <a:r>
-              <a:rPr lang="ko-KR" altLang="en-US" dirty="0"/>
-              <a:t> </a:t>
-            </a:r>
-            <a:r>
-              <a:rPr lang="ko-KR" altLang="en-US" dirty="0" err="1"/>
-              <a:t>아핀</a:t>
-            </a:r>
-            <a:r>
-              <a:rPr lang="ko-KR" altLang="en-US" dirty="0"/>
-              <a:t> 변환 </a:t>
-            </a:r>
-            <a:r>
-              <a:rPr lang="en-US" altLang="ko-KR" dirty="0"/>
-              <a:t>(</a:t>
-            </a:r>
-            <a:r>
-              <a:rPr lang="ko-KR" altLang="en-US" dirty="0"/>
-              <a:t>점</a:t>
-            </a:r>
-            <a:r>
-              <a:rPr lang="en-US" altLang="ko-KR" dirty="0"/>
-              <a:t>, </a:t>
-            </a:r>
-            <a:r>
-              <a:rPr lang="ko-KR" altLang="en-US" dirty="0"/>
-              <a:t>직선</a:t>
-            </a:r>
-            <a:r>
-              <a:rPr lang="en-US" altLang="ko-KR" dirty="0"/>
-              <a:t>, </a:t>
-            </a:r>
-            <a:r>
-              <a:rPr lang="ko-KR" altLang="en-US" dirty="0"/>
-              <a:t>평면을 보존</a:t>
-            </a:r>
-            <a:r>
-              <a:rPr lang="en-US" altLang="ko-KR" dirty="0"/>
-              <a:t>. </a:t>
-            </a:r>
-            <a:r>
-              <a:rPr lang="ko-KR" altLang="en-US" dirty="0"/>
-              <a:t>평행선이 보존된다</a:t>
-            </a:r>
-            <a:r>
-              <a:rPr lang="en-US" altLang="ko-KR" dirty="0"/>
-              <a:t>.)</a:t>
-            </a:r>
-          </a:p>
-          <a:p>
             <a:endParaRPr lang="ko-KR" altLang="en-US" dirty="0"/>
           </a:p>
         </p:txBody>
@@ -1484,7 +2591,7 @@
           <a:p>
             <a:fld id="{52486DED-3510-4133-8C1C-AE1D3AAE843F}" type="slidenum">
               <a:rPr lang="ko-KR" altLang="en-US" smtClean="0"/>
-              <a:t>6</a:t>
+              <a:t>5</a:t>
             </a:fld>
             <a:endParaRPr lang="ko-KR" altLang="en-US"/>
           </a:p>
@@ -1493,7 +2600,7 @@
     </p:spTree>
     <p:extLst>
       <p:ext uri="{BB962C8B-B14F-4D97-AF65-F5344CB8AC3E}">
-        <p14:creationId xmlns:p14="http://schemas.microsoft.com/office/powerpoint/2010/main" val="915389265"/>
+        <p14:creationId xmlns:p14="http://schemas.microsoft.com/office/powerpoint/2010/main" val="587549124"/>
       </p:ext>
     </p:extLst>
   </p:cSld>
@@ -1549,37 +2656,98 @@
           <a:p>
             <a:r>
               <a:rPr lang="en-US" altLang="ko-KR" dirty="0"/>
-              <a:t>- Attention model</a:t>
-            </a:r>
-          </a:p>
-          <a:p>
+              <a:t>Identity transformation – </a:t>
+            </a:r>
+            <a:r>
+              <a:rPr lang="ko-KR" altLang="en-US" dirty="0" err="1"/>
+              <a:t>항등변환</a:t>
+            </a:r>
+            <a:r>
+              <a:rPr lang="ko-KR" altLang="en-US" dirty="0"/>
+              <a:t> </a:t>
+            </a:r>
             <a:r>
               <a:rPr lang="en-US" altLang="ko-KR" dirty="0"/>
-              <a:t>Isotropic scale : </a:t>
+              <a:t>(</a:t>
             </a:r>
             <a:r>
               <a:rPr lang="ko-KR" altLang="en-US" dirty="0"/>
-              <a:t>가로 세로 동일한 비율의 변환</a:t>
-            </a:r>
-            <a:endParaRPr lang="en-US" altLang="ko-KR" dirty="0"/>
-          </a:p>
-          <a:p>
+              <a:t>변환 결과가 자기 자신이 나오는 변환</a:t>
+            </a:r>
+            <a:r>
+              <a:rPr lang="en-US" altLang="ko-KR" dirty="0"/>
+              <a:t>)</a:t>
+            </a:r>
+          </a:p>
+          <a:p>
+            <a:r>
+              <a:rPr lang="en-US" altLang="ko-KR" dirty="0"/>
+              <a:t>Affine</a:t>
+            </a:r>
             <a:r>
               <a:rPr lang="ko-KR" altLang="en-US" dirty="0"/>
-              <a:t>파라미터 </a:t>
+              <a:t> </a:t>
             </a:r>
             <a:r>
               <a:rPr lang="en-US" altLang="ko-KR" dirty="0"/>
-              <a:t>3</a:t>
+              <a:t>transformation</a:t>
             </a:r>
             <a:r>
               <a:rPr lang="ko-KR" altLang="en-US" dirty="0"/>
-              <a:t>개만 사용</a:t>
-            </a:r>
-            <a:endParaRPr lang="en-US" altLang="ko-KR" dirty="0"/>
-          </a:p>
-          <a:p>
-            <a:endParaRPr lang="en-US" altLang="ko-KR" dirty="0"/>
+              <a:t> </a:t>
+            </a:r>
+            <a:r>
+              <a:rPr lang="en-US" altLang="ko-KR" dirty="0"/>
+              <a:t>–</a:t>
+            </a:r>
+            <a:r>
+              <a:rPr lang="ko-KR" altLang="en-US" dirty="0"/>
+              <a:t> </a:t>
+            </a:r>
+            <a:r>
+              <a:rPr lang="ko-KR" altLang="en-US" dirty="0" err="1"/>
+              <a:t>아핀</a:t>
+            </a:r>
+            <a:r>
+              <a:rPr lang="ko-KR" altLang="en-US" dirty="0"/>
+              <a:t> 변환 </a:t>
+            </a:r>
+            <a:r>
+              <a:rPr lang="en-US" altLang="ko-KR" dirty="0"/>
+              <a:t>(</a:t>
+            </a:r>
+            <a:r>
+              <a:rPr lang="ko-KR" altLang="en-US" dirty="0"/>
+              <a:t>점</a:t>
+            </a:r>
+            <a:r>
+              <a:rPr lang="en-US" altLang="ko-KR" dirty="0"/>
+              <a:t>, </a:t>
+            </a:r>
+            <a:r>
+              <a:rPr lang="ko-KR" altLang="en-US" dirty="0"/>
+              <a:t>직선</a:t>
+            </a:r>
+            <a:r>
+              <a:rPr lang="en-US" altLang="ko-KR" dirty="0"/>
+              <a:t>, </a:t>
+            </a:r>
+            <a:r>
+              <a:rPr lang="ko-KR" altLang="en-US" dirty="0"/>
+              <a:t>평면을 보존</a:t>
+            </a:r>
+            <a:r>
+              <a:rPr lang="en-US" altLang="ko-KR" dirty="0"/>
+              <a:t>. </a:t>
+            </a:r>
+            <a:r>
+              <a:rPr lang="ko-KR" altLang="en-US" dirty="0"/>
+              <a:t>평행선이 보존된다</a:t>
+            </a:r>
+            <a:r>
+              <a:rPr lang="en-US" altLang="ko-KR" dirty="0"/>
+              <a:t>.)</a:t>
+            </a:r>
           </a:p>
           <a:p>
             <a:endParaRPr lang="ko-KR" altLang="en-US" dirty="0"/>
@@ -1603,7 +2771,7 @@
           <a:p>
             <a:fld id="{52486DED-3510-4133-8C1C-AE1D3AAE843F}" type="slidenum">
               <a:rPr lang="ko-KR" altLang="en-US" smtClean="0"/>
-              <a:t>7</a:t>
+              <a:t>6</a:t>
             </a:fld>
             <a:endParaRPr lang="ko-KR" altLang="en-US"/>
           </a:p>
@@ -1612,7 +2780,7 @@
     </p:spTree>
     <p:extLst>
       <p:ext uri="{BB962C8B-B14F-4D97-AF65-F5344CB8AC3E}">
-        <p14:creationId xmlns:p14="http://schemas.microsoft.com/office/powerpoint/2010/main" val="1072258561"/>
+        <p14:creationId xmlns:p14="http://schemas.microsoft.com/office/powerpoint/2010/main" val="915389265"/>
       </p:ext>
     </p:extLst>
   </p:cSld>
@@ -1668,22 +2836,40 @@
           <a:p>
             <a:r>
               <a:rPr lang="en-US" altLang="ko-KR" dirty="0"/>
-              <a:t>Why do we need interpolation</a:t>
-            </a:r>
-          </a:p>
-          <a:p>
+              <a:t>- Attention model</a:t>
+            </a:r>
+          </a:p>
+          <a:p>
+            <a:r>
+              <a:rPr lang="en-US" altLang="ko-KR" dirty="0"/>
+              <a:t>Isotropic scale : </a:t>
+            </a:r>
             <a:r>
               <a:rPr lang="ko-KR" altLang="en-US" dirty="0"/>
-              <a:t>회전하기 전에 포인트 </a:t>
+              <a:t>가로 세로 동일한 비율의 변환</a:t>
+            </a:r>
+            <a:endParaRPr lang="en-US" altLang="ko-KR" dirty="0"/>
+          </a:p>
+          <a:p>
+            <a:r>
+              <a:rPr lang="ko-KR" altLang="en-US" dirty="0"/>
+              <a:t>파라미터 </a:t>
             </a:r>
             <a:r>
               <a:rPr lang="en-US" altLang="ko-KR" dirty="0"/>
-              <a:t>=&gt; </a:t>
+              <a:t>3</a:t>
             </a:r>
             <a:r>
               <a:rPr lang="ko-KR" altLang="en-US" dirty="0"/>
-              <a:t>정수 값이 아님</a:t>
-            </a:r>
+              <a:t>개만 사용</a:t>
+            </a:r>
+            <a:endParaRPr lang="en-US" altLang="ko-KR" dirty="0"/>
+          </a:p>
+          <a:p>
+            <a:endParaRPr lang="en-US" altLang="ko-KR" dirty="0"/>
+          </a:p>
+          <a:p>
+            <a:endParaRPr lang="ko-KR" altLang="en-US" dirty="0"/>
           </a:p>
         </p:txBody>
       </p:sp>
@@ -1704,7 +2890,7 @@
           <a:p>
             <a:fld id="{52486DED-3510-4133-8C1C-AE1D3AAE843F}" type="slidenum">
               <a:rPr lang="ko-KR" altLang="en-US" smtClean="0"/>
-              <a:t>8</a:t>
+              <a:t>7</a:t>
             </a:fld>
             <a:endParaRPr lang="ko-KR" altLang="en-US"/>
           </a:p>
@@ -1713,7 +2899,7 @@
     </p:spTree>
     <p:extLst>
       <p:ext uri="{BB962C8B-B14F-4D97-AF65-F5344CB8AC3E}">
-        <p14:creationId xmlns:p14="http://schemas.microsoft.com/office/powerpoint/2010/main" val="988170569"/>
+        <p14:creationId xmlns:p14="http://schemas.microsoft.com/office/powerpoint/2010/main" val="1072258561"/>
       </p:ext>
     </p:extLst>
   </p:cSld>
@@ -1769,35 +2955,21 @@
           <a:p>
             <a:r>
               <a:rPr lang="en-US" altLang="ko-KR" dirty="0"/>
-              <a:t>Bilinear</a:t>
-            </a:r>
+              <a:t>Why do we need interpolation</a:t>
+            </a:r>
+          </a:p>
+          <a:p>
             <a:r>
               <a:rPr lang="ko-KR" altLang="en-US" dirty="0"/>
-              <a:t> </a:t>
+              <a:t>회전하기 전에 포인트 </a:t>
             </a:r>
             <a:r>
               <a:rPr lang="en-US" altLang="ko-KR" dirty="0"/>
-              <a:t>interpolation</a:t>
+              <a:t>=&gt; </a:t>
             </a:r>
             <a:r>
               <a:rPr lang="ko-KR" altLang="en-US" dirty="0"/>
-              <a:t> </a:t>
-            </a:r>
-            <a:r>
-              <a:rPr lang="en-US" altLang="ko-KR" dirty="0"/>
-              <a:t>–</a:t>
-            </a:r>
-            <a:r>
-              <a:rPr lang="ko-KR" altLang="en-US" dirty="0"/>
-              <a:t> 쌍선형</a:t>
-            </a:r>
-            <a:r>
-              <a:rPr lang="en-US" altLang="ko-KR" dirty="0"/>
-              <a:t>, </a:t>
-            </a:r>
-            <a:r>
-              <a:rPr lang="ko-KR" altLang="en-US" dirty="0"/>
-              <a:t>이중선형 보간법</a:t>
+              <a:t>정수 값이 아님</a:t>
             </a:r>
           </a:p>
         </p:txBody>
@@ -1819,7 +2991,7 @@
           <a:p>
             <a:fld id="{52486DED-3510-4133-8C1C-AE1D3AAE843F}" type="slidenum">
               <a:rPr lang="ko-KR" altLang="en-US" smtClean="0"/>
-              <a:t>9</a:t>
+              <a:t>8</a:t>
             </a:fld>
             <a:endParaRPr lang="ko-KR" altLang="en-US"/>
           </a:p>
@@ -1828,7 +3000,7 @@
     </p:spTree>
     <p:extLst>
       <p:ext uri="{BB962C8B-B14F-4D97-AF65-F5344CB8AC3E}">
-        <p14:creationId xmlns:p14="http://schemas.microsoft.com/office/powerpoint/2010/main" val="4169780604"/>
+        <p14:creationId xmlns:p14="http://schemas.microsoft.com/office/powerpoint/2010/main" val="988170569"/>
       </p:ext>
     </p:extLst>
   </p:cSld>
@@ -1884,25 +3056,35 @@
           <a:p>
             <a:r>
               <a:rPr lang="en-US" altLang="ko-KR" dirty="0"/>
-              <a:t>Why do we need interpolation</a:t>
-            </a:r>
-          </a:p>
-          <a:p>
+              <a:t>Bilinear</a:t>
+            </a:r>
             <a:r>
               <a:rPr lang="ko-KR" altLang="en-US" dirty="0"/>
-              <a:t>회전하기 전에 포인트 </a:t>
+              <a:t> </a:t>
             </a:r>
             <a:r>
               <a:rPr lang="en-US" altLang="ko-KR" dirty="0"/>
-              <a:t>=&gt; </a:t>
-            </a:r>
-            <a:r>
-              <a:rPr lang="ko-KR" altLang="en-US" dirty="0" err="1"/>
-              <a:t>정수값이</a:t>
+              <a:t>interpolation</a:t>
             </a:r>
             <a:r>
               <a:rPr lang="ko-KR" altLang="en-US" dirty="0"/>
-              <a:t> 아님</a:t>
+              <a:t> </a:t>
+            </a:r>
+            <a:r>
+              <a:rPr lang="en-US" altLang="ko-KR" dirty="0"/>
+              <a:t>–</a:t>
+            </a:r>
+            <a:r>
+              <a:rPr lang="ko-KR" altLang="en-US" dirty="0"/>
+              <a:t> 쌍선형</a:t>
+            </a:r>
+            <a:r>
+              <a:rPr lang="en-US" altLang="ko-KR" dirty="0"/>
+              <a:t>, </a:t>
+            </a:r>
+            <a:r>
+              <a:rPr lang="ko-KR" altLang="en-US" dirty="0"/>
+              <a:t>이중선형 보간법</a:t>
             </a:r>
           </a:p>
         </p:txBody>
@@ -1924,7 +3106,7 @@
           <a:p>
             <a:fld id="{52486DED-3510-4133-8C1C-AE1D3AAE843F}" type="slidenum">
               <a:rPr lang="ko-KR" altLang="en-US" smtClean="0"/>
-              <a:t>10</a:t>
+              <a:t>9</a:t>
             </a:fld>
             <a:endParaRPr lang="ko-KR" altLang="en-US"/>
           </a:p>
@@ -1933,7 +3115,7 @@
     </p:spTree>
     <p:extLst>
       <p:ext uri="{BB962C8B-B14F-4D97-AF65-F5344CB8AC3E}">
-        <p14:creationId xmlns:p14="http://schemas.microsoft.com/office/powerpoint/2010/main" val="87801765"/>
+        <p14:creationId xmlns:p14="http://schemas.microsoft.com/office/powerpoint/2010/main" val="4169780604"/>
       </p:ext>
     </p:extLst>
   </p:cSld>
@@ -2090,7 +3272,7 @@
           <a:p>
             <a:fld id="{AB0AA1C4-3EF1-406C-85B7-F512AF653C09}" type="datetimeFigureOut">
               <a:rPr lang="ko-KR" altLang="en-US" smtClean="0"/>
-              <a:t>2022-05-25</a:t>
+              <a:t>2022-11-08</a:t>
             </a:fld>
             <a:endParaRPr lang="ko-KR" altLang="en-US"/>
           </a:p>
@@ -2160,1566 +3342,26 @@
   <p:clrMapOvr>
     <a:masterClrMapping/>
   </p:clrMapOvr>
-</p:sldLayout>
-</file>
-
-<file path=ppt/slideLayouts/slideLayout10.xml><?xml version="1.0" encoding="utf-8"?>
-<p:sldLayout xmlns:a="http://schemas.openxmlformats.org/drawingml/2006/main" xmlns:r="http://schemas.openxmlformats.org/officeDocument/2006/relationships" xmlns:p="http://schemas.openxmlformats.org/presentationml/2006/main" type="vertTx" preserve="1">
-  <p:cSld name="제목 및 세로 텍스트">
-    <p:spTree>
-      <p:nvGrpSpPr>
-        <p:cNvPr id="1" name=""/>
-        <p:cNvGrpSpPr/>
-        <p:nvPr/>
-      </p:nvGrpSpPr>
-      <p:grpSpPr>
-        <a:xfrm>
-          <a:off x="0" y="0"/>
-          <a:ext cx="0" cy="0"/>
-          <a:chOff x="0" y="0"/>
-          <a:chExt cx="0" cy="0"/>
-        </a:xfrm>
-      </p:grpSpPr>
-      <p:sp>
-        <p:nvSpPr>
-          <p:cNvPr id="2" name="제목 1">
-            <a:extLst>
-              <a:ext uri="{FF2B5EF4-FFF2-40B4-BE49-F238E27FC236}">
-                <a16:creationId xmlns:a16="http://schemas.microsoft.com/office/drawing/2014/main" id="{43B06F64-0D2B-3669-9DC5-D101EEFE8204}"/>
-              </a:ext>
-            </a:extLst>
-          </p:cNvPr>
-          <p:cNvSpPr>
-            <a:spLocks noGrp="1"/>
-          </p:cNvSpPr>
-          <p:nvPr>
-            <p:ph type="title"/>
-          </p:nvPr>
-        </p:nvSpPr>
-        <p:spPr/>
-        <p:txBody>
-          <a:bodyPr/>
-          <a:lstStyle/>
-          <a:p>
-            <a:r>
-              <a:rPr lang="ko-KR" altLang="en-US"/>
-              <a:t>마스터 제목 스타일 편집</a:t>
-            </a:r>
-          </a:p>
-        </p:txBody>
-      </p:sp>
-      <p:sp>
-        <p:nvSpPr>
-          <p:cNvPr id="3" name="세로 텍스트 개체 틀 2">
-            <a:extLst>
-              <a:ext uri="{FF2B5EF4-FFF2-40B4-BE49-F238E27FC236}">
-                <a16:creationId xmlns:a16="http://schemas.microsoft.com/office/drawing/2014/main" id="{80B10FD3-E9FA-ABEF-A505-A7E32F0C9CB1}"/>
-              </a:ext>
-            </a:extLst>
-          </p:cNvPr>
-          <p:cNvSpPr>
-            <a:spLocks noGrp="1"/>
-          </p:cNvSpPr>
-          <p:nvPr>
-            <p:ph type="body" orient="vert" idx="1"/>
-          </p:nvPr>
-        </p:nvSpPr>
-        <p:spPr/>
-        <p:txBody>
-          <a:bodyPr vert="eaVert"/>
-          <a:lstStyle/>
-          <a:p>
-            <a:pPr lvl="0"/>
-            <a:r>
-              <a:rPr lang="ko-KR" altLang="en-US"/>
-              <a:t>마스터 텍스트 스타일을 편집하려면 클릭</a:t>
-            </a:r>
-          </a:p>
-          <a:p>
-            <a:pPr lvl="1"/>
-            <a:r>
-              <a:rPr lang="ko-KR" altLang="en-US"/>
-              <a:t>두 번째 수준</a:t>
-            </a:r>
-          </a:p>
-          <a:p>
-            <a:pPr lvl="2"/>
-            <a:r>
-              <a:rPr lang="ko-KR" altLang="en-US"/>
-              <a:t>세 번째 수준</a:t>
-            </a:r>
-          </a:p>
-          <a:p>
-            <a:pPr lvl="3"/>
-            <a:r>
-              <a:rPr lang="ko-KR" altLang="en-US"/>
-              <a:t>네 번째 수준</a:t>
-            </a:r>
-          </a:p>
-          <a:p>
-            <a:pPr lvl="4"/>
-            <a:r>
-              <a:rPr lang="ko-KR" altLang="en-US"/>
-              <a:t>다섯 번째 수준</a:t>
-            </a:r>
-          </a:p>
-        </p:txBody>
-      </p:sp>
-      <p:sp>
-        <p:nvSpPr>
-          <p:cNvPr id="4" name="날짜 개체 틀 3">
-            <a:extLst>
-              <a:ext uri="{FF2B5EF4-FFF2-40B4-BE49-F238E27FC236}">
-                <a16:creationId xmlns:a16="http://schemas.microsoft.com/office/drawing/2014/main" id="{6DA8170F-ACC0-E2C6-192F-763D3195B964}"/>
-              </a:ext>
-            </a:extLst>
-          </p:cNvPr>
-          <p:cNvSpPr>
-            <a:spLocks noGrp="1"/>
-          </p:cNvSpPr>
-          <p:nvPr>
-            <p:ph type="dt" sz="half" idx="10"/>
-          </p:nvPr>
-        </p:nvSpPr>
-        <p:spPr/>
-        <p:txBody>
-          <a:bodyPr/>
-          <a:lstStyle/>
-          <a:p>
-            <a:fld id="{AB0AA1C4-3EF1-406C-85B7-F512AF653C09}" type="datetimeFigureOut">
-              <a:rPr lang="ko-KR" altLang="en-US" smtClean="0"/>
-              <a:t>2022-05-25</a:t>
-            </a:fld>
-            <a:endParaRPr lang="ko-KR" altLang="en-US"/>
-          </a:p>
-        </p:txBody>
-      </p:sp>
-      <p:sp>
-        <p:nvSpPr>
-          <p:cNvPr id="5" name="바닥글 개체 틀 4">
-            <a:extLst>
-              <a:ext uri="{FF2B5EF4-FFF2-40B4-BE49-F238E27FC236}">
-                <a16:creationId xmlns:a16="http://schemas.microsoft.com/office/drawing/2014/main" id="{F4A947EA-43FE-7EF2-77C1-0CE084F405B7}"/>
-              </a:ext>
-            </a:extLst>
-          </p:cNvPr>
-          <p:cNvSpPr>
-            <a:spLocks noGrp="1"/>
-          </p:cNvSpPr>
-          <p:nvPr>
-            <p:ph type="ftr" sz="quarter" idx="11"/>
-          </p:nvPr>
-        </p:nvSpPr>
-        <p:spPr/>
-        <p:txBody>
-          <a:bodyPr/>
-          <a:lstStyle/>
-          <a:p>
-            <a:endParaRPr lang="ko-KR" altLang="en-US"/>
-          </a:p>
-        </p:txBody>
-      </p:sp>
-      <p:sp>
-        <p:nvSpPr>
-          <p:cNvPr id="6" name="슬라이드 번호 개체 틀 5">
-            <a:extLst>
-              <a:ext uri="{FF2B5EF4-FFF2-40B4-BE49-F238E27FC236}">
-                <a16:creationId xmlns:a16="http://schemas.microsoft.com/office/drawing/2014/main" id="{ADEE5D86-860F-B155-DAD7-A0D164ED2B56}"/>
-              </a:ext>
-            </a:extLst>
-          </p:cNvPr>
-          <p:cNvSpPr>
-            <a:spLocks noGrp="1"/>
-          </p:cNvSpPr>
-          <p:nvPr>
-            <p:ph type="sldNum" sz="quarter" idx="12"/>
-          </p:nvPr>
-        </p:nvSpPr>
-        <p:spPr/>
-        <p:txBody>
-          <a:bodyPr/>
-          <a:lstStyle/>
-          <a:p>
-            <a:fld id="{A52B0A35-C67D-4D36-A33A-75FE3D9C5555}" type="slidenum">
-              <a:rPr lang="ko-KR" altLang="en-US" smtClean="0"/>
-              <a:t>‹#›</a:t>
-            </a:fld>
-            <a:endParaRPr lang="ko-KR" altLang="en-US"/>
-          </a:p>
-        </p:txBody>
-      </p:sp>
-    </p:spTree>
-    <p:extLst>
-      <p:ext uri="{BB962C8B-B14F-4D97-AF65-F5344CB8AC3E}">
-        <p14:creationId xmlns:p14="http://schemas.microsoft.com/office/powerpoint/2010/main" val="4213625261"/>
-      </p:ext>
-    </p:extLst>
-  </p:cSld>
-  <p:clrMapOvr>
-    <a:masterClrMapping/>
-  </p:clrMapOvr>
-</p:sldLayout>
-</file>
-
-<file path=ppt/slideLayouts/slideLayout11.xml><?xml version="1.0" encoding="utf-8"?>
-<p:sldLayout xmlns:a="http://schemas.openxmlformats.org/drawingml/2006/main" xmlns:r="http://schemas.openxmlformats.org/officeDocument/2006/relationships" xmlns:p="http://schemas.openxmlformats.org/presentationml/2006/main" type="vertTitleAndTx" preserve="1">
-  <p:cSld name="세로 제목 및 텍스트">
-    <p:spTree>
-      <p:nvGrpSpPr>
-        <p:cNvPr id="1" name=""/>
-        <p:cNvGrpSpPr/>
-        <p:nvPr/>
-      </p:nvGrpSpPr>
-      <p:grpSpPr>
-        <a:xfrm>
-          <a:off x="0" y="0"/>
-          <a:ext cx="0" cy="0"/>
-          <a:chOff x="0" y="0"/>
-          <a:chExt cx="0" cy="0"/>
-        </a:xfrm>
-      </p:grpSpPr>
-      <p:sp>
-        <p:nvSpPr>
-          <p:cNvPr id="2" name="세로 제목 1">
-            <a:extLst>
-              <a:ext uri="{FF2B5EF4-FFF2-40B4-BE49-F238E27FC236}">
-                <a16:creationId xmlns:a16="http://schemas.microsoft.com/office/drawing/2014/main" id="{BBCFBE11-9902-7B9B-C0A1-EB43101F852C}"/>
-              </a:ext>
-            </a:extLst>
-          </p:cNvPr>
-          <p:cNvSpPr>
-            <a:spLocks noGrp="1"/>
-          </p:cNvSpPr>
-          <p:nvPr>
-            <p:ph type="title" orient="vert"/>
-          </p:nvPr>
-        </p:nvSpPr>
-        <p:spPr>
-          <a:xfrm>
-            <a:off x="8724900" y="365125"/>
-            <a:ext cx="2628900" cy="5811838"/>
-          </a:xfrm>
-        </p:spPr>
-        <p:txBody>
-          <a:bodyPr vert="eaVert"/>
-          <a:lstStyle/>
-          <a:p>
-            <a:r>
-              <a:rPr lang="ko-KR" altLang="en-US"/>
-              <a:t>마스터 제목 스타일 편집</a:t>
-            </a:r>
-          </a:p>
-        </p:txBody>
-      </p:sp>
-      <p:sp>
-        <p:nvSpPr>
-          <p:cNvPr id="3" name="세로 텍스트 개체 틀 2">
-            <a:extLst>
-              <a:ext uri="{FF2B5EF4-FFF2-40B4-BE49-F238E27FC236}">
-                <a16:creationId xmlns:a16="http://schemas.microsoft.com/office/drawing/2014/main" id="{34654541-05B1-DA10-967B-2D89FD70A98B}"/>
-              </a:ext>
-            </a:extLst>
-          </p:cNvPr>
-          <p:cNvSpPr>
-            <a:spLocks noGrp="1"/>
-          </p:cNvSpPr>
-          <p:nvPr>
-            <p:ph type="body" orient="vert" idx="1"/>
-          </p:nvPr>
-        </p:nvSpPr>
-        <p:spPr>
-          <a:xfrm>
-            <a:off x="838200" y="365125"/>
-            <a:ext cx="7734300" cy="5811838"/>
-          </a:xfrm>
-        </p:spPr>
-        <p:txBody>
-          <a:bodyPr vert="eaVert"/>
-          <a:lstStyle/>
-          <a:p>
-            <a:pPr lvl="0"/>
-            <a:r>
-              <a:rPr lang="ko-KR" altLang="en-US"/>
-              <a:t>마스터 텍스트 스타일을 편집하려면 클릭</a:t>
-            </a:r>
-          </a:p>
-          <a:p>
-            <a:pPr lvl="1"/>
-            <a:r>
-              <a:rPr lang="ko-KR" altLang="en-US"/>
-              <a:t>두 번째 수준</a:t>
-            </a:r>
-          </a:p>
-          <a:p>
-            <a:pPr lvl="2"/>
-            <a:r>
-              <a:rPr lang="ko-KR" altLang="en-US"/>
-              <a:t>세 번째 수준</a:t>
-            </a:r>
-          </a:p>
-          <a:p>
-            <a:pPr lvl="3"/>
-            <a:r>
-              <a:rPr lang="ko-KR" altLang="en-US"/>
-              <a:t>네 번째 수준</a:t>
-            </a:r>
-          </a:p>
-          <a:p>
-            <a:pPr lvl="4"/>
-            <a:r>
-              <a:rPr lang="ko-KR" altLang="en-US"/>
-              <a:t>다섯 번째 수준</a:t>
-            </a:r>
-          </a:p>
-        </p:txBody>
-      </p:sp>
-      <p:sp>
-        <p:nvSpPr>
-          <p:cNvPr id="4" name="날짜 개체 틀 3">
-            <a:extLst>
-              <a:ext uri="{FF2B5EF4-FFF2-40B4-BE49-F238E27FC236}">
-                <a16:creationId xmlns:a16="http://schemas.microsoft.com/office/drawing/2014/main" id="{F744088E-5208-46E0-89B4-2186D5EBBE2A}"/>
-              </a:ext>
-            </a:extLst>
-          </p:cNvPr>
-          <p:cNvSpPr>
-            <a:spLocks noGrp="1"/>
-          </p:cNvSpPr>
-          <p:nvPr>
-            <p:ph type="dt" sz="half" idx="10"/>
-          </p:nvPr>
-        </p:nvSpPr>
-        <p:spPr/>
-        <p:txBody>
-          <a:bodyPr/>
-          <a:lstStyle/>
-          <a:p>
-            <a:fld id="{AB0AA1C4-3EF1-406C-85B7-F512AF653C09}" type="datetimeFigureOut">
-              <a:rPr lang="ko-KR" altLang="en-US" smtClean="0"/>
-              <a:t>2022-05-25</a:t>
-            </a:fld>
-            <a:endParaRPr lang="ko-KR" altLang="en-US"/>
-          </a:p>
-        </p:txBody>
-      </p:sp>
-      <p:sp>
-        <p:nvSpPr>
-          <p:cNvPr id="5" name="바닥글 개체 틀 4">
-            <a:extLst>
-              <a:ext uri="{FF2B5EF4-FFF2-40B4-BE49-F238E27FC236}">
-                <a16:creationId xmlns:a16="http://schemas.microsoft.com/office/drawing/2014/main" id="{A28986FE-0358-E96A-74F6-88A433F81E06}"/>
-              </a:ext>
-            </a:extLst>
-          </p:cNvPr>
-          <p:cNvSpPr>
-            <a:spLocks noGrp="1"/>
-          </p:cNvSpPr>
-          <p:nvPr>
-            <p:ph type="ftr" sz="quarter" idx="11"/>
-          </p:nvPr>
-        </p:nvSpPr>
-        <p:spPr/>
-        <p:txBody>
-          <a:bodyPr/>
-          <a:lstStyle/>
-          <a:p>
-            <a:endParaRPr lang="ko-KR" altLang="en-US"/>
-          </a:p>
-        </p:txBody>
-      </p:sp>
-      <p:sp>
-        <p:nvSpPr>
-          <p:cNvPr id="6" name="슬라이드 번호 개체 틀 5">
-            <a:extLst>
-              <a:ext uri="{FF2B5EF4-FFF2-40B4-BE49-F238E27FC236}">
-                <a16:creationId xmlns:a16="http://schemas.microsoft.com/office/drawing/2014/main" id="{235C5739-A3FB-5FEB-330A-8287CC99CCDC}"/>
-              </a:ext>
-            </a:extLst>
-          </p:cNvPr>
-          <p:cNvSpPr>
-            <a:spLocks noGrp="1"/>
-          </p:cNvSpPr>
-          <p:nvPr>
-            <p:ph type="sldNum" sz="quarter" idx="12"/>
-          </p:nvPr>
-        </p:nvSpPr>
-        <p:spPr/>
-        <p:txBody>
-          <a:bodyPr/>
-          <a:lstStyle/>
-          <a:p>
-            <a:fld id="{A52B0A35-C67D-4D36-A33A-75FE3D9C5555}" type="slidenum">
-              <a:rPr lang="ko-KR" altLang="en-US" smtClean="0"/>
-              <a:t>‹#›</a:t>
-            </a:fld>
-            <a:endParaRPr lang="ko-KR" altLang="en-US"/>
-          </a:p>
-        </p:txBody>
-      </p:sp>
-    </p:spTree>
-    <p:extLst>
-      <p:ext uri="{BB962C8B-B14F-4D97-AF65-F5344CB8AC3E}">
-        <p14:creationId xmlns:p14="http://schemas.microsoft.com/office/powerpoint/2010/main" val="4279420986"/>
-      </p:ext>
-    </p:extLst>
-  </p:cSld>
-  <p:clrMapOvr>
-    <a:masterClrMapping/>
-  </p:clrMapOvr>
+  <p:extLst>
+    <p:ext uri="{DCECCB84-F9BA-43D5-87BE-67443E8EF086}">
+      <p15:sldGuideLst xmlns:p15="http://schemas.microsoft.com/office/powerpoint/2012/main">
+        <p15:guide id="1" orient="horz" pos="2160" userDrawn="1">
+          <p15:clr>
+            <a:srgbClr val="FBAE40"/>
+          </p15:clr>
+        </p15:guide>
+        <p15:guide id="2" pos="3840" userDrawn="1">
+          <p15:clr>
+            <a:srgbClr val="FBAE40"/>
+          </p15:clr>
+        </p15:guide>
+      </p15:sldGuideLst>
+    </p:ext>
+  </p:extLst>
 </p:sldLayout>
 </file>
 
 <file path=ppt/slideLayouts/slideLayout2.xml><?xml version="1.0" encoding="utf-8"?>
-<p:sldLayout xmlns:a="http://schemas.openxmlformats.org/drawingml/2006/main" xmlns:r="http://schemas.openxmlformats.org/officeDocument/2006/relationships" xmlns:p="http://schemas.openxmlformats.org/presentationml/2006/main" type="obj" preserve="1">
-  <p:cSld name="제목 및 내용">
-    <p:spTree>
-      <p:nvGrpSpPr>
-        <p:cNvPr id="1" name=""/>
-        <p:cNvGrpSpPr/>
-        <p:nvPr/>
-      </p:nvGrpSpPr>
-      <p:grpSpPr>
-        <a:xfrm>
-          <a:off x="0" y="0"/>
-          <a:ext cx="0" cy="0"/>
-          <a:chOff x="0" y="0"/>
-          <a:chExt cx="0" cy="0"/>
-        </a:xfrm>
-      </p:grpSpPr>
-      <p:sp>
-        <p:nvSpPr>
-          <p:cNvPr id="2" name="제목 1">
-            <a:extLst>
-              <a:ext uri="{FF2B5EF4-FFF2-40B4-BE49-F238E27FC236}">
-                <a16:creationId xmlns:a16="http://schemas.microsoft.com/office/drawing/2014/main" id="{34D90F2F-99C8-F5A9-61CC-1726751B046F}"/>
-              </a:ext>
-            </a:extLst>
-          </p:cNvPr>
-          <p:cNvSpPr>
-            <a:spLocks noGrp="1"/>
-          </p:cNvSpPr>
-          <p:nvPr>
-            <p:ph type="title"/>
-          </p:nvPr>
-        </p:nvSpPr>
-        <p:spPr/>
-        <p:txBody>
-          <a:bodyPr/>
-          <a:lstStyle/>
-          <a:p>
-            <a:r>
-              <a:rPr lang="ko-KR" altLang="en-US"/>
-              <a:t>마스터 제목 스타일 편집</a:t>
-            </a:r>
-          </a:p>
-        </p:txBody>
-      </p:sp>
-      <p:sp>
-        <p:nvSpPr>
-          <p:cNvPr id="3" name="내용 개체 틀 2">
-            <a:extLst>
-              <a:ext uri="{FF2B5EF4-FFF2-40B4-BE49-F238E27FC236}">
-                <a16:creationId xmlns:a16="http://schemas.microsoft.com/office/drawing/2014/main" id="{65C055DB-2F83-9F40-1570-DB77D51EB916}"/>
-              </a:ext>
-            </a:extLst>
-          </p:cNvPr>
-          <p:cNvSpPr>
-            <a:spLocks noGrp="1"/>
-          </p:cNvSpPr>
-          <p:nvPr>
-            <p:ph idx="1"/>
-          </p:nvPr>
-        </p:nvSpPr>
-        <p:spPr/>
-        <p:txBody>
-          <a:bodyPr/>
-          <a:lstStyle/>
-          <a:p>
-            <a:pPr lvl="0"/>
-            <a:r>
-              <a:rPr lang="ko-KR" altLang="en-US"/>
-              <a:t>마스터 텍스트 스타일을 편집하려면 클릭</a:t>
-            </a:r>
-          </a:p>
-          <a:p>
-            <a:pPr lvl="1"/>
-            <a:r>
-              <a:rPr lang="ko-KR" altLang="en-US"/>
-              <a:t>두 번째 수준</a:t>
-            </a:r>
-          </a:p>
-          <a:p>
-            <a:pPr lvl="2"/>
-            <a:r>
-              <a:rPr lang="ko-KR" altLang="en-US"/>
-              <a:t>세 번째 수준</a:t>
-            </a:r>
-          </a:p>
-          <a:p>
-            <a:pPr lvl="3"/>
-            <a:r>
-              <a:rPr lang="ko-KR" altLang="en-US"/>
-              <a:t>네 번째 수준</a:t>
-            </a:r>
-          </a:p>
-          <a:p>
-            <a:pPr lvl="4"/>
-            <a:r>
-              <a:rPr lang="ko-KR" altLang="en-US"/>
-              <a:t>다섯 번째 수준</a:t>
-            </a:r>
-          </a:p>
-        </p:txBody>
-      </p:sp>
-      <p:sp>
-        <p:nvSpPr>
-          <p:cNvPr id="4" name="날짜 개체 틀 3">
-            <a:extLst>
-              <a:ext uri="{FF2B5EF4-FFF2-40B4-BE49-F238E27FC236}">
-                <a16:creationId xmlns:a16="http://schemas.microsoft.com/office/drawing/2014/main" id="{83140882-5EAB-BA40-461D-F10014FBABEC}"/>
-              </a:ext>
-            </a:extLst>
-          </p:cNvPr>
-          <p:cNvSpPr>
-            <a:spLocks noGrp="1"/>
-          </p:cNvSpPr>
-          <p:nvPr>
-            <p:ph type="dt" sz="half" idx="10"/>
-          </p:nvPr>
-        </p:nvSpPr>
-        <p:spPr/>
-        <p:txBody>
-          <a:bodyPr/>
-          <a:lstStyle/>
-          <a:p>
-            <a:fld id="{AB0AA1C4-3EF1-406C-85B7-F512AF653C09}" type="datetimeFigureOut">
-              <a:rPr lang="ko-KR" altLang="en-US" smtClean="0"/>
-              <a:t>2022-05-25</a:t>
-            </a:fld>
-            <a:endParaRPr lang="ko-KR" altLang="en-US"/>
-          </a:p>
-        </p:txBody>
-      </p:sp>
-      <p:sp>
-        <p:nvSpPr>
-          <p:cNvPr id="5" name="바닥글 개체 틀 4">
-            <a:extLst>
-              <a:ext uri="{FF2B5EF4-FFF2-40B4-BE49-F238E27FC236}">
-                <a16:creationId xmlns:a16="http://schemas.microsoft.com/office/drawing/2014/main" id="{5CBA1713-D27F-6EF5-C1BF-D6929783B0A6}"/>
-              </a:ext>
-            </a:extLst>
-          </p:cNvPr>
-          <p:cNvSpPr>
-            <a:spLocks noGrp="1"/>
-          </p:cNvSpPr>
-          <p:nvPr>
-            <p:ph type="ftr" sz="quarter" idx="11"/>
-          </p:nvPr>
-        </p:nvSpPr>
-        <p:spPr/>
-        <p:txBody>
-          <a:bodyPr/>
-          <a:lstStyle/>
-          <a:p>
-            <a:endParaRPr lang="ko-KR" altLang="en-US"/>
-          </a:p>
-        </p:txBody>
-      </p:sp>
-      <p:sp>
-        <p:nvSpPr>
-          <p:cNvPr id="6" name="슬라이드 번호 개체 틀 5">
-            <a:extLst>
-              <a:ext uri="{FF2B5EF4-FFF2-40B4-BE49-F238E27FC236}">
-                <a16:creationId xmlns:a16="http://schemas.microsoft.com/office/drawing/2014/main" id="{8675AE72-96F9-0344-B684-5B4442B7E765}"/>
-              </a:ext>
-            </a:extLst>
-          </p:cNvPr>
-          <p:cNvSpPr>
-            <a:spLocks noGrp="1"/>
-          </p:cNvSpPr>
-          <p:nvPr>
-            <p:ph type="sldNum" sz="quarter" idx="12"/>
-          </p:nvPr>
-        </p:nvSpPr>
-        <p:spPr/>
-        <p:txBody>
-          <a:bodyPr/>
-          <a:lstStyle/>
-          <a:p>
-            <a:fld id="{A52B0A35-C67D-4D36-A33A-75FE3D9C5555}" type="slidenum">
-              <a:rPr lang="ko-KR" altLang="en-US" smtClean="0"/>
-              <a:t>‹#›</a:t>
-            </a:fld>
-            <a:endParaRPr lang="ko-KR" altLang="en-US"/>
-          </a:p>
-        </p:txBody>
-      </p:sp>
-    </p:spTree>
-    <p:extLst>
-      <p:ext uri="{BB962C8B-B14F-4D97-AF65-F5344CB8AC3E}">
-        <p14:creationId xmlns:p14="http://schemas.microsoft.com/office/powerpoint/2010/main" val="38801210"/>
-      </p:ext>
-    </p:extLst>
-  </p:cSld>
-  <p:clrMapOvr>
-    <a:masterClrMapping/>
-  </p:clrMapOvr>
-</p:sldLayout>
-</file>
-
-<file path=ppt/slideLayouts/slideLayout3.xml><?xml version="1.0" encoding="utf-8"?>
-<p:sldLayout xmlns:a="http://schemas.openxmlformats.org/drawingml/2006/main" xmlns:r="http://schemas.openxmlformats.org/officeDocument/2006/relationships" xmlns:p="http://schemas.openxmlformats.org/presentationml/2006/main" type="secHead" preserve="1">
-  <p:cSld name="구역 머리글">
-    <p:spTree>
-      <p:nvGrpSpPr>
-        <p:cNvPr id="1" name=""/>
-        <p:cNvGrpSpPr/>
-        <p:nvPr/>
-      </p:nvGrpSpPr>
-      <p:grpSpPr>
-        <a:xfrm>
-          <a:off x="0" y="0"/>
-          <a:ext cx="0" cy="0"/>
-          <a:chOff x="0" y="0"/>
-          <a:chExt cx="0" cy="0"/>
-        </a:xfrm>
-      </p:grpSpPr>
-      <p:sp>
-        <p:nvSpPr>
-          <p:cNvPr id="2" name="제목 1">
-            <a:extLst>
-              <a:ext uri="{FF2B5EF4-FFF2-40B4-BE49-F238E27FC236}">
-                <a16:creationId xmlns:a16="http://schemas.microsoft.com/office/drawing/2014/main" id="{202B9458-8F03-ED80-6024-78B3CBEF2334}"/>
-              </a:ext>
-            </a:extLst>
-          </p:cNvPr>
-          <p:cNvSpPr>
-            <a:spLocks noGrp="1"/>
-          </p:cNvSpPr>
-          <p:nvPr>
-            <p:ph type="title"/>
-          </p:nvPr>
-        </p:nvSpPr>
-        <p:spPr>
-          <a:xfrm>
-            <a:off x="831850" y="1709738"/>
-            <a:ext cx="10515600" cy="2852737"/>
-          </a:xfrm>
-        </p:spPr>
-        <p:txBody>
-          <a:bodyPr anchor="b"/>
-          <a:lstStyle>
-            <a:lvl1pPr>
-              <a:defRPr sz="6000"/>
-            </a:lvl1pPr>
-          </a:lstStyle>
-          <a:p>
-            <a:r>
-              <a:rPr lang="ko-KR" altLang="en-US"/>
-              <a:t>마스터 제목 스타일 편집</a:t>
-            </a:r>
-          </a:p>
-        </p:txBody>
-      </p:sp>
-      <p:sp>
-        <p:nvSpPr>
-          <p:cNvPr id="3" name="텍스트 개체 틀 2">
-            <a:extLst>
-              <a:ext uri="{FF2B5EF4-FFF2-40B4-BE49-F238E27FC236}">
-                <a16:creationId xmlns:a16="http://schemas.microsoft.com/office/drawing/2014/main" id="{F2740A47-FD73-CB90-F022-65D4274F1DF9}"/>
-              </a:ext>
-            </a:extLst>
-          </p:cNvPr>
-          <p:cNvSpPr>
-            <a:spLocks noGrp="1"/>
-          </p:cNvSpPr>
-          <p:nvPr>
-            <p:ph type="body" idx="1"/>
-          </p:nvPr>
-        </p:nvSpPr>
-        <p:spPr>
-          <a:xfrm>
-            <a:off x="831850" y="4589463"/>
-            <a:ext cx="10515600" cy="1500187"/>
-          </a:xfrm>
-        </p:spPr>
-        <p:txBody>
-          <a:bodyPr/>
-          <a:lstStyle>
-            <a:lvl1pPr marL="0" indent="0">
-              <a:buNone/>
-              <a:defRPr sz="2400">
-                <a:solidFill>
-                  <a:schemeClr val="tx1">
-                    <a:tint val="75000"/>
-                  </a:schemeClr>
-                </a:solidFill>
-              </a:defRPr>
-            </a:lvl1pPr>
-            <a:lvl2pPr marL="457200" indent="0">
-              <a:buNone/>
-              <a:defRPr sz="2000">
-                <a:solidFill>
-                  <a:schemeClr val="tx1">
-                    <a:tint val="75000"/>
-                  </a:schemeClr>
-                </a:solidFill>
-              </a:defRPr>
-            </a:lvl2pPr>
-            <a:lvl3pPr marL="914400" indent="0">
-              <a:buNone/>
-              <a:defRPr sz="1800">
-                <a:solidFill>
-                  <a:schemeClr val="tx1">
-                    <a:tint val="75000"/>
-                  </a:schemeClr>
-                </a:solidFill>
-              </a:defRPr>
-            </a:lvl3pPr>
-            <a:lvl4pPr marL="1371600" indent="0">
-              <a:buNone/>
-              <a:defRPr sz="1600">
-                <a:solidFill>
-                  <a:schemeClr val="tx1">
-                    <a:tint val="75000"/>
-                  </a:schemeClr>
-                </a:solidFill>
-              </a:defRPr>
-            </a:lvl4pPr>
-            <a:lvl5pPr marL="1828800" indent="0">
-              <a:buNone/>
-              <a:defRPr sz="1600">
-                <a:solidFill>
-                  <a:schemeClr val="tx1">
-                    <a:tint val="75000"/>
-                  </a:schemeClr>
-                </a:solidFill>
-              </a:defRPr>
-            </a:lvl5pPr>
-            <a:lvl6pPr marL="2286000" indent="0">
-              <a:buNone/>
-              <a:defRPr sz="1600">
-                <a:solidFill>
-                  <a:schemeClr val="tx1">
-                    <a:tint val="75000"/>
-                  </a:schemeClr>
-                </a:solidFill>
-              </a:defRPr>
-            </a:lvl6pPr>
-            <a:lvl7pPr marL="2743200" indent="0">
-              <a:buNone/>
-              <a:defRPr sz="1600">
-                <a:solidFill>
-                  <a:schemeClr val="tx1">
-                    <a:tint val="75000"/>
-                  </a:schemeClr>
-                </a:solidFill>
-              </a:defRPr>
-            </a:lvl7pPr>
-            <a:lvl8pPr marL="3200400" indent="0">
-              <a:buNone/>
-              <a:defRPr sz="1600">
-                <a:solidFill>
-                  <a:schemeClr val="tx1">
-                    <a:tint val="75000"/>
-                  </a:schemeClr>
-                </a:solidFill>
-              </a:defRPr>
-            </a:lvl8pPr>
-            <a:lvl9pPr marL="3657600" indent="0">
-              <a:buNone/>
-              <a:defRPr sz="1600">
-                <a:solidFill>
-                  <a:schemeClr val="tx1">
-                    <a:tint val="75000"/>
-                  </a:schemeClr>
-                </a:solidFill>
-              </a:defRPr>
-            </a:lvl9pPr>
-          </a:lstStyle>
-          <a:p>
-            <a:pPr lvl="0"/>
-            <a:r>
-              <a:rPr lang="ko-KR" altLang="en-US"/>
-              <a:t>마스터 텍스트 스타일을 편집하려면 클릭</a:t>
-            </a:r>
-          </a:p>
-        </p:txBody>
-      </p:sp>
-      <p:sp>
-        <p:nvSpPr>
-          <p:cNvPr id="4" name="날짜 개체 틀 3">
-            <a:extLst>
-              <a:ext uri="{FF2B5EF4-FFF2-40B4-BE49-F238E27FC236}">
-                <a16:creationId xmlns:a16="http://schemas.microsoft.com/office/drawing/2014/main" id="{A9E3EC47-B397-D2B2-A156-9F9F1D2255FB}"/>
-              </a:ext>
-            </a:extLst>
-          </p:cNvPr>
-          <p:cNvSpPr>
-            <a:spLocks noGrp="1"/>
-          </p:cNvSpPr>
-          <p:nvPr>
-            <p:ph type="dt" sz="half" idx="10"/>
-          </p:nvPr>
-        </p:nvSpPr>
-        <p:spPr/>
-        <p:txBody>
-          <a:bodyPr/>
-          <a:lstStyle/>
-          <a:p>
-            <a:fld id="{AB0AA1C4-3EF1-406C-85B7-F512AF653C09}" type="datetimeFigureOut">
-              <a:rPr lang="ko-KR" altLang="en-US" smtClean="0"/>
-              <a:t>2022-05-25</a:t>
-            </a:fld>
-            <a:endParaRPr lang="ko-KR" altLang="en-US"/>
-          </a:p>
-        </p:txBody>
-      </p:sp>
-      <p:sp>
-        <p:nvSpPr>
-          <p:cNvPr id="5" name="바닥글 개체 틀 4">
-            <a:extLst>
-              <a:ext uri="{FF2B5EF4-FFF2-40B4-BE49-F238E27FC236}">
-                <a16:creationId xmlns:a16="http://schemas.microsoft.com/office/drawing/2014/main" id="{C65184D0-DBCA-439F-0FD5-2F4E43DF82AA}"/>
-              </a:ext>
-            </a:extLst>
-          </p:cNvPr>
-          <p:cNvSpPr>
-            <a:spLocks noGrp="1"/>
-          </p:cNvSpPr>
-          <p:nvPr>
-            <p:ph type="ftr" sz="quarter" idx="11"/>
-          </p:nvPr>
-        </p:nvSpPr>
-        <p:spPr/>
-        <p:txBody>
-          <a:bodyPr/>
-          <a:lstStyle/>
-          <a:p>
-            <a:endParaRPr lang="ko-KR" altLang="en-US"/>
-          </a:p>
-        </p:txBody>
-      </p:sp>
-      <p:sp>
-        <p:nvSpPr>
-          <p:cNvPr id="6" name="슬라이드 번호 개체 틀 5">
-            <a:extLst>
-              <a:ext uri="{FF2B5EF4-FFF2-40B4-BE49-F238E27FC236}">
-                <a16:creationId xmlns:a16="http://schemas.microsoft.com/office/drawing/2014/main" id="{F2EAC403-55DC-96F1-8F9C-594A59EE36C5}"/>
-              </a:ext>
-            </a:extLst>
-          </p:cNvPr>
-          <p:cNvSpPr>
-            <a:spLocks noGrp="1"/>
-          </p:cNvSpPr>
-          <p:nvPr>
-            <p:ph type="sldNum" sz="quarter" idx="12"/>
-          </p:nvPr>
-        </p:nvSpPr>
-        <p:spPr/>
-        <p:txBody>
-          <a:bodyPr/>
-          <a:lstStyle/>
-          <a:p>
-            <a:fld id="{A52B0A35-C67D-4D36-A33A-75FE3D9C5555}" type="slidenum">
-              <a:rPr lang="ko-KR" altLang="en-US" smtClean="0"/>
-              <a:t>‹#›</a:t>
-            </a:fld>
-            <a:endParaRPr lang="ko-KR" altLang="en-US"/>
-          </a:p>
-        </p:txBody>
-      </p:sp>
-    </p:spTree>
-    <p:extLst>
-      <p:ext uri="{BB962C8B-B14F-4D97-AF65-F5344CB8AC3E}">
-        <p14:creationId xmlns:p14="http://schemas.microsoft.com/office/powerpoint/2010/main" val="3271247812"/>
-      </p:ext>
-    </p:extLst>
-  </p:cSld>
-  <p:clrMapOvr>
-    <a:masterClrMapping/>
-  </p:clrMapOvr>
-</p:sldLayout>
-</file>
-
-<file path=ppt/slideLayouts/slideLayout4.xml><?xml version="1.0" encoding="utf-8"?>
-<p:sldLayout xmlns:a="http://schemas.openxmlformats.org/drawingml/2006/main" xmlns:r="http://schemas.openxmlformats.org/officeDocument/2006/relationships" xmlns:p="http://schemas.openxmlformats.org/presentationml/2006/main" type="twoObj" preserve="1">
-  <p:cSld name="콘텐츠 2개">
-    <p:spTree>
-      <p:nvGrpSpPr>
-        <p:cNvPr id="1" name=""/>
-        <p:cNvGrpSpPr/>
-        <p:nvPr/>
-      </p:nvGrpSpPr>
-      <p:grpSpPr>
-        <a:xfrm>
-          <a:off x="0" y="0"/>
-          <a:ext cx="0" cy="0"/>
-          <a:chOff x="0" y="0"/>
-          <a:chExt cx="0" cy="0"/>
-        </a:xfrm>
-      </p:grpSpPr>
-      <p:sp>
-        <p:nvSpPr>
-          <p:cNvPr id="2" name="제목 1">
-            <a:extLst>
-              <a:ext uri="{FF2B5EF4-FFF2-40B4-BE49-F238E27FC236}">
-                <a16:creationId xmlns:a16="http://schemas.microsoft.com/office/drawing/2014/main" id="{E7EBBE9B-C032-D76C-65A1-11C7126B87B0}"/>
-              </a:ext>
-            </a:extLst>
-          </p:cNvPr>
-          <p:cNvSpPr>
-            <a:spLocks noGrp="1"/>
-          </p:cNvSpPr>
-          <p:nvPr>
-            <p:ph type="title"/>
-          </p:nvPr>
-        </p:nvSpPr>
-        <p:spPr/>
-        <p:txBody>
-          <a:bodyPr/>
-          <a:lstStyle/>
-          <a:p>
-            <a:r>
-              <a:rPr lang="ko-KR" altLang="en-US"/>
-              <a:t>마스터 제목 스타일 편집</a:t>
-            </a:r>
-          </a:p>
-        </p:txBody>
-      </p:sp>
-      <p:sp>
-        <p:nvSpPr>
-          <p:cNvPr id="3" name="내용 개체 틀 2">
-            <a:extLst>
-              <a:ext uri="{FF2B5EF4-FFF2-40B4-BE49-F238E27FC236}">
-                <a16:creationId xmlns:a16="http://schemas.microsoft.com/office/drawing/2014/main" id="{7B6CF3ED-B571-F664-3865-4EB2CB255BA7}"/>
-              </a:ext>
-            </a:extLst>
-          </p:cNvPr>
-          <p:cNvSpPr>
-            <a:spLocks noGrp="1"/>
-          </p:cNvSpPr>
-          <p:nvPr>
-            <p:ph sz="half" idx="1"/>
-          </p:nvPr>
-        </p:nvSpPr>
-        <p:spPr>
-          <a:xfrm>
-            <a:off x="838200" y="1825625"/>
-            <a:ext cx="5181600" cy="4351338"/>
-          </a:xfrm>
-        </p:spPr>
-        <p:txBody>
-          <a:bodyPr/>
-          <a:lstStyle/>
-          <a:p>
-            <a:pPr lvl="0"/>
-            <a:r>
-              <a:rPr lang="ko-KR" altLang="en-US"/>
-              <a:t>마스터 텍스트 스타일을 편집하려면 클릭</a:t>
-            </a:r>
-          </a:p>
-          <a:p>
-            <a:pPr lvl="1"/>
-            <a:r>
-              <a:rPr lang="ko-KR" altLang="en-US"/>
-              <a:t>두 번째 수준</a:t>
-            </a:r>
-          </a:p>
-          <a:p>
-            <a:pPr lvl="2"/>
-            <a:r>
-              <a:rPr lang="ko-KR" altLang="en-US"/>
-              <a:t>세 번째 수준</a:t>
-            </a:r>
-          </a:p>
-          <a:p>
-            <a:pPr lvl="3"/>
-            <a:r>
-              <a:rPr lang="ko-KR" altLang="en-US"/>
-              <a:t>네 번째 수준</a:t>
-            </a:r>
-          </a:p>
-          <a:p>
-            <a:pPr lvl="4"/>
-            <a:r>
-              <a:rPr lang="ko-KR" altLang="en-US"/>
-              <a:t>다섯 번째 수준</a:t>
-            </a:r>
-          </a:p>
-        </p:txBody>
-      </p:sp>
-      <p:sp>
-        <p:nvSpPr>
-          <p:cNvPr id="4" name="내용 개체 틀 3">
-            <a:extLst>
-              <a:ext uri="{FF2B5EF4-FFF2-40B4-BE49-F238E27FC236}">
-                <a16:creationId xmlns:a16="http://schemas.microsoft.com/office/drawing/2014/main" id="{CEDA17BB-765A-B725-6A20-471E5970D66B}"/>
-              </a:ext>
-            </a:extLst>
-          </p:cNvPr>
-          <p:cNvSpPr>
-            <a:spLocks noGrp="1"/>
-          </p:cNvSpPr>
-          <p:nvPr>
-            <p:ph sz="half" idx="2"/>
-          </p:nvPr>
-        </p:nvSpPr>
-        <p:spPr>
-          <a:xfrm>
-            <a:off x="6172200" y="1825625"/>
-            <a:ext cx="5181600" cy="4351338"/>
-          </a:xfrm>
-        </p:spPr>
-        <p:txBody>
-          <a:bodyPr/>
-          <a:lstStyle/>
-          <a:p>
-            <a:pPr lvl="0"/>
-            <a:r>
-              <a:rPr lang="ko-KR" altLang="en-US"/>
-              <a:t>마스터 텍스트 스타일을 편집하려면 클릭</a:t>
-            </a:r>
-          </a:p>
-          <a:p>
-            <a:pPr lvl="1"/>
-            <a:r>
-              <a:rPr lang="ko-KR" altLang="en-US"/>
-              <a:t>두 번째 수준</a:t>
-            </a:r>
-          </a:p>
-          <a:p>
-            <a:pPr lvl="2"/>
-            <a:r>
-              <a:rPr lang="ko-KR" altLang="en-US"/>
-              <a:t>세 번째 수준</a:t>
-            </a:r>
-          </a:p>
-          <a:p>
-            <a:pPr lvl="3"/>
-            <a:r>
-              <a:rPr lang="ko-KR" altLang="en-US"/>
-              <a:t>네 번째 수준</a:t>
-            </a:r>
-          </a:p>
-          <a:p>
-            <a:pPr lvl="4"/>
-            <a:r>
-              <a:rPr lang="ko-KR" altLang="en-US"/>
-              <a:t>다섯 번째 수준</a:t>
-            </a:r>
-          </a:p>
-        </p:txBody>
-      </p:sp>
-      <p:sp>
-        <p:nvSpPr>
-          <p:cNvPr id="5" name="날짜 개체 틀 4">
-            <a:extLst>
-              <a:ext uri="{FF2B5EF4-FFF2-40B4-BE49-F238E27FC236}">
-                <a16:creationId xmlns:a16="http://schemas.microsoft.com/office/drawing/2014/main" id="{733F663C-28CF-4842-58AB-17B36AFFFE66}"/>
-              </a:ext>
-            </a:extLst>
-          </p:cNvPr>
-          <p:cNvSpPr>
-            <a:spLocks noGrp="1"/>
-          </p:cNvSpPr>
-          <p:nvPr>
-            <p:ph type="dt" sz="half" idx="10"/>
-          </p:nvPr>
-        </p:nvSpPr>
-        <p:spPr/>
-        <p:txBody>
-          <a:bodyPr/>
-          <a:lstStyle/>
-          <a:p>
-            <a:fld id="{AB0AA1C4-3EF1-406C-85B7-F512AF653C09}" type="datetimeFigureOut">
-              <a:rPr lang="ko-KR" altLang="en-US" smtClean="0"/>
-              <a:t>2022-05-25</a:t>
-            </a:fld>
-            <a:endParaRPr lang="ko-KR" altLang="en-US"/>
-          </a:p>
-        </p:txBody>
-      </p:sp>
-      <p:sp>
-        <p:nvSpPr>
-          <p:cNvPr id="6" name="바닥글 개체 틀 5">
-            <a:extLst>
-              <a:ext uri="{FF2B5EF4-FFF2-40B4-BE49-F238E27FC236}">
-                <a16:creationId xmlns:a16="http://schemas.microsoft.com/office/drawing/2014/main" id="{11E0A109-2A79-639C-2C58-4D973C838831}"/>
-              </a:ext>
-            </a:extLst>
-          </p:cNvPr>
-          <p:cNvSpPr>
-            <a:spLocks noGrp="1"/>
-          </p:cNvSpPr>
-          <p:nvPr>
-            <p:ph type="ftr" sz="quarter" idx="11"/>
-          </p:nvPr>
-        </p:nvSpPr>
-        <p:spPr/>
-        <p:txBody>
-          <a:bodyPr/>
-          <a:lstStyle/>
-          <a:p>
-            <a:endParaRPr lang="ko-KR" altLang="en-US"/>
-          </a:p>
-        </p:txBody>
-      </p:sp>
-      <p:sp>
-        <p:nvSpPr>
-          <p:cNvPr id="7" name="슬라이드 번호 개체 틀 6">
-            <a:extLst>
-              <a:ext uri="{FF2B5EF4-FFF2-40B4-BE49-F238E27FC236}">
-                <a16:creationId xmlns:a16="http://schemas.microsoft.com/office/drawing/2014/main" id="{E50CB899-6B0F-4A47-FF3D-F1CE00CD216E}"/>
-              </a:ext>
-            </a:extLst>
-          </p:cNvPr>
-          <p:cNvSpPr>
-            <a:spLocks noGrp="1"/>
-          </p:cNvSpPr>
-          <p:nvPr>
-            <p:ph type="sldNum" sz="quarter" idx="12"/>
-          </p:nvPr>
-        </p:nvSpPr>
-        <p:spPr/>
-        <p:txBody>
-          <a:bodyPr/>
-          <a:lstStyle/>
-          <a:p>
-            <a:fld id="{A52B0A35-C67D-4D36-A33A-75FE3D9C5555}" type="slidenum">
-              <a:rPr lang="ko-KR" altLang="en-US" smtClean="0"/>
-              <a:t>‹#›</a:t>
-            </a:fld>
-            <a:endParaRPr lang="ko-KR" altLang="en-US"/>
-          </a:p>
-        </p:txBody>
-      </p:sp>
-    </p:spTree>
-    <p:extLst>
-      <p:ext uri="{BB962C8B-B14F-4D97-AF65-F5344CB8AC3E}">
-        <p14:creationId xmlns:p14="http://schemas.microsoft.com/office/powerpoint/2010/main" val="1857762511"/>
-      </p:ext>
-    </p:extLst>
-  </p:cSld>
-  <p:clrMapOvr>
-    <a:masterClrMapping/>
-  </p:clrMapOvr>
-</p:sldLayout>
-</file>
-
-<file path=ppt/slideLayouts/slideLayout5.xml><?xml version="1.0" encoding="utf-8"?>
-<p:sldLayout xmlns:a="http://schemas.openxmlformats.org/drawingml/2006/main" xmlns:r="http://schemas.openxmlformats.org/officeDocument/2006/relationships" xmlns:p="http://schemas.openxmlformats.org/presentationml/2006/main" type="twoTxTwoObj" preserve="1">
-  <p:cSld name="비교">
-    <p:spTree>
-      <p:nvGrpSpPr>
-        <p:cNvPr id="1" name=""/>
-        <p:cNvGrpSpPr/>
-        <p:nvPr/>
-      </p:nvGrpSpPr>
-      <p:grpSpPr>
-        <a:xfrm>
-          <a:off x="0" y="0"/>
-          <a:ext cx="0" cy="0"/>
-          <a:chOff x="0" y="0"/>
-          <a:chExt cx="0" cy="0"/>
-        </a:xfrm>
-      </p:grpSpPr>
-      <p:sp>
-        <p:nvSpPr>
-          <p:cNvPr id="2" name="제목 1">
-            <a:extLst>
-              <a:ext uri="{FF2B5EF4-FFF2-40B4-BE49-F238E27FC236}">
-                <a16:creationId xmlns:a16="http://schemas.microsoft.com/office/drawing/2014/main" id="{8C6B978F-91BF-DB86-4D59-54058FBE6F00}"/>
-              </a:ext>
-            </a:extLst>
-          </p:cNvPr>
-          <p:cNvSpPr>
-            <a:spLocks noGrp="1"/>
-          </p:cNvSpPr>
-          <p:nvPr>
-            <p:ph type="title"/>
-          </p:nvPr>
-        </p:nvSpPr>
-        <p:spPr>
-          <a:xfrm>
-            <a:off x="839788" y="365125"/>
-            <a:ext cx="10515600" cy="1325563"/>
-          </a:xfrm>
-        </p:spPr>
-        <p:txBody>
-          <a:bodyPr/>
-          <a:lstStyle/>
-          <a:p>
-            <a:r>
-              <a:rPr lang="ko-KR" altLang="en-US"/>
-              <a:t>마스터 제목 스타일 편집</a:t>
-            </a:r>
-          </a:p>
-        </p:txBody>
-      </p:sp>
-      <p:sp>
-        <p:nvSpPr>
-          <p:cNvPr id="3" name="텍스트 개체 틀 2">
-            <a:extLst>
-              <a:ext uri="{FF2B5EF4-FFF2-40B4-BE49-F238E27FC236}">
-                <a16:creationId xmlns:a16="http://schemas.microsoft.com/office/drawing/2014/main" id="{47B9ADEC-E479-FAFF-0FA6-4A55E1591A87}"/>
-              </a:ext>
-            </a:extLst>
-          </p:cNvPr>
-          <p:cNvSpPr>
-            <a:spLocks noGrp="1"/>
-          </p:cNvSpPr>
-          <p:nvPr>
-            <p:ph type="body" idx="1"/>
-          </p:nvPr>
-        </p:nvSpPr>
-        <p:spPr>
-          <a:xfrm>
-            <a:off x="839788" y="1681163"/>
-            <a:ext cx="5157787" cy="823912"/>
-          </a:xfrm>
-        </p:spPr>
-        <p:txBody>
-          <a:bodyPr anchor="b"/>
-          <a:lstStyle>
-            <a:lvl1pPr marL="0" indent="0">
-              <a:buNone/>
-              <a:defRPr sz="2400" b="1"/>
-            </a:lvl1pPr>
-            <a:lvl2pPr marL="457200" indent="0">
-              <a:buNone/>
-              <a:defRPr sz="2000" b="1"/>
-            </a:lvl2pPr>
-            <a:lvl3pPr marL="914400" indent="0">
-              <a:buNone/>
-              <a:defRPr sz="1800" b="1"/>
-            </a:lvl3pPr>
-            <a:lvl4pPr marL="1371600" indent="0">
-              <a:buNone/>
-              <a:defRPr sz="1600" b="1"/>
-            </a:lvl4pPr>
-            <a:lvl5pPr marL="1828800" indent="0">
-              <a:buNone/>
-              <a:defRPr sz="1600" b="1"/>
-            </a:lvl5pPr>
-            <a:lvl6pPr marL="2286000" indent="0">
-              <a:buNone/>
-              <a:defRPr sz="1600" b="1"/>
-            </a:lvl6pPr>
-            <a:lvl7pPr marL="2743200" indent="0">
-              <a:buNone/>
-              <a:defRPr sz="1600" b="1"/>
-            </a:lvl7pPr>
-            <a:lvl8pPr marL="3200400" indent="0">
-              <a:buNone/>
-              <a:defRPr sz="1600" b="1"/>
-            </a:lvl8pPr>
-            <a:lvl9pPr marL="3657600" indent="0">
-              <a:buNone/>
-              <a:defRPr sz="1600" b="1"/>
-            </a:lvl9pPr>
-          </a:lstStyle>
-          <a:p>
-            <a:pPr lvl="0"/>
-            <a:r>
-              <a:rPr lang="ko-KR" altLang="en-US"/>
-              <a:t>마스터 텍스트 스타일을 편집하려면 클릭</a:t>
-            </a:r>
-          </a:p>
-        </p:txBody>
-      </p:sp>
-      <p:sp>
-        <p:nvSpPr>
-          <p:cNvPr id="4" name="내용 개체 틀 3">
-            <a:extLst>
-              <a:ext uri="{FF2B5EF4-FFF2-40B4-BE49-F238E27FC236}">
-                <a16:creationId xmlns:a16="http://schemas.microsoft.com/office/drawing/2014/main" id="{ED809BF8-BC15-3A1B-F8D7-C7DF0A2320D4}"/>
-              </a:ext>
-            </a:extLst>
-          </p:cNvPr>
-          <p:cNvSpPr>
-            <a:spLocks noGrp="1"/>
-          </p:cNvSpPr>
-          <p:nvPr>
-            <p:ph sz="half" idx="2"/>
-          </p:nvPr>
-        </p:nvSpPr>
-        <p:spPr>
-          <a:xfrm>
-            <a:off x="839788" y="2505075"/>
-            <a:ext cx="5157787" cy="3684588"/>
-          </a:xfrm>
-        </p:spPr>
-        <p:txBody>
-          <a:bodyPr/>
-          <a:lstStyle/>
-          <a:p>
-            <a:pPr lvl="0"/>
-            <a:r>
-              <a:rPr lang="ko-KR" altLang="en-US"/>
-              <a:t>마스터 텍스트 스타일을 편집하려면 클릭</a:t>
-            </a:r>
-          </a:p>
-          <a:p>
-            <a:pPr lvl="1"/>
-            <a:r>
-              <a:rPr lang="ko-KR" altLang="en-US"/>
-              <a:t>두 번째 수준</a:t>
-            </a:r>
-          </a:p>
-          <a:p>
-            <a:pPr lvl="2"/>
-            <a:r>
-              <a:rPr lang="ko-KR" altLang="en-US"/>
-              <a:t>세 번째 수준</a:t>
-            </a:r>
-          </a:p>
-          <a:p>
-            <a:pPr lvl="3"/>
-            <a:r>
-              <a:rPr lang="ko-KR" altLang="en-US"/>
-              <a:t>네 번째 수준</a:t>
-            </a:r>
-          </a:p>
-          <a:p>
-            <a:pPr lvl="4"/>
-            <a:r>
-              <a:rPr lang="ko-KR" altLang="en-US"/>
-              <a:t>다섯 번째 수준</a:t>
-            </a:r>
-          </a:p>
-        </p:txBody>
-      </p:sp>
-      <p:sp>
-        <p:nvSpPr>
-          <p:cNvPr id="5" name="텍스트 개체 틀 4">
-            <a:extLst>
-              <a:ext uri="{FF2B5EF4-FFF2-40B4-BE49-F238E27FC236}">
-                <a16:creationId xmlns:a16="http://schemas.microsoft.com/office/drawing/2014/main" id="{9D80F63A-C784-F969-39A9-1888F5223EBA}"/>
-              </a:ext>
-            </a:extLst>
-          </p:cNvPr>
-          <p:cNvSpPr>
-            <a:spLocks noGrp="1"/>
-          </p:cNvSpPr>
-          <p:nvPr>
-            <p:ph type="body" sz="quarter" idx="3"/>
-          </p:nvPr>
-        </p:nvSpPr>
-        <p:spPr>
-          <a:xfrm>
-            <a:off x="6172200" y="1681163"/>
-            <a:ext cx="5183188" cy="823912"/>
-          </a:xfrm>
-        </p:spPr>
-        <p:txBody>
-          <a:bodyPr anchor="b"/>
-          <a:lstStyle>
-            <a:lvl1pPr marL="0" indent="0">
-              <a:buNone/>
-              <a:defRPr sz="2400" b="1"/>
-            </a:lvl1pPr>
-            <a:lvl2pPr marL="457200" indent="0">
-              <a:buNone/>
-              <a:defRPr sz="2000" b="1"/>
-            </a:lvl2pPr>
-            <a:lvl3pPr marL="914400" indent="0">
-              <a:buNone/>
-              <a:defRPr sz="1800" b="1"/>
-            </a:lvl3pPr>
-            <a:lvl4pPr marL="1371600" indent="0">
-              <a:buNone/>
-              <a:defRPr sz="1600" b="1"/>
-            </a:lvl4pPr>
-            <a:lvl5pPr marL="1828800" indent="0">
-              <a:buNone/>
-              <a:defRPr sz="1600" b="1"/>
-            </a:lvl5pPr>
-            <a:lvl6pPr marL="2286000" indent="0">
-              <a:buNone/>
-              <a:defRPr sz="1600" b="1"/>
-            </a:lvl6pPr>
-            <a:lvl7pPr marL="2743200" indent="0">
-              <a:buNone/>
-              <a:defRPr sz="1600" b="1"/>
-            </a:lvl7pPr>
-            <a:lvl8pPr marL="3200400" indent="0">
-              <a:buNone/>
-              <a:defRPr sz="1600" b="1"/>
-            </a:lvl8pPr>
-            <a:lvl9pPr marL="3657600" indent="0">
-              <a:buNone/>
-              <a:defRPr sz="1600" b="1"/>
-            </a:lvl9pPr>
-          </a:lstStyle>
-          <a:p>
-            <a:pPr lvl="0"/>
-            <a:r>
-              <a:rPr lang="ko-KR" altLang="en-US"/>
-              <a:t>마스터 텍스트 스타일을 편집하려면 클릭</a:t>
-            </a:r>
-          </a:p>
-        </p:txBody>
-      </p:sp>
-      <p:sp>
-        <p:nvSpPr>
-          <p:cNvPr id="6" name="내용 개체 틀 5">
-            <a:extLst>
-              <a:ext uri="{FF2B5EF4-FFF2-40B4-BE49-F238E27FC236}">
-                <a16:creationId xmlns:a16="http://schemas.microsoft.com/office/drawing/2014/main" id="{F9D812B8-B371-CB04-ABFB-98AE5ACCCB63}"/>
-              </a:ext>
-            </a:extLst>
-          </p:cNvPr>
-          <p:cNvSpPr>
-            <a:spLocks noGrp="1"/>
-          </p:cNvSpPr>
-          <p:nvPr>
-            <p:ph sz="quarter" idx="4"/>
-          </p:nvPr>
-        </p:nvSpPr>
-        <p:spPr>
-          <a:xfrm>
-            <a:off x="6172200" y="2505075"/>
-            <a:ext cx="5183188" cy="3684588"/>
-          </a:xfrm>
-        </p:spPr>
-        <p:txBody>
-          <a:bodyPr/>
-          <a:lstStyle/>
-          <a:p>
-            <a:pPr lvl="0"/>
-            <a:r>
-              <a:rPr lang="ko-KR" altLang="en-US"/>
-              <a:t>마스터 텍스트 스타일을 편집하려면 클릭</a:t>
-            </a:r>
-          </a:p>
-          <a:p>
-            <a:pPr lvl="1"/>
-            <a:r>
-              <a:rPr lang="ko-KR" altLang="en-US"/>
-              <a:t>두 번째 수준</a:t>
-            </a:r>
-          </a:p>
-          <a:p>
-            <a:pPr lvl="2"/>
-            <a:r>
-              <a:rPr lang="ko-KR" altLang="en-US"/>
-              <a:t>세 번째 수준</a:t>
-            </a:r>
-          </a:p>
-          <a:p>
-            <a:pPr lvl="3"/>
-            <a:r>
-              <a:rPr lang="ko-KR" altLang="en-US"/>
-              <a:t>네 번째 수준</a:t>
-            </a:r>
-          </a:p>
-          <a:p>
-            <a:pPr lvl="4"/>
-            <a:r>
-              <a:rPr lang="ko-KR" altLang="en-US"/>
-              <a:t>다섯 번째 수준</a:t>
-            </a:r>
-          </a:p>
-        </p:txBody>
-      </p:sp>
-      <p:sp>
-        <p:nvSpPr>
-          <p:cNvPr id="7" name="날짜 개체 틀 6">
-            <a:extLst>
-              <a:ext uri="{FF2B5EF4-FFF2-40B4-BE49-F238E27FC236}">
-                <a16:creationId xmlns:a16="http://schemas.microsoft.com/office/drawing/2014/main" id="{780F3F4D-A105-EF85-512E-6A1C9E802168}"/>
-              </a:ext>
-            </a:extLst>
-          </p:cNvPr>
-          <p:cNvSpPr>
-            <a:spLocks noGrp="1"/>
-          </p:cNvSpPr>
-          <p:nvPr>
-            <p:ph type="dt" sz="half" idx="10"/>
-          </p:nvPr>
-        </p:nvSpPr>
-        <p:spPr/>
-        <p:txBody>
-          <a:bodyPr/>
-          <a:lstStyle/>
-          <a:p>
-            <a:fld id="{AB0AA1C4-3EF1-406C-85B7-F512AF653C09}" type="datetimeFigureOut">
-              <a:rPr lang="ko-KR" altLang="en-US" smtClean="0"/>
-              <a:t>2022-05-25</a:t>
-            </a:fld>
-            <a:endParaRPr lang="ko-KR" altLang="en-US"/>
-          </a:p>
-        </p:txBody>
-      </p:sp>
-      <p:sp>
-        <p:nvSpPr>
-          <p:cNvPr id="8" name="바닥글 개체 틀 7">
-            <a:extLst>
-              <a:ext uri="{FF2B5EF4-FFF2-40B4-BE49-F238E27FC236}">
-                <a16:creationId xmlns:a16="http://schemas.microsoft.com/office/drawing/2014/main" id="{04AB197E-2765-7996-F26F-92B862CBD1E2}"/>
-              </a:ext>
-            </a:extLst>
-          </p:cNvPr>
-          <p:cNvSpPr>
-            <a:spLocks noGrp="1"/>
-          </p:cNvSpPr>
-          <p:nvPr>
-            <p:ph type="ftr" sz="quarter" idx="11"/>
-          </p:nvPr>
-        </p:nvSpPr>
-        <p:spPr/>
-        <p:txBody>
-          <a:bodyPr/>
-          <a:lstStyle/>
-          <a:p>
-            <a:endParaRPr lang="ko-KR" altLang="en-US"/>
-          </a:p>
-        </p:txBody>
-      </p:sp>
-      <p:sp>
-        <p:nvSpPr>
-          <p:cNvPr id="9" name="슬라이드 번호 개체 틀 8">
-            <a:extLst>
-              <a:ext uri="{FF2B5EF4-FFF2-40B4-BE49-F238E27FC236}">
-                <a16:creationId xmlns:a16="http://schemas.microsoft.com/office/drawing/2014/main" id="{043632DD-6297-E15E-CF0A-D3452AB3516E}"/>
-              </a:ext>
-            </a:extLst>
-          </p:cNvPr>
-          <p:cNvSpPr>
-            <a:spLocks noGrp="1"/>
-          </p:cNvSpPr>
-          <p:nvPr>
-            <p:ph type="sldNum" sz="quarter" idx="12"/>
-          </p:nvPr>
-        </p:nvSpPr>
-        <p:spPr/>
-        <p:txBody>
-          <a:bodyPr/>
-          <a:lstStyle/>
-          <a:p>
-            <a:fld id="{A52B0A35-C67D-4D36-A33A-75FE3D9C5555}" type="slidenum">
-              <a:rPr lang="ko-KR" altLang="en-US" smtClean="0"/>
-              <a:t>‹#›</a:t>
-            </a:fld>
-            <a:endParaRPr lang="ko-KR" altLang="en-US"/>
-          </a:p>
-        </p:txBody>
-      </p:sp>
-    </p:spTree>
-    <p:extLst>
-      <p:ext uri="{BB962C8B-B14F-4D97-AF65-F5344CB8AC3E}">
-        <p14:creationId xmlns:p14="http://schemas.microsoft.com/office/powerpoint/2010/main" val="1756613331"/>
-      </p:ext>
-    </p:extLst>
-  </p:cSld>
-  <p:clrMapOvr>
-    <a:masterClrMapping/>
-  </p:clrMapOvr>
-</p:sldLayout>
-</file>
-
-<file path=ppt/slideLayouts/slideLayout6.xml><?xml version="1.0" encoding="utf-8"?>
 <p:sldLayout xmlns:a="http://schemas.openxmlformats.org/drawingml/2006/main" xmlns:r="http://schemas.openxmlformats.org/officeDocument/2006/relationships" xmlns:p="http://schemas.openxmlformats.org/presentationml/2006/main" type="titleOnly" preserve="1">
   <p:cSld name="제목만">
     <p:spTree>
@@ -3787,7 +3429,7 @@
           <a:p>
             <a:fld id="{AB0AA1C4-3EF1-406C-85B7-F512AF653C09}" type="datetimeFigureOut">
               <a:rPr lang="ko-KR" altLang="en-US" smtClean="0"/>
-              <a:t>2022-05-25</a:t>
+              <a:t>2022-11-08</a:t>
             </a:fld>
             <a:endParaRPr lang="ko-KR" altLang="en-US"/>
           </a:p>
@@ -3820,30 +3462,61 @@
       </p:sp>
       <p:sp>
         <p:nvSpPr>
-          <p:cNvPr id="5" name="슬라이드 번호 개체 틀 4">
+          <p:cNvPr id="6" name="TextBox 5">
             <a:extLst>
               <a:ext uri="{FF2B5EF4-FFF2-40B4-BE49-F238E27FC236}">
-                <a16:creationId xmlns:a16="http://schemas.microsoft.com/office/drawing/2014/main" id="{862716D9-D994-52E7-8BE0-9B767BED13AD}"/>
+                <a16:creationId xmlns:a16="http://schemas.microsoft.com/office/drawing/2014/main" id="{C44C27D6-0AB3-C78A-1C2F-617A157ECFF2}"/>
               </a:ext>
             </a:extLst>
           </p:cNvPr>
-          <p:cNvSpPr>
-            <a:spLocks noGrp="1"/>
-          </p:cNvSpPr>
-          <p:nvPr>
-            <p:ph type="sldNum" sz="quarter" idx="12"/>
-          </p:nvPr>
+          <p:cNvSpPr txBox="1"/>
+          <p:nvPr userDrawn="1"/>
         </p:nvSpPr>
-        <p:spPr/>
+        <p:spPr>
+          <a:xfrm>
+            <a:off x="10978194" y="6582975"/>
+            <a:ext cx="1213806" cy="276999"/>
+          </a:xfrm>
+          <a:prstGeom prst="rect">
+            <a:avLst/>
+          </a:prstGeom>
+          <a:noFill/>
+        </p:spPr>
         <p:txBody>
-          <a:bodyPr/>
+          <a:bodyPr wrap="square" rtlCol="0">
+            <a:spAutoFit/>
+          </a:bodyPr>
           <a:lstStyle/>
           <a:p>
-            <a:fld id="{A52B0A35-C67D-4D36-A33A-75FE3D9C5555}" type="slidenum">
-              <a:rPr lang="ko-KR" altLang="en-US" smtClean="0"/>
+            <a:pPr algn="r"/>
+            <a:fld id="{EE1EEAB9-1008-43E9-9E7B-A9180C289BDB}" type="slidenum">
+              <a:rPr lang="ko-KR" altLang="en-US" sz="1200" smtClean="0">
+                <a:solidFill>
+                  <a:schemeClr val="bg1">
+                    <a:lumMod val="50000"/>
+                  </a:schemeClr>
+                </a:solidFill>
+              </a:rPr>
+              <a:pPr algn="r"/>
               <a:t>‹#›</a:t>
             </a:fld>
-            <a:endParaRPr lang="ko-KR" altLang="en-US"/>
+            <a:r>
+              <a:rPr lang="en-US" altLang="ko-KR" sz="1200">
+                <a:solidFill>
+                  <a:schemeClr val="bg1">
+                    <a:lumMod val="50000"/>
+                  </a:schemeClr>
+                </a:solidFill>
+              </a:rPr>
+              <a:t>/13</a:t>
+            </a:r>
+            <a:endParaRPr lang="ko-KR" altLang="en-US" sz="1200">
+              <a:solidFill>
+                <a:schemeClr val="bg1">
+                  <a:lumMod val="50000"/>
+                </a:schemeClr>
+              </a:solidFill>
+            </a:endParaRPr>
           </a:p>
         </p:txBody>
       </p:sp>
@@ -3860,729 +3533,13 @@
 </p:sldLayout>
 </file>
 
-<file path=ppt/slideLayouts/slideLayout7.xml><?xml version="1.0" encoding="utf-8"?>
-<p:sldLayout xmlns:a="http://schemas.openxmlformats.org/drawingml/2006/main" xmlns:r="http://schemas.openxmlformats.org/officeDocument/2006/relationships" xmlns:p="http://schemas.openxmlformats.org/presentationml/2006/main" type="blank" preserve="1">
-  <p:cSld name="빈 화면">
-    <p:spTree>
-      <p:nvGrpSpPr>
-        <p:cNvPr id="1" name=""/>
-        <p:cNvGrpSpPr/>
-        <p:nvPr/>
-      </p:nvGrpSpPr>
-      <p:grpSpPr>
-        <a:xfrm>
-          <a:off x="0" y="0"/>
-          <a:ext cx="0" cy="0"/>
-          <a:chOff x="0" y="0"/>
-          <a:chExt cx="0" cy="0"/>
-        </a:xfrm>
-      </p:grpSpPr>
-      <p:sp>
-        <p:nvSpPr>
-          <p:cNvPr id="2" name="날짜 개체 틀 1">
-            <a:extLst>
-              <a:ext uri="{FF2B5EF4-FFF2-40B4-BE49-F238E27FC236}">
-                <a16:creationId xmlns:a16="http://schemas.microsoft.com/office/drawing/2014/main" id="{FE32DF05-1A7C-F9E5-FD10-5BCA83FE9964}"/>
-              </a:ext>
-            </a:extLst>
-          </p:cNvPr>
-          <p:cNvSpPr>
-            <a:spLocks noGrp="1"/>
-          </p:cNvSpPr>
-          <p:nvPr>
-            <p:ph type="dt" sz="half" idx="10"/>
-          </p:nvPr>
-        </p:nvSpPr>
-        <p:spPr/>
-        <p:txBody>
-          <a:bodyPr/>
-          <a:lstStyle/>
-          <a:p>
-            <a:fld id="{AB0AA1C4-3EF1-406C-85B7-F512AF653C09}" type="datetimeFigureOut">
-              <a:rPr lang="ko-KR" altLang="en-US" smtClean="0"/>
-              <a:t>2022-05-25</a:t>
-            </a:fld>
-            <a:endParaRPr lang="ko-KR" altLang="en-US"/>
-          </a:p>
-        </p:txBody>
-      </p:sp>
-      <p:sp>
-        <p:nvSpPr>
-          <p:cNvPr id="3" name="바닥글 개체 틀 2">
-            <a:extLst>
-              <a:ext uri="{FF2B5EF4-FFF2-40B4-BE49-F238E27FC236}">
-                <a16:creationId xmlns:a16="http://schemas.microsoft.com/office/drawing/2014/main" id="{090BE32B-BFDF-EEF4-06D8-BA70CBF05961}"/>
-              </a:ext>
-            </a:extLst>
-          </p:cNvPr>
-          <p:cNvSpPr>
-            <a:spLocks noGrp="1"/>
-          </p:cNvSpPr>
-          <p:nvPr>
-            <p:ph type="ftr" sz="quarter" idx="11"/>
-          </p:nvPr>
-        </p:nvSpPr>
-        <p:spPr/>
-        <p:txBody>
-          <a:bodyPr/>
-          <a:lstStyle/>
-          <a:p>
-            <a:endParaRPr lang="ko-KR" altLang="en-US"/>
-          </a:p>
-        </p:txBody>
-      </p:sp>
-      <p:sp>
-        <p:nvSpPr>
-          <p:cNvPr id="4" name="슬라이드 번호 개체 틀 3">
-            <a:extLst>
-              <a:ext uri="{FF2B5EF4-FFF2-40B4-BE49-F238E27FC236}">
-                <a16:creationId xmlns:a16="http://schemas.microsoft.com/office/drawing/2014/main" id="{483662A4-07A0-F5F8-7A5A-E4623047F465}"/>
-              </a:ext>
-            </a:extLst>
-          </p:cNvPr>
-          <p:cNvSpPr>
-            <a:spLocks noGrp="1"/>
-          </p:cNvSpPr>
-          <p:nvPr>
-            <p:ph type="sldNum" sz="quarter" idx="12"/>
-          </p:nvPr>
-        </p:nvSpPr>
-        <p:spPr/>
-        <p:txBody>
-          <a:bodyPr/>
-          <a:lstStyle/>
-          <a:p>
-            <a:fld id="{A52B0A35-C67D-4D36-A33A-75FE3D9C5555}" type="slidenum">
-              <a:rPr lang="ko-KR" altLang="en-US" smtClean="0"/>
-              <a:t>‹#›</a:t>
-            </a:fld>
-            <a:endParaRPr lang="ko-KR" altLang="en-US"/>
-          </a:p>
-        </p:txBody>
-      </p:sp>
-    </p:spTree>
-    <p:extLst>
-      <p:ext uri="{BB962C8B-B14F-4D97-AF65-F5344CB8AC3E}">
-        <p14:creationId xmlns:p14="http://schemas.microsoft.com/office/powerpoint/2010/main" val="651258160"/>
-      </p:ext>
-    </p:extLst>
-  </p:cSld>
-  <p:clrMapOvr>
-    <a:masterClrMapping/>
-  </p:clrMapOvr>
-</p:sldLayout>
-</file>
-
-<file path=ppt/slideLayouts/slideLayout8.xml><?xml version="1.0" encoding="utf-8"?>
-<p:sldLayout xmlns:a="http://schemas.openxmlformats.org/drawingml/2006/main" xmlns:r="http://schemas.openxmlformats.org/officeDocument/2006/relationships" xmlns:p="http://schemas.openxmlformats.org/presentationml/2006/main" type="objTx" preserve="1">
-  <p:cSld name="캡션 있는 콘텐츠">
-    <p:spTree>
-      <p:nvGrpSpPr>
-        <p:cNvPr id="1" name=""/>
-        <p:cNvGrpSpPr/>
-        <p:nvPr/>
-      </p:nvGrpSpPr>
-      <p:grpSpPr>
-        <a:xfrm>
-          <a:off x="0" y="0"/>
-          <a:ext cx="0" cy="0"/>
-          <a:chOff x="0" y="0"/>
-          <a:chExt cx="0" cy="0"/>
-        </a:xfrm>
-      </p:grpSpPr>
-      <p:sp>
-        <p:nvSpPr>
-          <p:cNvPr id="2" name="제목 1">
-            <a:extLst>
-              <a:ext uri="{FF2B5EF4-FFF2-40B4-BE49-F238E27FC236}">
-                <a16:creationId xmlns:a16="http://schemas.microsoft.com/office/drawing/2014/main" id="{F836244B-C407-1171-8DFD-D28147C93BD0}"/>
-              </a:ext>
-            </a:extLst>
-          </p:cNvPr>
-          <p:cNvSpPr>
-            <a:spLocks noGrp="1"/>
-          </p:cNvSpPr>
-          <p:nvPr>
-            <p:ph type="title"/>
-          </p:nvPr>
-        </p:nvSpPr>
-        <p:spPr>
-          <a:xfrm>
-            <a:off x="839788" y="457200"/>
-            <a:ext cx="3932237" cy="1600200"/>
-          </a:xfrm>
-        </p:spPr>
-        <p:txBody>
-          <a:bodyPr anchor="b"/>
-          <a:lstStyle>
-            <a:lvl1pPr>
-              <a:defRPr sz="3200"/>
-            </a:lvl1pPr>
-          </a:lstStyle>
-          <a:p>
-            <a:r>
-              <a:rPr lang="ko-KR" altLang="en-US"/>
-              <a:t>마스터 제목 스타일 편집</a:t>
-            </a:r>
-          </a:p>
-        </p:txBody>
-      </p:sp>
-      <p:sp>
-        <p:nvSpPr>
-          <p:cNvPr id="3" name="내용 개체 틀 2">
-            <a:extLst>
-              <a:ext uri="{FF2B5EF4-FFF2-40B4-BE49-F238E27FC236}">
-                <a16:creationId xmlns:a16="http://schemas.microsoft.com/office/drawing/2014/main" id="{C8927E04-C357-8701-BF9A-8D5FF7903679}"/>
-              </a:ext>
-            </a:extLst>
-          </p:cNvPr>
-          <p:cNvSpPr>
-            <a:spLocks noGrp="1"/>
-          </p:cNvSpPr>
-          <p:nvPr>
-            <p:ph idx="1"/>
-          </p:nvPr>
-        </p:nvSpPr>
-        <p:spPr>
-          <a:xfrm>
-            <a:off x="5183188" y="987425"/>
-            <a:ext cx="6172200" cy="4873625"/>
-          </a:xfrm>
-        </p:spPr>
-        <p:txBody>
-          <a:bodyPr/>
-          <a:lstStyle>
-            <a:lvl1pPr>
-              <a:defRPr sz="3200"/>
-            </a:lvl1pPr>
-            <a:lvl2pPr>
-              <a:defRPr sz="2800"/>
-            </a:lvl2pPr>
-            <a:lvl3pPr>
-              <a:defRPr sz="2400"/>
-            </a:lvl3pPr>
-            <a:lvl4pPr>
-              <a:defRPr sz="2000"/>
-            </a:lvl4pPr>
-            <a:lvl5pPr>
-              <a:defRPr sz="2000"/>
-            </a:lvl5pPr>
-            <a:lvl6pPr>
-              <a:defRPr sz="2000"/>
-            </a:lvl6pPr>
-            <a:lvl7pPr>
-              <a:defRPr sz="2000"/>
-            </a:lvl7pPr>
-            <a:lvl8pPr>
-              <a:defRPr sz="2000"/>
-            </a:lvl8pPr>
-            <a:lvl9pPr>
-              <a:defRPr sz="2000"/>
-            </a:lvl9pPr>
-          </a:lstStyle>
-          <a:p>
-            <a:pPr lvl="0"/>
-            <a:r>
-              <a:rPr lang="ko-KR" altLang="en-US"/>
-              <a:t>마스터 텍스트 스타일을 편집하려면 클릭</a:t>
-            </a:r>
-          </a:p>
-          <a:p>
-            <a:pPr lvl="1"/>
-            <a:r>
-              <a:rPr lang="ko-KR" altLang="en-US"/>
-              <a:t>두 번째 수준</a:t>
-            </a:r>
-          </a:p>
-          <a:p>
-            <a:pPr lvl="2"/>
-            <a:r>
-              <a:rPr lang="ko-KR" altLang="en-US"/>
-              <a:t>세 번째 수준</a:t>
-            </a:r>
-          </a:p>
-          <a:p>
-            <a:pPr lvl="3"/>
-            <a:r>
-              <a:rPr lang="ko-KR" altLang="en-US"/>
-              <a:t>네 번째 수준</a:t>
-            </a:r>
-          </a:p>
-          <a:p>
-            <a:pPr lvl="4"/>
-            <a:r>
-              <a:rPr lang="ko-KR" altLang="en-US"/>
-              <a:t>다섯 번째 수준</a:t>
-            </a:r>
-          </a:p>
-        </p:txBody>
-      </p:sp>
-      <p:sp>
-        <p:nvSpPr>
-          <p:cNvPr id="4" name="텍스트 개체 틀 3">
-            <a:extLst>
-              <a:ext uri="{FF2B5EF4-FFF2-40B4-BE49-F238E27FC236}">
-                <a16:creationId xmlns:a16="http://schemas.microsoft.com/office/drawing/2014/main" id="{895CDA05-F9F7-97D0-285C-7EF4DDA76DE3}"/>
-              </a:ext>
-            </a:extLst>
-          </p:cNvPr>
-          <p:cNvSpPr>
-            <a:spLocks noGrp="1"/>
-          </p:cNvSpPr>
-          <p:nvPr>
-            <p:ph type="body" sz="half" idx="2"/>
-          </p:nvPr>
-        </p:nvSpPr>
-        <p:spPr>
-          <a:xfrm>
-            <a:off x="839788" y="2057400"/>
-            <a:ext cx="3932237" cy="3811588"/>
-          </a:xfrm>
-        </p:spPr>
-        <p:txBody>
-          <a:bodyPr/>
-          <a:lstStyle>
-            <a:lvl1pPr marL="0" indent="0">
-              <a:buNone/>
-              <a:defRPr sz="1600"/>
-            </a:lvl1pPr>
-            <a:lvl2pPr marL="457200" indent="0">
-              <a:buNone/>
-              <a:defRPr sz="1400"/>
-            </a:lvl2pPr>
-            <a:lvl3pPr marL="914400" indent="0">
-              <a:buNone/>
-              <a:defRPr sz="1200"/>
-            </a:lvl3pPr>
-            <a:lvl4pPr marL="1371600" indent="0">
-              <a:buNone/>
-              <a:defRPr sz="1000"/>
-            </a:lvl4pPr>
-            <a:lvl5pPr marL="1828800" indent="0">
-              <a:buNone/>
-              <a:defRPr sz="1000"/>
-            </a:lvl5pPr>
-            <a:lvl6pPr marL="2286000" indent="0">
-              <a:buNone/>
-              <a:defRPr sz="1000"/>
-            </a:lvl6pPr>
-            <a:lvl7pPr marL="2743200" indent="0">
-              <a:buNone/>
-              <a:defRPr sz="1000"/>
-            </a:lvl7pPr>
-            <a:lvl8pPr marL="3200400" indent="0">
-              <a:buNone/>
-              <a:defRPr sz="1000"/>
-            </a:lvl8pPr>
-            <a:lvl9pPr marL="3657600" indent="0">
-              <a:buNone/>
-              <a:defRPr sz="1000"/>
-            </a:lvl9pPr>
-          </a:lstStyle>
-          <a:p>
-            <a:pPr lvl="0"/>
-            <a:r>
-              <a:rPr lang="ko-KR" altLang="en-US"/>
-              <a:t>마스터 텍스트 스타일을 편집하려면 클릭</a:t>
-            </a:r>
-          </a:p>
-        </p:txBody>
-      </p:sp>
-      <p:sp>
-        <p:nvSpPr>
-          <p:cNvPr id="5" name="날짜 개체 틀 4">
-            <a:extLst>
-              <a:ext uri="{FF2B5EF4-FFF2-40B4-BE49-F238E27FC236}">
-                <a16:creationId xmlns:a16="http://schemas.microsoft.com/office/drawing/2014/main" id="{DE106715-0912-2753-668D-7FF09F65AD8F}"/>
-              </a:ext>
-            </a:extLst>
-          </p:cNvPr>
-          <p:cNvSpPr>
-            <a:spLocks noGrp="1"/>
-          </p:cNvSpPr>
-          <p:nvPr>
-            <p:ph type="dt" sz="half" idx="10"/>
-          </p:nvPr>
-        </p:nvSpPr>
-        <p:spPr/>
-        <p:txBody>
-          <a:bodyPr/>
-          <a:lstStyle/>
-          <a:p>
-            <a:fld id="{AB0AA1C4-3EF1-406C-85B7-F512AF653C09}" type="datetimeFigureOut">
-              <a:rPr lang="ko-KR" altLang="en-US" smtClean="0"/>
-              <a:t>2022-05-25</a:t>
-            </a:fld>
-            <a:endParaRPr lang="ko-KR" altLang="en-US"/>
-          </a:p>
-        </p:txBody>
-      </p:sp>
-      <p:sp>
-        <p:nvSpPr>
-          <p:cNvPr id="6" name="바닥글 개체 틀 5">
-            <a:extLst>
-              <a:ext uri="{FF2B5EF4-FFF2-40B4-BE49-F238E27FC236}">
-                <a16:creationId xmlns:a16="http://schemas.microsoft.com/office/drawing/2014/main" id="{C0C62DF0-E1AD-F5AD-A5D3-781C680BF8F7}"/>
-              </a:ext>
-            </a:extLst>
-          </p:cNvPr>
-          <p:cNvSpPr>
-            <a:spLocks noGrp="1"/>
-          </p:cNvSpPr>
-          <p:nvPr>
-            <p:ph type="ftr" sz="quarter" idx="11"/>
-          </p:nvPr>
-        </p:nvSpPr>
-        <p:spPr/>
-        <p:txBody>
-          <a:bodyPr/>
-          <a:lstStyle/>
-          <a:p>
-            <a:endParaRPr lang="ko-KR" altLang="en-US"/>
-          </a:p>
-        </p:txBody>
-      </p:sp>
-      <p:sp>
-        <p:nvSpPr>
-          <p:cNvPr id="7" name="슬라이드 번호 개체 틀 6">
-            <a:extLst>
-              <a:ext uri="{FF2B5EF4-FFF2-40B4-BE49-F238E27FC236}">
-                <a16:creationId xmlns:a16="http://schemas.microsoft.com/office/drawing/2014/main" id="{6F680A3C-2A26-2F6C-05FB-30F75CEA6471}"/>
-              </a:ext>
-            </a:extLst>
-          </p:cNvPr>
-          <p:cNvSpPr>
-            <a:spLocks noGrp="1"/>
-          </p:cNvSpPr>
-          <p:nvPr>
-            <p:ph type="sldNum" sz="quarter" idx="12"/>
-          </p:nvPr>
-        </p:nvSpPr>
-        <p:spPr/>
-        <p:txBody>
-          <a:bodyPr/>
-          <a:lstStyle/>
-          <a:p>
-            <a:fld id="{A52B0A35-C67D-4D36-A33A-75FE3D9C5555}" type="slidenum">
-              <a:rPr lang="ko-KR" altLang="en-US" smtClean="0"/>
-              <a:t>‹#›</a:t>
-            </a:fld>
-            <a:endParaRPr lang="ko-KR" altLang="en-US"/>
-          </a:p>
-        </p:txBody>
-      </p:sp>
-    </p:spTree>
-    <p:extLst>
-      <p:ext uri="{BB962C8B-B14F-4D97-AF65-F5344CB8AC3E}">
-        <p14:creationId xmlns:p14="http://schemas.microsoft.com/office/powerpoint/2010/main" val="3966231513"/>
-      </p:ext>
-    </p:extLst>
-  </p:cSld>
-  <p:clrMapOvr>
-    <a:masterClrMapping/>
-  </p:clrMapOvr>
-</p:sldLayout>
-</file>
-
-<file path=ppt/slideLayouts/slideLayout9.xml><?xml version="1.0" encoding="utf-8"?>
-<p:sldLayout xmlns:a="http://schemas.openxmlformats.org/drawingml/2006/main" xmlns:r="http://schemas.openxmlformats.org/officeDocument/2006/relationships" xmlns:p="http://schemas.openxmlformats.org/presentationml/2006/main" type="picTx" preserve="1">
-  <p:cSld name="캡션 있는 그림">
-    <p:spTree>
-      <p:nvGrpSpPr>
-        <p:cNvPr id="1" name=""/>
-        <p:cNvGrpSpPr/>
-        <p:nvPr/>
-      </p:nvGrpSpPr>
-      <p:grpSpPr>
-        <a:xfrm>
-          <a:off x="0" y="0"/>
-          <a:ext cx="0" cy="0"/>
-          <a:chOff x="0" y="0"/>
-          <a:chExt cx="0" cy="0"/>
-        </a:xfrm>
-      </p:grpSpPr>
-      <p:sp>
-        <p:nvSpPr>
-          <p:cNvPr id="2" name="제목 1">
-            <a:extLst>
-              <a:ext uri="{FF2B5EF4-FFF2-40B4-BE49-F238E27FC236}">
-                <a16:creationId xmlns:a16="http://schemas.microsoft.com/office/drawing/2014/main" id="{0C54A9FB-4534-3263-53C0-B8BDAA974E9C}"/>
-              </a:ext>
-            </a:extLst>
-          </p:cNvPr>
-          <p:cNvSpPr>
-            <a:spLocks noGrp="1"/>
-          </p:cNvSpPr>
-          <p:nvPr>
-            <p:ph type="title"/>
-          </p:nvPr>
-        </p:nvSpPr>
-        <p:spPr>
-          <a:xfrm>
-            <a:off x="839788" y="457200"/>
-            <a:ext cx="3932237" cy="1600200"/>
-          </a:xfrm>
-        </p:spPr>
-        <p:txBody>
-          <a:bodyPr anchor="b"/>
-          <a:lstStyle>
-            <a:lvl1pPr>
-              <a:defRPr sz="3200"/>
-            </a:lvl1pPr>
-          </a:lstStyle>
-          <a:p>
-            <a:r>
-              <a:rPr lang="ko-KR" altLang="en-US"/>
-              <a:t>마스터 제목 스타일 편집</a:t>
-            </a:r>
-          </a:p>
-        </p:txBody>
-      </p:sp>
-      <p:sp>
-        <p:nvSpPr>
-          <p:cNvPr id="3" name="그림 개체 틀 2">
-            <a:extLst>
-              <a:ext uri="{FF2B5EF4-FFF2-40B4-BE49-F238E27FC236}">
-                <a16:creationId xmlns:a16="http://schemas.microsoft.com/office/drawing/2014/main" id="{06F871D6-623B-16C3-0519-AB70888FBD58}"/>
-              </a:ext>
-            </a:extLst>
-          </p:cNvPr>
-          <p:cNvSpPr>
-            <a:spLocks noGrp="1"/>
-          </p:cNvSpPr>
-          <p:nvPr>
-            <p:ph type="pic" idx="1"/>
-          </p:nvPr>
-        </p:nvSpPr>
-        <p:spPr>
-          <a:xfrm>
-            <a:off x="5183188" y="987425"/>
-            <a:ext cx="6172200" cy="4873625"/>
-          </a:xfrm>
-        </p:spPr>
-        <p:txBody>
-          <a:bodyPr/>
-          <a:lstStyle>
-            <a:lvl1pPr marL="0" indent="0">
-              <a:buNone/>
-              <a:defRPr sz="3200"/>
-            </a:lvl1pPr>
-            <a:lvl2pPr marL="457200" indent="0">
-              <a:buNone/>
-              <a:defRPr sz="2800"/>
-            </a:lvl2pPr>
-            <a:lvl3pPr marL="914400" indent="0">
-              <a:buNone/>
-              <a:defRPr sz="2400"/>
-            </a:lvl3pPr>
-            <a:lvl4pPr marL="1371600" indent="0">
-              <a:buNone/>
-              <a:defRPr sz="2000"/>
-            </a:lvl4pPr>
-            <a:lvl5pPr marL="1828800" indent="0">
-              <a:buNone/>
-              <a:defRPr sz="2000"/>
-            </a:lvl5pPr>
-            <a:lvl6pPr marL="2286000" indent="0">
-              <a:buNone/>
-              <a:defRPr sz="2000"/>
-            </a:lvl6pPr>
-            <a:lvl7pPr marL="2743200" indent="0">
-              <a:buNone/>
-              <a:defRPr sz="2000"/>
-            </a:lvl7pPr>
-            <a:lvl8pPr marL="3200400" indent="0">
-              <a:buNone/>
-              <a:defRPr sz="2000"/>
-            </a:lvl8pPr>
-            <a:lvl9pPr marL="3657600" indent="0">
-              <a:buNone/>
-              <a:defRPr sz="2000"/>
-            </a:lvl9pPr>
-          </a:lstStyle>
-          <a:p>
-            <a:endParaRPr lang="ko-KR" altLang="en-US"/>
-          </a:p>
-        </p:txBody>
-      </p:sp>
-      <p:sp>
-        <p:nvSpPr>
-          <p:cNvPr id="4" name="텍스트 개체 틀 3">
-            <a:extLst>
-              <a:ext uri="{FF2B5EF4-FFF2-40B4-BE49-F238E27FC236}">
-                <a16:creationId xmlns:a16="http://schemas.microsoft.com/office/drawing/2014/main" id="{C03C62A8-283C-0CCB-81BA-0D8DBB4DABAD}"/>
-              </a:ext>
-            </a:extLst>
-          </p:cNvPr>
-          <p:cNvSpPr>
-            <a:spLocks noGrp="1"/>
-          </p:cNvSpPr>
-          <p:nvPr>
-            <p:ph type="body" sz="half" idx="2"/>
-          </p:nvPr>
-        </p:nvSpPr>
-        <p:spPr>
-          <a:xfrm>
-            <a:off x="839788" y="2057400"/>
-            <a:ext cx="3932237" cy="3811588"/>
-          </a:xfrm>
-        </p:spPr>
-        <p:txBody>
-          <a:bodyPr/>
-          <a:lstStyle>
-            <a:lvl1pPr marL="0" indent="0">
-              <a:buNone/>
-              <a:defRPr sz="1600"/>
-            </a:lvl1pPr>
-            <a:lvl2pPr marL="457200" indent="0">
-              <a:buNone/>
-              <a:defRPr sz="1400"/>
-            </a:lvl2pPr>
-            <a:lvl3pPr marL="914400" indent="0">
-              <a:buNone/>
-              <a:defRPr sz="1200"/>
-            </a:lvl3pPr>
-            <a:lvl4pPr marL="1371600" indent="0">
-              <a:buNone/>
-              <a:defRPr sz="1000"/>
-            </a:lvl4pPr>
-            <a:lvl5pPr marL="1828800" indent="0">
-              <a:buNone/>
-              <a:defRPr sz="1000"/>
-            </a:lvl5pPr>
-            <a:lvl6pPr marL="2286000" indent="0">
-              <a:buNone/>
-              <a:defRPr sz="1000"/>
-            </a:lvl6pPr>
-            <a:lvl7pPr marL="2743200" indent="0">
-              <a:buNone/>
-              <a:defRPr sz="1000"/>
-            </a:lvl7pPr>
-            <a:lvl8pPr marL="3200400" indent="0">
-              <a:buNone/>
-              <a:defRPr sz="1000"/>
-            </a:lvl8pPr>
-            <a:lvl9pPr marL="3657600" indent="0">
-              <a:buNone/>
-              <a:defRPr sz="1000"/>
-            </a:lvl9pPr>
-          </a:lstStyle>
-          <a:p>
-            <a:pPr lvl="0"/>
-            <a:r>
-              <a:rPr lang="ko-KR" altLang="en-US"/>
-              <a:t>마스터 텍스트 스타일을 편집하려면 클릭</a:t>
-            </a:r>
-          </a:p>
-        </p:txBody>
-      </p:sp>
-      <p:sp>
-        <p:nvSpPr>
-          <p:cNvPr id="5" name="날짜 개체 틀 4">
-            <a:extLst>
-              <a:ext uri="{FF2B5EF4-FFF2-40B4-BE49-F238E27FC236}">
-                <a16:creationId xmlns:a16="http://schemas.microsoft.com/office/drawing/2014/main" id="{F00C0F33-63D9-B398-7485-327D990D9EE1}"/>
-              </a:ext>
-            </a:extLst>
-          </p:cNvPr>
-          <p:cNvSpPr>
-            <a:spLocks noGrp="1"/>
-          </p:cNvSpPr>
-          <p:nvPr>
-            <p:ph type="dt" sz="half" idx="10"/>
-          </p:nvPr>
-        </p:nvSpPr>
-        <p:spPr/>
-        <p:txBody>
-          <a:bodyPr/>
-          <a:lstStyle/>
-          <a:p>
-            <a:fld id="{AB0AA1C4-3EF1-406C-85B7-F512AF653C09}" type="datetimeFigureOut">
-              <a:rPr lang="ko-KR" altLang="en-US" smtClean="0"/>
-              <a:t>2022-05-25</a:t>
-            </a:fld>
-            <a:endParaRPr lang="ko-KR" altLang="en-US"/>
-          </a:p>
-        </p:txBody>
-      </p:sp>
-      <p:sp>
-        <p:nvSpPr>
-          <p:cNvPr id="6" name="바닥글 개체 틀 5">
-            <a:extLst>
-              <a:ext uri="{FF2B5EF4-FFF2-40B4-BE49-F238E27FC236}">
-                <a16:creationId xmlns:a16="http://schemas.microsoft.com/office/drawing/2014/main" id="{C9ADD9A7-4056-DE78-6750-C21DC81EA21D}"/>
-              </a:ext>
-            </a:extLst>
-          </p:cNvPr>
-          <p:cNvSpPr>
-            <a:spLocks noGrp="1"/>
-          </p:cNvSpPr>
-          <p:nvPr>
-            <p:ph type="ftr" sz="quarter" idx="11"/>
-          </p:nvPr>
-        </p:nvSpPr>
-        <p:spPr/>
-        <p:txBody>
-          <a:bodyPr/>
-          <a:lstStyle/>
-          <a:p>
-            <a:endParaRPr lang="ko-KR" altLang="en-US"/>
-          </a:p>
-        </p:txBody>
-      </p:sp>
-      <p:sp>
-        <p:nvSpPr>
-          <p:cNvPr id="7" name="슬라이드 번호 개체 틀 6">
-            <a:extLst>
-              <a:ext uri="{FF2B5EF4-FFF2-40B4-BE49-F238E27FC236}">
-                <a16:creationId xmlns:a16="http://schemas.microsoft.com/office/drawing/2014/main" id="{2E375984-96F5-2832-CCEB-2C21E132A962}"/>
-              </a:ext>
-            </a:extLst>
-          </p:cNvPr>
-          <p:cNvSpPr>
-            <a:spLocks noGrp="1"/>
-          </p:cNvSpPr>
-          <p:nvPr>
-            <p:ph type="sldNum" sz="quarter" idx="12"/>
-          </p:nvPr>
-        </p:nvSpPr>
-        <p:spPr/>
-        <p:txBody>
-          <a:bodyPr/>
-          <a:lstStyle/>
-          <a:p>
-            <a:fld id="{A52B0A35-C67D-4D36-A33A-75FE3D9C5555}" type="slidenum">
-              <a:rPr lang="ko-KR" altLang="en-US" smtClean="0"/>
-              <a:t>‹#›</a:t>
-            </a:fld>
-            <a:endParaRPr lang="ko-KR" altLang="en-US"/>
-          </a:p>
-        </p:txBody>
-      </p:sp>
-    </p:spTree>
-    <p:extLst>
-      <p:ext uri="{BB962C8B-B14F-4D97-AF65-F5344CB8AC3E}">
-        <p14:creationId xmlns:p14="http://schemas.microsoft.com/office/powerpoint/2010/main" val="2087608735"/>
-      </p:ext>
-    </p:extLst>
-  </p:cSld>
-  <p:clrMapOvr>
-    <a:masterClrMapping/>
-  </p:clrMapOvr>
-</p:sldLayout>
-</file>
-
 <file path=ppt/slideMasters/slideMaster1.xml><?xml version="1.0" encoding="utf-8"?>
 <p:sldMaster xmlns:a="http://schemas.openxmlformats.org/drawingml/2006/main" xmlns:r="http://schemas.openxmlformats.org/officeDocument/2006/relationships" xmlns:p="http://schemas.openxmlformats.org/presentationml/2006/main">
   <p:cSld>
     <p:bg>
       <p:bgPr>
         <a:solidFill>
-          <a:schemeClr val="tx2">
-            <a:lumMod val="20000"/>
-            <a:lumOff val="80000"/>
-            <a:alpha val="30000"/>
-          </a:schemeClr>
+          <a:schemeClr val="bg1"/>
         </a:solidFill>
         <a:effectLst/>
       </p:bgPr>
@@ -4747,7 +3704,7 @@
           <a:p>
             <a:fld id="{AB0AA1C4-3EF1-406C-85B7-F512AF653C09}" type="datetimeFigureOut">
               <a:rPr lang="ko-KR" altLang="en-US" smtClean="0"/>
-              <a:t>2022-05-25</a:t>
+              <a:t>2022-11-08</a:t>
             </a:fld>
             <a:endParaRPr lang="ko-KR" altLang="en-US"/>
           </a:p>
@@ -4853,16 +3810,7 @@
   <p:clrMap bg1="lt1" tx1="dk1" bg2="lt2" tx2="dk2" accent1="accent1" accent2="accent2" accent3="accent3" accent4="accent4" accent5="accent5" accent6="accent6" hlink="hlink" folHlink="folHlink"/>
   <p:sldLayoutIdLst>
     <p:sldLayoutId id="2147483649" r:id="rId1"/>
-    <p:sldLayoutId id="2147483650" r:id="rId2"/>
-    <p:sldLayoutId id="2147483651" r:id="rId3"/>
-    <p:sldLayoutId id="2147483652" r:id="rId4"/>
-    <p:sldLayoutId id="2147483653" r:id="rId5"/>
-    <p:sldLayoutId id="2147483654" r:id="rId6"/>
-    <p:sldLayoutId id="2147483655" r:id="rId7"/>
-    <p:sldLayoutId id="2147483656" r:id="rId8"/>
-    <p:sldLayoutId id="2147483657" r:id="rId9"/>
-    <p:sldLayoutId id="2147483658" r:id="rId10"/>
-    <p:sldLayoutId id="2147483659" r:id="rId11"/>
+    <p:sldLayoutId id="2147483654" r:id="rId2"/>
   </p:sldLayoutIdLst>
   <p:txStyles>
     <p:titleStyle>
@@ -5144,12 +4092,36 @@
       </a:lvl9pPr>
     </p:otherStyle>
   </p:txStyles>
+  <p:extLst>
+    <p:ext uri="{27BBF7A9-308A-43DC-89C8-2F10F3537804}">
+      <p15:sldGuideLst xmlns:p15="http://schemas.microsoft.com/office/powerpoint/2012/main">
+        <p15:guide id="1" orient="horz" pos="2160" userDrawn="1">
+          <p15:clr>
+            <a:srgbClr val="F26B43"/>
+          </p15:clr>
+        </p15:guide>
+        <p15:guide id="2" pos="3840" userDrawn="1">
+          <p15:clr>
+            <a:srgbClr val="F26B43"/>
+          </p15:clr>
+        </p15:guide>
+      </p15:sldGuideLst>
+    </p:ext>
+  </p:extLst>
 </p:sldMaster>
 </file>
 
 <file path=ppt/slides/slide1.xml><?xml version="1.0" encoding="utf-8"?>
 <p:sld xmlns:a="http://schemas.openxmlformats.org/drawingml/2006/main" xmlns:r="http://schemas.openxmlformats.org/officeDocument/2006/relationships" xmlns:p="http://schemas.openxmlformats.org/presentationml/2006/main">
   <p:cSld>
+    <p:bg>
+      <p:bgPr>
+        <a:solidFill>
+          <a:schemeClr val="bg1"/>
+        </a:solidFill>
+        <a:effectLst/>
+      </p:bgPr>
+    </p:bg>
     <p:spTree>
       <p:nvGrpSpPr>
         <p:cNvPr id="1" name=""/>
@@ -5164,6 +4136,382 @@
           <a:chExt cx="0" cy="0"/>
         </a:xfrm>
       </p:grpSpPr>
+      <p:sp>
+        <p:nvSpPr>
+          <p:cNvPr id="8" name="Rectangle 10">
+            <a:extLst>
+              <a:ext uri="{FF2B5EF4-FFF2-40B4-BE49-F238E27FC236}">
+                <a16:creationId xmlns:a16="http://schemas.microsoft.com/office/drawing/2014/main" id="{0DE6A193-4755-479A-BC6F-A7EBCA73BE1A}"/>
+              </a:ext>
+              <a:ext uri="{C183D7F6-B498-43B3-948B-1728B52AA6E4}">
+                <adec:decorative xmlns:adec="http://schemas.microsoft.com/office/drawing/2017/decorative" val="1"/>
+              </a:ext>
+            </a:extLst>
+          </p:cNvPr>
+          <p:cNvSpPr>
+            <a:spLocks noGrp="1" noRot="1" noChangeAspect="1" noMove="1" noResize="1" noEditPoints="1" noAdjustHandles="1" noChangeArrowheads="1" noChangeShapeType="1" noTextEdit="1"/>
+          </p:cNvSpPr>
+          <p:nvPr>
+            <p:extLst>
+              <p:ext uri="{386F3935-93C4-4BCD-93E2-E3B085C9AB24}">
+                <p16:designElem xmlns:p16="http://schemas.microsoft.com/office/powerpoint/2015/main" val="1"/>
+              </p:ext>
+            </p:extLst>
+          </p:nvPr>
+        </p:nvSpPr>
+        <p:spPr>
+          <a:xfrm>
+            <a:off x="0" y="0"/>
+            <a:ext cx="12192001" cy="6858000"/>
+          </a:xfrm>
+          <a:prstGeom prst="rect">
+            <a:avLst/>
+          </a:prstGeom>
+          <a:solidFill>
+            <a:schemeClr val="tx1"/>
+          </a:solidFill>
+          <a:ln>
+            <a:noFill/>
+          </a:ln>
+        </p:spPr>
+        <p:style>
+          <a:lnRef idx="2">
+            <a:schemeClr val="accent1">
+              <a:shade val="50000"/>
+            </a:schemeClr>
+          </a:lnRef>
+          <a:fillRef idx="1">
+            <a:schemeClr val="accent1"/>
+          </a:fillRef>
+          <a:effectRef idx="0">
+            <a:schemeClr val="accent1"/>
+          </a:effectRef>
+          <a:fontRef idx="minor">
+            <a:schemeClr val="lt1"/>
+          </a:fontRef>
+        </p:style>
+        <p:txBody>
+          <a:bodyPr rtlCol="0" anchor="ctr"/>
+          <a:lstStyle/>
+          <a:p>
+            <a:pPr algn="ctr"/>
+            <a:endParaRPr lang="en-US"/>
+          </a:p>
+        </p:txBody>
+      </p:sp>
+      <p:sp>
+        <p:nvSpPr>
+          <p:cNvPr id="13" name="Freeform: Shape 12">
+            <a:extLst>
+              <a:ext uri="{FF2B5EF4-FFF2-40B4-BE49-F238E27FC236}">
+                <a16:creationId xmlns:a16="http://schemas.microsoft.com/office/drawing/2014/main" id="{B2DC8709-0A70-45A9-A160-4B831CAB1A43}"/>
+              </a:ext>
+              <a:ext uri="{C183D7F6-B498-43B3-948B-1728B52AA6E4}">
+                <adec:decorative xmlns:adec="http://schemas.microsoft.com/office/drawing/2017/decorative" val="1"/>
+              </a:ext>
+            </a:extLst>
+          </p:cNvPr>
+          <p:cNvSpPr>
+            <a:spLocks noGrp="1" noRot="1" noChangeAspect="1" noMove="1" noResize="1" noEditPoints="1" noAdjustHandles="1" noChangeArrowheads="1" noChangeShapeType="1" noTextEdit="1"/>
+          </p:cNvSpPr>
+          <p:nvPr>
+            <p:extLst>
+              <p:ext uri="{386F3935-93C4-4BCD-93E2-E3B085C9AB24}">
+                <p16:designElem xmlns:p16="http://schemas.microsoft.com/office/powerpoint/2015/main" val="1"/>
+              </p:ext>
+            </p:extLst>
+          </p:nvPr>
+        </p:nvSpPr>
+        <p:spPr>
+          <a:xfrm>
+            <a:off x="0" y="-478"/>
+            <a:ext cx="6820929" cy="6858478"/>
+          </a:xfrm>
+          <a:custGeom>
+            <a:avLst/>
+            <a:gdLst>
+              <a:gd name="connsiteX0" fmla="*/ 0 w 6754318"/>
+              <a:gd name="connsiteY0" fmla="*/ 6858478 h 6858478"/>
+              <a:gd name="connsiteX1" fmla="*/ 6754318 w 6754318"/>
+              <a:gd name="connsiteY1" fmla="*/ 6858478 h 6858478"/>
+              <a:gd name="connsiteX2" fmla="*/ 3577943 w 6754318"/>
+              <a:gd name="connsiteY2" fmla="*/ 0 h 6858478"/>
+              <a:gd name="connsiteX3" fmla="*/ 3572366 w 6754318"/>
+              <a:gd name="connsiteY3" fmla="*/ 0 h 6858478"/>
+              <a:gd name="connsiteX4" fmla="*/ 2506138 w 6754318"/>
+              <a:gd name="connsiteY4" fmla="*/ 0 h 6858478"/>
+              <a:gd name="connsiteX5" fmla="*/ 0 w 6754318"/>
+              <a:gd name="connsiteY5" fmla="*/ 0 h 6858478"/>
+            </a:gdLst>
+            <a:ahLst/>
+            <a:cxnLst>
+              <a:cxn ang="0">
+                <a:pos x="connsiteX0" y="connsiteY0"/>
+              </a:cxn>
+              <a:cxn ang="0">
+                <a:pos x="connsiteX1" y="connsiteY1"/>
+              </a:cxn>
+              <a:cxn ang="0">
+                <a:pos x="connsiteX2" y="connsiteY2"/>
+              </a:cxn>
+              <a:cxn ang="0">
+                <a:pos x="connsiteX3" y="connsiteY3"/>
+              </a:cxn>
+              <a:cxn ang="0">
+                <a:pos x="connsiteX4" y="connsiteY4"/>
+              </a:cxn>
+              <a:cxn ang="0">
+                <a:pos x="connsiteX5" y="connsiteY5"/>
+              </a:cxn>
+            </a:cxnLst>
+            <a:rect l="l" t="t" r="r" b="b"/>
+            <a:pathLst>
+              <a:path w="6754318" h="6858478">
+                <a:moveTo>
+                  <a:pt x="0" y="6858478"/>
+                </a:moveTo>
+                <a:lnTo>
+                  <a:pt x="6754318" y="6858478"/>
+                </a:lnTo>
+                <a:lnTo>
+                  <a:pt x="3577943" y="0"/>
+                </a:lnTo>
+                <a:lnTo>
+                  <a:pt x="3572366" y="0"/>
+                </a:lnTo>
+                <a:lnTo>
+                  <a:pt x="2506138" y="0"/>
+                </a:lnTo>
+                <a:lnTo>
+                  <a:pt x="0" y="0"/>
+                </a:lnTo>
+                <a:close/>
+              </a:path>
+            </a:pathLst>
+          </a:custGeom>
+          <a:solidFill>
+            <a:schemeClr val="bg1">
+              <a:lumMod val="85000"/>
+              <a:lumOff val="15000"/>
+              <a:alpha val="70000"/>
+            </a:schemeClr>
+          </a:solidFill>
+          <a:ln>
+            <a:noFill/>
+          </a:ln>
+        </p:spPr>
+        <p:style>
+          <a:lnRef idx="2">
+            <a:schemeClr val="accent1">
+              <a:shade val="50000"/>
+            </a:schemeClr>
+          </a:lnRef>
+          <a:fillRef idx="1">
+            <a:schemeClr val="accent1"/>
+          </a:fillRef>
+          <a:effectRef idx="0">
+            <a:schemeClr val="accent1"/>
+          </a:effectRef>
+          <a:fontRef idx="minor">
+            <a:schemeClr val="lt1"/>
+          </a:fontRef>
+        </p:style>
+        <p:txBody>
+          <a:bodyPr wrap="square" rtlCol="0" anchor="ctr">
+            <a:noAutofit/>
+          </a:bodyPr>
+          <a:lstStyle/>
+          <a:p>
+            <a:pPr marL="0" marR="0" lvl="0" indent="0" algn="ctr" defTabSz="914400" rtl="0" eaLnBrk="1" fontAlgn="auto" latinLnBrk="0" hangingPunct="1">
+              <a:lnSpc>
+                <a:spcPct val="100000"/>
+              </a:lnSpc>
+              <a:spcBef>
+                <a:spcPts val="0"/>
+              </a:spcBef>
+              <a:spcAft>
+                <a:spcPts val="0"/>
+              </a:spcAft>
+              <a:buClrTx/>
+              <a:buSzTx/>
+              <a:buFontTx/>
+              <a:buNone/>
+              <a:tabLst/>
+              <a:defRPr/>
+            </a:pPr>
+            <a:endParaRPr kumimoji="0" lang="en-US" sz="1800" b="0" i="0" u="none" strike="noStrike" kern="1200" cap="none" spc="0" normalizeH="0" baseline="0" noProof="0">
+              <a:ln>
+                <a:noFill/>
+              </a:ln>
+              <a:solidFill>
+                <a:prstClr val="white"/>
+              </a:solidFill>
+              <a:effectLst/>
+              <a:uLnTx/>
+              <a:uFillTx/>
+              <a:latin typeface="Calibri" panose="020F0502020204030204"/>
+              <a:ea typeface="+mn-ea"/>
+              <a:cs typeface="+mn-cs"/>
+            </a:endParaRPr>
+          </a:p>
+        </p:txBody>
+      </p:sp>
+      <p:sp>
+        <p:nvSpPr>
+          <p:cNvPr id="15" name="Freeform: Shape 14">
+            <a:extLst>
+              <a:ext uri="{FF2B5EF4-FFF2-40B4-BE49-F238E27FC236}">
+                <a16:creationId xmlns:a16="http://schemas.microsoft.com/office/drawing/2014/main" id="{E613F699-B53E-4E9A-B7E8-4979FEF428EA}"/>
+              </a:ext>
+              <a:ext uri="{C183D7F6-B498-43B3-948B-1728B52AA6E4}">
+                <adec:decorative xmlns:adec="http://schemas.microsoft.com/office/drawing/2017/decorative" val="1"/>
+              </a:ext>
+            </a:extLst>
+          </p:cNvPr>
+          <p:cNvSpPr>
+            <a:spLocks noGrp="1" noRot="1" noChangeAspect="1" noMove="1" noResize="1" noEditPoints="1" noAdjustHandles="1" noChangeArrowheads="1" noChangeShapeType="1" noTextEdit="1"/>
+          </p:cNvSpPr>
+          <p:nvPr>
+            <p:extLst>
+              <p:ext uri="{386F3935-93C4-4BCD-93E2-E3B085C9AB24}">
+                <p16:designElem xmlns:p16="http://schemas.microsoft.com/office/powerpoint/2015/main" val="1"/>
+              </p:ext>
+            </p:extLst>
+          </p:nvPr>
+        </p:nvSpPr>
+        <p:spPr>
+          <a:xfrm>
+            <a:off x="0" y="-478"/>
+            <a:ext cx="6012496" cy="6858478"/>
+          </a:xfrm>
+          <a:custGeom>
+            <a:avLst/>
+            <a:gdLst>
+              <a:gd name="connsiteX0" fmla="*/ 0 w 5953780"/>
+              <a:gd name="connsiteY0" fmla="*/ 6858478 h 6858478"/>
+              <a:gd name="connsiteX1" fmla="*/ 5953780 w 5953780"/>
+              <a:gd name="connsiteY1" fmla="*/ 6858478 h 6858478"/>
+              <a:gd name="connsiteX2" fmla="*/ 2777405 w 5953780"/>
+              <a:gd name="connsiteY2" fmla="*/ 0 h 6858478"/>
+              <a:gd name="connsiteX3" fmla="*/ 2771828 w 5953780"/>
+              <a:gd name="connsiteY3" fmla="*/ 0 h 6858478"/>
+              <a:gd name="connsiteX4" fmla="*/ 1705600 w 5953780"/>
+              <a:gd name="connsiteY4" fmla="*/ 0 h 6858478"/>
+              <a:gd name="connsiteX5" fmla="*/ 0 w 5953780"/>
+              <a:gd name="connsiteY5" fmla="*/ 0 h 6858478"/>
+            </a:gdLst>
+            <a:ahLst/>
+            <a:cxnLst>
+              <a:cxn ang="0">
+                <a:pos x="connsiteX0" y="connsiteY0"/>
+              </a:cxn>
+              <a:cxn ang="0">
+                <a:pos x="connsiteX1" y="connsiteY1"/>
+              </a:cxn>
+              <a:cxn ang="0">
+                <a:pos x="connsiteX2" y="connsiteY2"/>
+              </a:cxn>
+              <a:cxn ang="0">
+                <a:pos x="connsiteX3" y="connsiteY3"/>
+              </a:cxn>
+              <a:cxn ang="0">
+                <a:pos x="connsiteX4" y="connsiteY4"/>
+              </a:cxn>
+              <a:cxn ang="0">
+                <a:pos x="connsiteX5" y="connsiteY5"/>
+              </a:cxn>
+            </a:cxnLst>
+            <a:rect l="l" t="t" r="r" b="b"/>
+            <a:pathLst>
+              <a:path w="5953780" h="6858478">
+                <a:moveTo>
+                  <a:pt x="0" y="6858478"/>
+                </a:moveTo>
+                <a:lnTo>
+                  <a:pt x="5953780" y="6858478"/>
+                </a:lnTo>
+                <a:lnTo>
+                  <a:pt x="2777405" y="0"/>
+                </a:lnTo>
+                <a:lnTo>
+                  <a:pt x="2771828" y="0"/>
+                </a:lnTo>
+                <a:lnTo>
+                  <a:pt x="1705600" y="0"/>
+                </a:lnTo>
+                <a:lnTo>
+                  <a:pt x="0" y="0"/>
+                </a:lnTo>
+                <a:close/>
+              </a:path>
+            </a:pathLst>
+          </a:custGeom>
+          <a:solidFill>
+            <a:schemeClr val="bg1">
+              <a:lumMod val="85000"/>
+              <a:lumOff val="15000"/>
+            </a:schemeClr>
+          </a:solidFill>
+          <a:ln>
+            <a:noFill/>
+          </a:ln>
+        </p:spPr>
+        <p:style>
+          <a:lnRef idx="2">
+            <a:schemeClr val="accent1">
+              <a:shade val="50000"/>
+            </a:schemeClr>
+          </a:lnRef>
+          <a:fillRef idx="1">
+            <a:schemeClr val="accent1"/>
+          </a:fillRef>
+          <a:effectRef idx="0">
+            <a:schemeClr val="accent1"/>
+          </a:effectRef>
+          <a:fontRef idx="minor">
+            <a:schemeClr val="lt1"/>
+          </a:fontRef>
+        </p:style>
+        <p:txBody>
+          <a:bodyPr wrap="square" rtlCol="0" anchor="ctr">
+            <a:noAutofit/>
+          </a:bodyPr>
+          <a:lstStyle/>
+          <a:p>
+            <a:pPr marL="0" marR="0" lvl="0" indent="0" algn="ctr" defTabSz="914400" rtl="0" eaLnBrk="1" fontAlgn="auto" latinLnBrk="0" hangingPunct="1">
+              <a:lnSpc>
+                <a:spcPct val="100000"/>
+              </a:lnSpc>
+              <a:spcBef>
+                <a:spcPts val="0"/>
+              </a:spcBef>
+              <a:spcAft>
+                <a:spcPts val="0"/>
+              </a:spcAft>
+              <a:buClrTx/>
+              <a:buSzTx/>
+              <a:buFontTx/>
+              <a:buNone/>
+              <a:tabLst/>
+              <a:defRPr/>
+            </a:pPr>
+            <a:endParaRPr kumimoji="0" lang="en-US" sz="1800" b="0" i="0" u="none" strike="noStrike" kern="1200" cap="none" spc="0" normalizeH="0" baseline="0" noProof="0">
+              <a:ln>
+                <a:noFill/>
+              </a:ln>
+              <a:solidFill>
+                <a:prstClr val="white"/>
+              </a:solidFill>
+              <a:effectLst/>
+              <a:uLnTx/>
+              <a:uFillTx/>
+              <a:latin typeface="Calibri" panose="020F0502020204030204"/>
+              <a:ea typeface="+mn-ea"/>
+              <a:cs typeface="+mn-cs"/>
+            </a:endParaRPr>
+          </a:p>
+        </p:txBody>
+      </p:sp>
       <p:sp>
         <p:nvSpPr>
           <p:cNvPr id="6" name="제목 1">
@@ -5182,31 +4530,162 @@
         </p:nvSpPr>
         <p:spPr>
           <a:xfrm>
-            <a:off x="1603439" y="2312282"/>
-            <a:ext cx="8985120" cy="1481463"/>
+            <a:off x="584793" y="3081528"/>
+            <a:ext cx="3797808" cy="2105152"/>
           </a:xfrm>
-          <a:ln w="38100">
-            <a:noFill/>
-          </a:ln>
         </p:spPr>
         <p:txBody>
-          <a:bodyPr anchor="ctr">
+          <a:bodyPr vert="horz" lIns="91440" tIns="45720" rIns="91440" bIns="45720" rtlCol="0" anchor="t">
             <a:normAutofit/>
           </a:bodyPr>
           <a:lstStyle/>
           <a:p>
-            <a:pPr>
-              <a:lnSpc>
-                <a:spcPct val="100000"/>
-              </a:lnSpc>
-            </a:pPr>
-            <a:r>
-              <a:rPr lang="en-US" altLang="ko-KR" sz="4400" b="1" dirty="0">
-                <a:latin typeface="Microsoft GothicNeo" panose="020B0500000101010101" pitchFamily="50" charset="-127"/>
-                <a:ea typeface="Microsoft GothicNeo" panose="020B0500000101010101" pitchFamily="50" charset="-127"/>
-                <a:cs typeface="Microsoft GothicNeo" panose="020B0500000101010101" pitchFamily="50" charset="-127"/>
+            <a:pPr algn="l" latinLnBrk="0"/>
+            <a:r>
+              <a:rPr lang="en-US" altLang="ko-KR" sz="4800" b="1" kern="1200">
+                <a:solidFill>
+                  <a:schemeClr val="tx1"/>
+                </a:solidFill>
+                <a:latin typeface="+mj-lt"/>
+                <a:ea typeface="+mj-ea"/>
+                <a:cs typeface="+mj-cs"/>
               </a:rPr>
               <a:t>Spatial Transformer Networks</a:t>
+            </a:r>
+          </a:p>
+        </p:txBody>
+      </p:sp>
+      <p:sp>
+        <p:nvSpPr>
+          <p:cNvPr id="2" name="TextBox 1">
+            <a:extLst>
+              <a:ext uri="{FF2B5EF4-FFF2-40B4-BE49-F238E27FC236}">
+                <a16:creationId xmlns:a16="http://schemas.microsoft.com/office/drawing/2014/main" id="{0552FBDC-143C-3A1D-8313-E76AFD46282D}"/>
+              </a:ext>
+            </a:extLst>
+          </p:cNvPr>
+          <p:cNvSpPr txBox="1"/>
+          <p:nvPr/>
+        </p:nvSpPr>
+        <p:spPr>
+          <a:xfrm>
+            <a:off x="8531352" y="4795521"/>
+            <a:ext cx="3209544" cy="1773260"/>
+          </a:xfrm>
+          <a:prstGeom prst="rect">
+            <a:avLst/>
+          </a:prstGeom>
+        </p:spPr>
+        <p:txBody>
+          <a:bodyPr vert="horz" lIns="91440" tIns="45720" rIns="91440" bIns="45720" rtlCol="0" anchor="b">
+            <a:normAutofit/>
+          </a:bodyPr>
+          <a:lstStyle/>
+          <a:p>
+            <a:pPr algn="r" latinLnBrk="0">
+              <a:lnSpc>
+                <a:spcPct val="90000"/>
+              </a:lnSpc>
+              <a:spcBef>
+                <a:spcPts val="1000"/>
+              </a:spcBef>
+            </a:pPr>
+            <a:r>
+              <a:rPr lang="en-US" altLang="ko-KR" sz="1600">
+                <a:solidFill>
+                  <a:schemeClr val="bg1"/>
+                </a:solidFill>
+              </a:rPr>
+              <a:t>2022.11.11</a:t>
+            </a:r>
+          </a:p>
+          <a:p>
+            <a:pPr algn="r" latinLnBrk="0">
+              <a:lnSpc>
+                <a:spcPct val="90000"/>
+              </a:lnSpc>
+              <a:spcBef>
+                <a:spcPts val="1000"/>
+              </a:spcBef>
+            </a:pPr>
+            <a:r>
+              <a:rPr lang="en-US" altLang="ko-KR" sz="1600">
+                <a:solidFill>
+                  <a:schemeClr val="bg1"/>
+                </a:solidFill>
+              </a:rPr>
+              <a:t>Advanced Computer Vision</a:t>
+            </a:r>
+            <a:endParaRPr lang="en-US" altLang="ko-KR" sz="1600" kern="1200">
+              <a:solidFill>
+                <a:schemeClr val="bg1"/>
+              </a:solidFill>
+              <a:latin typeface="+mn-lt"/>
+              <a:ea typeface="+mn-ea"/>
+              <a:cs typeface="+mn-cs"/>
+            </a:endParaRPr>
+          </a:p>
+          <a:p>
+            <a:pPr algn="r" latinLnBrk="0">
+              <a:lnSpc>
+                <a:spcPct val="90000"/>
+              </a:lnSpc>
+              <a:spcBef>
+                <a:spcPts val="1000"/>
+              </a:spcBef>
+            </a:pPr>
+            <a:r>
+              <a:rPr lang="en-US" altLang="ko-KR" sz="1600" kern="1200">
+                <a:solidFill>
+                  <a:schemeClr val="bg1"/>
+                </a:solidFill>
+                <a:latin typeface="+mn-lt"/>
+                <a:ea typeface="+mn-ea"/>
+                <a:cs typeface="+mn-cs"/>
+              </a:rPr>
+              <a:t>KENTECH Energy AI</a:t>
+            </a:r>
+          </a:p>
+          <a:p>
+            <a:pPr algn="r" latinLnBrk="0">
+              <a:lnSpc>
+                <a:spcPct val="90000"/>
+              </a:lnSpc>
+              <a:spcBef>
+                <a:spcPts val="1000"/>
+              </a:spcBef>
+            </a:pPr>
+            <a:r>
+              <a:rPr lang="en-US" altLang="ko-KR" sz="1600" kern="1200">
+                <a:solidFill>
+                  <a:schemeClr val="bg1"/>
+                </a:solidFill>
+                <a:latin typeface="+mn-lt"/>
+                <a:ea typeface="+mn-ea"/>
+                <a:cs typeface="+mn-cs"/>
+              </a:rPr>
+              <a:t>VIEW Lab </a:t>
+            </a:r>
+          </a:p>
+          <a:p>
+            <a:pPr algn="r" latinLnBrk="0">
+              <a:lnSpc>
+                <a:spcPct val="90000"/>
+              </a:lnSpc>
+              <a:spcBef>
+                <a:spcPts val="1000"/>
+              </a:spcBef>
+            </a:pPr>
+            <a:r>
+              <a:rPr lang="en-US" altLang="ko-KR" sz="1600" kern="1200">
+                <a:solidFill>
+                  <a:schemeClr val="bg1"/>
+                </a:solidFill>
+                <a:latin typeface="+mn-lt"/>
+                <a:ea typeface="+mn-ea"/>
+                <a:cs typeface="+mn-cs"/>
+              </a:rPr>
+              <a:t>Sohee Kim</a:t>
             </a:r>
           </a:p>
         </p:txBody>
@@ -5225,8 +4704,8 @@
         </p:nvSpPr>
         <p:spPr>
           <a:xfrm>
-            <a:off x="2101934" y="3793745"/>
-            <a:ext cx="7988129" cy="784958"/>
+            <a:off x="451104" y="6048421"/>
+            <a:ext cx="4065186" cy="507831"/>
           </a:xfrm>
           <a:prstGeom prst="rect">
             <a:avLst/>
@@ -5239,79 +4718,43 @@
           </a:bodyPr>
           <a:lstStyle/>
           <a:p>
-            <a:pPr algn="ctr">
-              <a:lnSpc>
-                <a:spcPct val="150000"/>
-              </a:lnSpc>
+            <a:pPr>
+              <a:spcAft>
+                <a:spcPts val="600"/>
+              </a:spcAft>
             </a:pPr>
             <a:r>
-              <a:rPr lang="en-US" altLang="ko-KR" sz="1600" b="0" i="0" dirty="0" err="1">
+              <a:rPr lang="en-US" altLang="ko-KR" sz="1100" b="0" i="0">
                 <a:solidFill>
-                  <a:schemeClr val="bg1">
-                    <a:lumMod val="50000"/>
+                  <a:schemeClr val="tx1">
+                    <a:lumMod val="85000"/>
                   </a:schemeClr>
                 </a:solidFill>
                 <a:effectLst/>
                 <a:latin typeface="Arial" panose="020B0604020202020204" pitchFamily="34" charset="0"/>
               </a:rPr>
-              <a:t>Jaderberg</a:t>
-            </a:r>
-            <a:r>
-              <a:rPr lang="en-US" altLang="ko-KR" sz="1600" b="0" i="0" dirty="0">
-                <a:solidFill>
-                  <a:schemeClr val="bg1">
-                    <a:lumMod val="50000"/>
-                  </a:schemeClr>
-                </a:solidFill>
-                <a:effectLst/>
-                <a:latin typeface="Arial" panose="020B0604020202020204" pitchFamily="34" charset="0"/>
-              </a:rPr>
-              <a:t>, Max, Karen </a:t>
-            </a:r>
-            <a:r>
-              <a:rPr lang="en-US" altLang="ko-KR" sz="1600" b="0" i="0" dirty="0" err="1">
-                <a:solidFill>
-                  <a:schemeClr val="bg1">
-                    <a:lumMod val="50000"/>
-                  </a:schemeClr>
-                </a:solidFill>
-                <a:effectLst/>
-                <a:latin typeface="Arial" panose="020B0604020202020204" pitchFamily="34" charset="0"/>
-              </a:rPr>
-              <a:t>Simonyan</a:t>
-            </a:r>
-            <a:r>
-              <a:rPr lang="en-US" altLang="ko-KR" sz="1600" b="0" i="0" dirty="0">
-                <a:solidFill>
-                  <a:schemeClr val="bg1">
-                    <a:lumMod val="50000"/>
-                  </a:schemeClr>
-                </a:solidFill>
-                <a:effectLst/>
-                <a:latin typeface="Arial" panose="020B0604020202020204" pitchFamily="34" charset="0"/>
-              </a:rPr>
-              <a:t>, and Andrew Zisserman. </a:t>
-            </a:r>
-            <a:endParaRPr lang="en-US" altLang="ko-KR" sz="1600" dirty="0">
+              <a:t>Jaderberg, Max, Karen Simonyan, and Andrew Zisserman. </a:t>
+            </a:r>
+            <a:endParaRPr lang="en-US" altLang="ko-KR" sz="1100">
               <a:solidFill>
-                <a:schemeClr val="bg1">
-                  <a:lumMod val="50000"/>
+                <a:schemeClr val="tx1">
+                  <a:lumMod val="85000"/>
                 </a:schemeClr>
               </a:solidFill>
               <a:latin typeface="Arial" panose="020B0604020202020204" pitchFamily="34" charset="0"/>
             </a:endParaRPr>
           </a:p>
           <a:p>
-            <a:pPr algn="ctr">
-              <a:lnSpc>
-                <a:spcPct val="150000"/>
-              </a:lnSpc>
+            <a:pPr>
+              <a:spcAft>
+                <a:spcPts val="600"/>
+              </a:spcAft>
             </a:pPr>
             <a:r>
-              <a:rPr lang="en-US" altLang="ko-KR" sz="1600" b="0" i="0" dirty="0">
+              <a:rPr lang="en-US" altLang="ko-KR" sz="1100" b="0" i="0">
                 <a:solidFill>
-                  <a:schemeClr val="bg1">
-                    <a:lumMod val="50000"/>
+                  <a:schemeClr val="tx1">
+                    <a:lumMod val="85000"/>
                   </a:schemeClr>
                 </a:solidFill>
                 <a:effectLst/>
@@ -5319,10 +4762,10 @@
               </a:rPr>
               <a:t>Advances in neural information processing systems 28 (2015).</a:t>
             </a:r>
-            <a:endParaRPr lang="ko-KR" altLang="en-US" sz="1600" dirty="0">
+            <a:endParaRPr lang="ko-KR" altLang="en-US" sz="1100">
               <a:solidFill>
-                <a:schemeClr val="bg1">
-                  <a:lumMod val="50000"/>
+                <a:schemeClr val="tx1">
+                  <a:lumMod val="85000"/>
                 </a:schemeClr>
               </a:solidFill>
             </a:endParaRPr>
@@ -5337,7 +4780,7 @@
     </p:extLst>
   </p:cSld>
   <p:clrMapOvr>
-    <a:masterClrMapping/>
+    <a:overrideClrMapping bg1="dk1" tx1="lt1" bg2="dk2" tx2="lt2" accent1="accent1" accent2="accent2" accent3="accent3" accent4="accent4" accent5="accent5" accent6="accent6" hlink="hlink" folHlink="folHlink"/>
   </p:clrMapOvr>
 </p:sld>
 </file>
@@ -5407,58 +4850,6 @@
       </p:cxnSp>
       <p:sp>
         <p:nvSpPr>
-          <p:cNvPr id="9" name="제목 1">
-            <a:extLst>
-              <a:ext uri="{FF2B5EF4-FFF2-40B4-BE49-F238E27FC236}">
-                <a16:creationId xmlns:a16="http://schemas.microsoft.com/office/drawing/2014/main" id="{05596BCF-D308-A29D-49E5-1678F5F8F27E}"/>
-              </a:ext>
-            </a:extLst>
-          </p:cNvPr>
-          <p:cNvSpPr>
-            <a:spLocks noGrp="1"/>
-          </p:cNvSpPr>
-          <p:nvPr>
-            <p:ph type="title"/>
-          </p:nvPr>
-        </p:nvSpPr>
-        <p:spPr>
-          <a:xfrm>
-            <a:off x="-14748" y="0"/>
-            <a:ext cx="10454030" cy="404445"/>
-          </a:xfrm>
-        </p:spPr>
-        <p:txBody>
-          <a:bodyPr>
-            <a:noAutofit/>
-          </a:bodyPr>
-          <a:lstStyle/>
-          <a:p>
-            <a:pPr marL="285750" indent="-285750">
-              <a:buFont typeface="Wingdings" panose="05000000000000000000" pitchFamily="2" charset="2"/>
-              <a:buChar char="v"/>
-            </a:pPr>
-            <a:r>
-              <a:rPr lang="en-US" altLang="ko-KR" sz="1800" dirty="0">
-                <a:solidFill>
-                  <a:schemeClr val="bg1">
-                    <a:lumMod val="50000"/>
-                  </a:schemeClr>
-                </a:solidFill>
-              </a:rPr>
-              <a:t>Spatial Transformer Networks</a:t>
-            </a:r>
-            <a:endParaRPr lang="ko-KR" altLang="en-US" sz="1800" dirty="0">
-              <a:solidFill>
-                <a:schemeClr val="bg1">
-                  <a:lumMod val="50000"/>
-                </a:schemeClr>
-              </a:solidFill>
-            </a:endParaRPr>
-          </a:p>
-        </p:txBody>
-      </p:sp>
-      <p:sp>
-        <p:nvSpPr>
           <p:cNvPr id="11" name="TextBox 10">
             <a:extLst>
               <a:ext uri="{FF2B5EF4-FFF2-40B4-BE49-F238E27FC236}">
@@ -5840,46 +5231,64 @@
       </p:pic>
       <p:sp>
         <p:nvSpPr>
-          <p:cNvPr id="24" name="TextBox 23">
+          <p:cNvPr id="6" name="제목 1">
             <a:extLst>
               <a:ext uri="{FF2B5EF4-FFF2-40B4-BE49-F238E27FC236}">
-                <a16:creationId xmlns:a16="http://schemas.microsoft.com/office/drawing/2014/main" id="{67A9C734-BCA9-4A76-AC71-381E7B758F41}"/>
+                <a16:creationId xmlns:a16="http://schemas.microsoft.com/office/drawing/2014/main" id="{76190627-309A-0BF0-9632-E0B0DDD0594C}"/>
               </a:ext>
             </a:extLst>
           </p:cNvPr>
-          <p:cNvSpPr txBox="1"/>
+          <p:cNvSpPr txBox="1">
+            <a:spLocks/>
+          </p:cNvSpPr>
           <p:nvPr/>
         </p:nvSpPr>
         <p:spPr>
           <a:xfrm>
-            <a:off x="11320671" y="0"/>
-            <a:ext cx="871330" cy="369332"/>
+            <a:off x="-14748" y="1"/>
+            <a:ext cx="10454030" cy="255116"/>
           </a:xfrm>
           <a:prstGeom prst="rect">
             <a:avLst/>
           </a:prstGeom>
-          <a:noFill/>
         </p:spPr>
         <p:txBody>
-          <a:bodyPr wrap="square" rtlCol="0">
-            <a:spAutoFit/>
+          <a:bodyPr vert="horz" lIns="91440" tIns="45720" rIns="91440" bIns="45720" rtlCol="0" anchor="ctr">
+            <a:noAutofit/>
           </a:bodyPr>
-          <a:lstStyle/>
-          <a:p>
-            <a:pPr algn="r"/>
-            <a:r>
-              <a:rPr lang="en-US" altLang="ko-KR" dirty="0">
+          <a:lstStyle>
+            <a:lvl1pPr algn="l" defTabSz="914400" rtl="0" eaLnBrk="1" latinLnBrk="1" hangingPunct="1">
+              <a:lnSpc>
+                <a:spcPct val="90000"/>
+              </a:lnSpc>
+              <a:spcBef>
+                <a:spcPct val="0"/>
+              </a:spcBef>
+              <a:buNone/>
+              <a:defRPr sz="4400" kern="1200">
                 <a:solidFill>
-                  <a:schemeClr val="bg2">
+                  <a:schemeClr val="tx1"/>
+                </a:solidFill>
+                <a:latin typeface="+mj-lt"/>
+                <a:ea typeface="+mj-ea"/>
+                <a:cs typeface="+mj-cs"/>
+              </a:defRPr>
+            </a:lvl1pPr>
+          </a:lstStyle>
+          <a:p>
+            <a:r>
+              <a:rPr lang="en-US" altLang="ko-KR" sz="1100">
+                <a:solidFill>
+                  <a:schemeClr val="bg1">
                     <a:lumMod val="50000"/>
                   </a:schemeClr>
                 </a:solidFill>
               </a:rPr>
-              <a:t>9/13</a:t>
-            </a:r>
-            <a:endParaRPr lang="ko-KR" altLang="en-US" dirty="0">
+              <a:t>Jaderberg, Max, Karen Simonyan, and Andrew Zisserman. "Spatial transformer networks." Advances in neural information processing systems 28 (2015).</a:t>
+            </a:r>
+            <a:endParaRPr lang="ko-KR" altLang="en-US" sz="1100" dirty="0">
               <a:solidFill>
-                <a:schemeClr val="bg2">
+                <a:schemeClr val="bg1">
                   <a:lumMod val="50000"/>
                 </a:schemeClr>
               </a:solidFill>
@@ -5965,58 +5374,6 @@
       </p:cxnSp>
       <p:sp>
         <p:nvSpPr>
-          <p:cNvPr id="9" name="제목 1">
-            <a:extLst>
-              <a:ext uri="{FF2B5EF4-FFF2-40B4-BE49-F238E27FC236}">
-                <a16:creationId xmlns:a16="http://schemas.microsoft.com/office/drawing/2014/main" id="{05596BCF-D308-A29D-49E5-1678F5F8F27E}"/>
-              </a:ext>
-            </a:extLst>
-          </p:cNvPr>
-          <p:cNvSpPr>
-            <a:spLocks noGrp="1"/>
-          </p:cNvSpPr>
-          <p:nvPr>
-            <p:ph type="title"/>
-          </p:nvPr>
-        </p:nvSpPr>
-        <p:spPr>
-          <a:xfrm>
-            <a:off x="-14748" y="0"/>
-            <a:ext cx="10454030" cy="404445"/>
-          </a:xfrm>
-        </p:spPr>
-        <p:txBody>
-          <a:bodyPr>
-            <a:noAutofit/>
-          </a:bodyPr>
-          <a:lstStyle/>
-          <a:p>
-            <a:pPr marL="285750" indent="-285750">
-              <a:buFont typeface="Wingdings" panose="05000000000000000000" pitchFamily="2" charset="2"/>
-              <a:buChar char="v"/>
-            </a:pPr>
-            <a:r>
-              <a:rPr lang="en-US" altLang="ko-KR" sz="1800" dirty="0">
-                <a:solidFill>
-                  <a:schemeClr val="bg1">
-                    <a:lumMod val="50000"/>
-                  </a:schemeClr>
-                </a:solidFill>
-              </a:rPr>
-              <a:t>Spatial Transformer Networks</a:t>
-            </a:r>
-            <a:endParaRPr lang="ko-KR" altLang="en-US" sz="1800" dirty="0">
-              <a:solidFill>
-                <a:schemeClr val="bg1">
-                  <a:lumMod val="50000"/>
-                </a:schemeClr>
-              </a:solidFill>
-            </a:endParaRPr>
-          </a:p>
-        </p:txBody>
-      </p:sp>
-      <p:sp>
-        <p:nvSpPr>
           <p:cNvPr id="11" name="TextBox 10">
             <a:extLst>
               <a:ext uri="{FF2B5EF4-FFF2-40B4-BE49-F238E27FC236}">
@@ -6587,46 +5944,64 @@
       </p:cxnSp>
       <p:sp>
         <p:nvSpPr>
-          <p:cNvPr id="15" name="TextBox 14">
+          <p:cNvPr id="7" name="제목 1">
             <a:extLst>
               <a:ext uri="{FF2B5EF4-FFF2-40B4-BE49-F238E27FC236}">
-                <a16:creationId xmlns:a16="http://schemas.microsoft.com/office/drawing/2014/main" id="{0C51DCF2-7C76-7813-8EA4-551822A8F492}"/>
+                <a16:creationId xmlns:a16="http://schemas.microsoft.com/office/drawing/2014/main" id="{B0754B19-A7D2-966B-48C1-D3006707018F}"/>
               </a:ext>
             </a:extLst>
           </p:cNvPr>
-          <p:cNvSpPr txBox="1"/>
+          <p:cNvSpPr txBox="1">
+            <a:spLocks/>
+          </p:cNvSpPr>
           <p:nvPr/>
         </p:nvSpPr>
         <p:spPr>
           <a:xfrm>
-            <a:off x="11320671" y="0"/>
-            <a:ext cx="871330" cy="369332"/>
+            <a:off x="-14748" y="1"/>
+            <a:ext cx="10454030" cy="255116"/>
           </a:xfrm>
           <a:prstGeom prst="rect">
             <a:avLst/>
           </a:prstGeom>
-          <a:noFill/>
         </p:spPr>
         <p:txBody>
-          <a:bodyPr wrap="square" rtlCol="0">
-            <a:spAutoFit/>
+          <a:bodyPr vert="horz" lIns="91440" tIns="45720" rIns="91440" bIns="45720" rtlCol="0" anchor="ctr">
+            <a:noAutofit/>
           </a:bodyPr>
-          <a:lstStyle/>
-          <a:p>
-            <a:pPr algn="r"/>
-            <a:r>
-              <a:rPr lang="en-US" altLang="ko-KR" dirty="0">
+          <a:lstStyle>
+            <a:lvl1pPr algn="l" defTabSz="914400" rtl="0" eaLnBrk="1" latinLnBrk="1" hangingPunct="1">
+              <a:lnSpc>
+                <a:spcPct val="90000"/>
+              </a:lnSpc>
+              <a:spcBef>
+                <a:spcPct val="0"/>
+              </a:spcBef>
+              <a:buNone/>
+              <a:defRPr sz="4400" kern="1200">
                 <a:solidFill>
-                  <a:schemeClr val="bg2">
+                  <a:schemeClr val="tx1"/>
+                </a:solidFill>
+                <a:latin typeface="+mj-lt"/>
+                <a:ea typeface="+mj-ea"/>
+                <a:cs typeface="+mj-cs"/>
+              </a:defRPr>
+            </a:lvl1pPr>
+          </a:lstStyle>
+          <a:p>
+            <a:r>
+              <a:rPr lang="en-US" altLang="ko-KR" sz="1100">
+                <a:solidFill>
+                  <a:schemeClr val="bg1">
                     <a:lumMod val="50000"/>
                   </a:schemeClr>
                 </a:solidFill>
               </a:rPr>
-              <a:t>10/13</a:t>
-            </a:r>
-            <a:endParaRPr lang="ko-KR" altLang="en-US" dirty="0">
+              <a:t>Jaderberg, Max, Karen Simonyan, and Andrew Zisserman. "Spatial transformer networks." Advances in neural information processing systems 28 (2015).</a:t>
+            </a:r>
+            <a:endParaRPr lang="ko-KR" altLang="en-US" sz="1100" dirty="0">
               <a:solidFill>
-                <a:schemeClr val="bg2">
+                <a:schemeClr val="bg1">
                   <a:lumMod val="50000"/>
                 </a:schemeClr>
               </a:solidFill>
@@ -6712,58 +6087,6 @@
       </p:cxnSp>
       <p:sp>
         <p:nvSpPr>
-          <p:cNvPr id="9" name="제목 1">
-            <a:extLst>
-              <a:ext uri="{FF2B5EF4-FFF2-40B4-BE49-F238E27FC236}">
-                <a16:creationId xmlns:a16="http://schemas.microsoft.com/office/drawing/2014/main" id="{05596BCF-D308-A29D-49E5-1678F5F8F27E}"/>
-              </a:ext>
-            </a:extLst>
-          </p:cNvPr>
-          <p:cNvSpPr>
-            <a:spLocks noGrp="1"/>
-          </p:cNvSpPr>
-          <p:nvPr>
-            <p:ph type="title"/>
-          </p:nvPr>
-        </p:nvSpPr>
-        <p:spPr>
-          <a:xfrm>
-            <a:off x="-14748" y="0"/>
-            <a:ext cx="10454030" cy="404445"/>
-          </a:xfrm>
-        </p:spPr>
-        <p:txBody>
-          <a:bodyPr>
-            <a:noAutofit/>
-          </a:bodyPr>
-          <a:lstStyle/>
-          <a:p>
-            <a:pPr marL="285750" indent="-285750">
-              <a:buFont typeface="Wingdings" panose="05000000000000000000" pitchFamily="2" charset="2"/>
-              <a:buChar char="v"/>
-            </a:pPr>
-            <a:r>
-              <a:rPr lang="en-US" altLang="ko-KR" sz="1800" dirty="0">
-                <a:solidFill>
-                  <a:schemeClr val="bg1">
-                    <a:lumMod val="50000"/>
-                  </a:schemeClr>
-                </a:solidFill>
-              </a:rPr>
-              <a:t>Spatial Transformer Networks</a:t>
-            </a:r>
-            <a:endParaRPr lang="ko-KR" altLang="en-US" sz="1800" dirty="0">
-              <a:solidFill>
-                <a:schemeClr val="bg1">
-                  <a:lumMod val="50000"/>
-                </a:schemeClr>
-              </a:solidFill>
-            </a:endParaRPr>
-          </a:p>
-        </p:txBody>
-      </p:sp>
-      <p:sp>
-        <p:nvSpPr>
           <p:cNvPr id="11" name="TextBox 10">
             <a:extLst>
               <a:ext uri="{FF2B5EF4-FFF2-40B4-BE49-F238E27FC236}">
@@ -7261,46 +6584,64 @@
       </p:cxnSp>
       <p:sp>
         <p:nvSpPr>
-          <p:cNvPr id="18" name="TextBox 17">
+          <p:cNvPr id="7" name="제목 1">
             <a:extLst>
               <a:ext uri="{FF2B5EF4-FFF2-40B4-BE49-F238E27FC236}">
-                <a16:creationId xmlns:a16="http://schemas.microsoft.com/office/drawing/2014/main" id="{50467493-9603-B6F8-7AFA-71068A45FC3D}"/>
+                <a16:creationId xmlns:a16="http://schemas.microsoft.com/office/drawing/2014/main" id="{A477E9DA-2267-6D6C-DCA1-C604B524B028}"/>
               </a:ext>
             </a:extLst>
           </p:cNvPr>
-          <p:cNvSpPr txBox="1"/>
+          <p:cNvSpPr txBox="1">
+            <a:spLocks/>
+          </p:cNvSpPr>
           <p:nvPr/>
         </p:nvSpPr>
         <p:spPr>
           <a:xfrm>
-            <a:off x="11320671" y="0"/>
-            <a:ext cx="871330" cy="369332"/>
+            <a:off x="-14748" y="1"/>
+            <a:ext cx="10454030" cy="255116"/>
           </a:xfrm>
           <a:prstGeom prst="rect">
             <a:avLst/>
           </a:prstGeom>
-          <a:noFill/>
         </p:spPr>
         <p:txBody>
-          <a:bodyPr wrap="square" rtlCol="0">
-            <a:spAutoFit/>
+          <a:bodyPr vert="horz" lIns="91440" tIns="45720" rIns="91440" bIns="45720" rtlCol="0" anchor="ctr">
+            <a:noAutofit/>
           </a:bodyPr>
-          <a:lstStyle/>
-          <a:p>
-            <a:pPr algn="r"/>
-            <a:r>
-              <a:rPr lang="en-US" altLang="ko-KR" dirty="0">
+          <a:lstStyle>
+            <a:lvl1pPr algn="l" defTabSz="914400" rtl="0" eaLnBrk="1" latinLnBrk="1" hangingPunct="1">
+              <a:lnSpc>
+                <a:spcPct val="90000"/>
+              </a:lnSpc>
+              <a:spcBef>
+                <a:spcPct val="0"/>
+              </a:spcBef>
+              <a:buNone/>
+              <a:defRPr sz="4400" kern="1200">
                 <a:solidFill>
-                  <a:schemeClr val="bg2">
+                  <a:schemeClr val="tx1"/>
+                </a:solidFill>
+                <a:latin typeface="+mj-lt"/>
+                <a:ea typeface="+mj-ea"/>
+                <a:cs typeface="+mj-cs"/>
+              </a:defRPr>
+            </a:lvl1pPr>
+          </a:lstStyle>
+          <a:p>
+            <a:r>
+              <a:rPr lang="en-US" altLang="ko-KR" sz="1100">
+                <a:solidFill>
+                  <a:schemeClr val="bg1">
                     <a:lumMod val="50000"/>
                   </a:schemeClr>
                 </a:solidFill>
               </a:rPr>
-              <a:t>11/13</a:t>
-            </a:r>
-            <a:endParaRPr lang="ko-KR" altLang="en-US" dirty="0">
+              <a:t>Jaderberg, Max, Karen Simonyan, and Andrew Zisserman. "Spatial transformer networks." Advances in neural information processing systems 28 (2015).</a:t>
+            </a:r>
+            <a:endParaRPr lang="ko-KR" altLang="en-US" sz="1100" dirty="0">
               <a:solidFill>
-                <a:schemeClr val="bg2">
+                <a:schemeClr val="bg1">
                   <a:lumMod val="50000"/>
                 </a:schemeClr>
               </a:solidFill>
@@ -7386,58 +6727,6 @@
       </p:cxnSp>
       <p:sp>
         <p:nvSpPr>
-          <p:cNvPr id="9" name="제목 1">
-            <a:extLst>
-              <a:ext uri="{FF2B5EF4-FFF2-40B4-BE49-F238E27FC236}">
-                <a16:creationId xmlns:a16="http://schemas.microsoft.com/office/drawing/2014/main" id="{05596BCF-D308-A29D-49E5-1678F5F8F27E}"/>
-              </a:ext>
-            </a:extLst>
-          </p:cNvPr>
-          <p:cNvSpPr>
-            <a:spLocks noGrp="1"/>
-          </p:cNvSpPr>
-          <p:nvPr>
-            <p:ph type="title"/>
-          </p:nvPr>
-        </p:nvSpPr>
-        <p:spPr>
-          <a:xfrm>
-            <a:off x="-14748" y="0"/>
-            <a:ext cx="10454030" cy="404445"/>
-          </a:xfrm>
-        </p:spPr>
-        <p:txBody>
-          <a:bodyPr>
-            <a:noAutofit/>
-          </a:bodyPr>
-          <a:lstStyle/>
-          <a:p>
-            <a:pPr marL="285750" indent="-285750">
-              <a:buFont typeface="Wingdings" panose="05000000000000000000" pitchFamily="2" charset="2"/>
-              <a:buChar char="v"/>
-            </a:pPr>
-            <a:r>
-              <a:rPr lang="en-US" altLang="ko-KR" sz="1800" dirty="0">
-                <a:solidFill>
-                  <a:schemeClr val="bg1">
-                    <a:lumMod val="50000"/>
-                  </a:schemeClr>
-                </a:solidFill>
-              </a:rPr>
-              <a:t>Spatial Transformer Networks</a:t>
-            </a:r>
-            <a:endParaRPr lang="ko-KR" altLang="en-US" sz="1800" dirty="0">
-              <a:solidFill>
-                <a:schemeClr val="bg1">
-                  <a:lumMod val="50000"/>
-                </a:schemeClr>
-              </a:solidFill>
-            </a:endParaRPr>
-          </a:p>
-        </p:txBody>
-      </p:sp>
-      <p:sp>
-        <p:nvSpPr>
           <p:cNvPr id="11" name="TextBox 10">
             <a:extLst>
               <a:ext uri="{FF2B5EF4-FFF2-40B4-BE49-F238E27FC236}">
@@ -8187,46 +7476,64 @@
       </p:cxnSp>
       <p:sp>
         <p:nvSpPr>
-          <p:cNvPr id="26" name="TextBox 25">
+          <p:cNvPr id="7" name="제목 1">
             <a:extLst>
               <a:ext uri="{FF2B5EF4-FFF2-40B4-BE49-F238E27FC236}">
-                <a16:creationId xmlns:a16="http://schemas.microsoft.com/office/drawing/2014/main" id="{5A52575B-C8BF-1097-A138-172FEA7EFC9E}"/>
+                <a16:creationId xmlns:a16="http://schemas.microsoft.com/office/drawing/2014/main" id="{E5FF2731-3722-7D8E-BD84-DF2FA84F52A7}"/>
               </a:ext>
             </a:extLst>
           </p:cNvPr>
-          <p:cNvSpPr txBox="1"/>
+          <p:cNvSpPr txBox="1">
+            <a:spLocks/>
+          </p:cNvSpPr>
           <p:nvPr/>
         </p:nvSpPr>
         <p:spPr>
           <a:xfrm>
-            <a:off x="11320671" y="0"/>
-            <a:ext cx="871330" cy="369332"/>
+            <a:off x="-14748" y="1"/>
+            <a:ext cx="10454030" cy="255116"/>
           </a:xfrm>
           <a:prstGeom prst="rect">
             <a:avLst/>
           </a:prstGeom>
-          <a:noFill/>
         </p:spPr>
         <p:txBody>
-          <a:bodyPr wrap="square" rtlCol="0">
-            <a:spAutoFit/>
+          <a:bodyPr vert="horz" lIns="91440" tIns="45720" rIns="91440" bIns="45720" rtlCol="0" anchor="ctr">
+            <a:noAutofit/>
           </a:bodyPr>
-          <a:lstStyle/>
-          <a:p>
-            <a:pPr algn="r"/>
-            <a:r>
-              <a:rPr lang="en-US" altLang="ko-KR" dirty="0">
+          <a:lstStyle>
+            <a:lvl1pPr algn="l" defTabSz="914400" rtl="0" eaLnBrk="1" latinLnBrk="1" hangingPunct="1">
+              <a:lnSpc>
+                <a:spcPct val="90000"/>
+              </a:lnSpc>
+              <a:spcBef>
+                <a:spcPct val="0"/>
+              </a:spcBef>
+              <a:buNone/>
+              <a:defRPr sz="4400" kern="1200">
                 <a:solidFill>
-                  <a:schemeClr val="bg2">
+                  <a:schemeClr val="tx1"/>
+                </a:solidFill>
+                <a:latin typeface="+mj-lt"/>
+                <a:ea typeface="+mj-ea"/>
+                <a:cs typeface="+mj-cs"/>
+              </a:defRPr>
+            </a:lvl1pPr>
+          </a:lstStyle>
+          <a:p>
+            <a:r>
+              <a:rPr lang="en-US" altLang="ko-KR" sz="1100">
+                <a:solidFill>
+                  <a:schemeClr val="bg1">
                     <a:lumMod val="50000"/>
                   </a:schemeClr>
                 </a:solidFill>
               </a:rPr>
-              <a:t>12/13</a:t>
-            </a:r>
-            <a:endParaRPr lang="ko-KR" altLang="en-US" dirty="0">
+              <a:t>Jaderberg, Max, Karen Simonyan, and Andrew Zisserman. "Spatial transformer networks." Advances in neural information processing systems 28 (2015).</a:t>
+            </a:r>
+            <a:endParaRPr lang="ko-KR" altLang="en-US" sz="1100" dirty="0">
               <a:solidFill>
-                <a:schemeClr val="bg2">
+                <a:schemeClr val="bg1">
                   <a:lumMod val="50000"/>
                 </a:schemeClr>
               </a:solidFill>
@@ -8310,58 +7617,6 @@
           </a:fontRef>
         </p:style>
       </p:cxnSp>
-      <p:sp>
-        <p:nvSpPr>
-          <p:cNvPr id="9" name="제목 1">
-            <a:extLst>
-              <a:ext uri="{FF2B5EF4-FFF2-40B4-BE49-F238E27FC236}">
-                <a16:creationId xmlns:a16="http://schemas.microsoft.com/office/drawing/2014/main" id="{05596BCF-D308-A29D-49E5-1678F5F8F27E}"/>
-              </a:ext>
-            </a:extLst>
-          </p:cNvPr>
-          <p:cNvSpPr>
-            <a:spLocks noGrp="1"/>
-          </p:cNvSpPr>
-          <p:nvPr>
-            <p:ph type="title"/>
-          </p:nvPr>
-        </p:nvSpPr>
-        <p:spPr>
-          <a:xfrm>
-            <a:off x="-14748" y="0"/>
-            <a:ext cx="10454030" cy="404445"/>
-          </a:xfrm>
-        </p:spPr>
-        <p:txBody>
-          <a:bodyPr>
-            <a:noAutofit/>
-          </a:bodyPr>
-          <a:lstStyle/>
-          <a:p>
-            <a:pPr marL="285750" indent="-285750">
-              <a:buFont typeface="Wingdings" panose="05000000000000000000" pitchFamily="2" charset="2"/>
-              <a:buChar char="v"/>
-            </a:pPr>
-            <a:r>
-              <a:rPr lang="en-US" altLang="ko-KR" sz="1800" dirty="0">
-                <a:solidFill>
-                  <a:schemeClr val="bg1">
-                    <a:lumMod val="50000"/>
-                  </a:schemeClr>
-                </a:solidFill>
-              </a:rPr>
-              <a:t>Spatial Transformer Networks</a:t>
-            </a:r>
-            <a:endParaRPr lang="ko-KR" altLang="en-US" sz="1800" dirty="0">
-              <a:solidFill>
-                <a:schemeClr val="bg1">
-                  <a:lumMod val="50000"/>
-                </a:schemeClr>
-              </a:solidFill>
-            </a:endParaRPr>
-          </a:p>
-        </p:txBody>
-      </p:sp>
       <p:sp>
         <p:nvSpPr>
           <p:cNvPr id="11" name="TextBox 10">
@@ -8591,55 +7846,6 @@
       </p:pic>
       <p:sp>
         <p:nvSpPr>
-          <p:cNvPr id="23" name="TextBox 22">
-            <a:extLst>
-              <a:ext uri="{FF2B5EF4-FFF2-40B4-BE49-F238E27FC236}">
-                <a16:creationId xmlns:a16="http://schemas.microsoft.com/office/drawing/2014/main" id="{8EB2682D-529A-0569-2BD4-B0388671ABA1}"/>
-              </a:ext>
-            </a:extLst>
-          </p:cNvPr>
-          <p:cNvSpPr txBox="1"/>
-          <p:nvPr/>
-        </p:nvSpPr>
-        <p:spPr>
-          <a:xfrm>
-            <a:off x="11320671" y="0"/>
-            <a:ext cx="871330" cy="369332"/>
-          </a:xfrm>
-          <a:prstGeom prst="rect">
-            <a:avLst/>
-          </a:prstGeom>
-          <a:noFill/>
-        </p:spPr>
-        <p:txBody>
-          <a:bodyPr wrap="square" rtlCol="0">
-            <a:spAutoFit/>
-          </a:bodyPr>
-          <a:lstStyle/>
-          <a:p>
-            <a:pPr algn="r"/>
-            <a:r>
-              <a:rPr lang="en-US" altLang="ko-KR" dirty="0">
-                <a:solidFill>
-                  <a:schemeClr val="bg2">
-                    <a:lumMod val="50000"/>
-                  </a:schemeClr>
-                </a:solidFill>
-              </a:rPr>
-              <a:t>13/13</a:t>
-            </a:r>
-            <a:endParaRPr lang="ko-KR" altLang="en-US" dirty="0">
-              <a:solidFill>
-                <a:schemeClr val="bg2">
-                  <a:lumMod val="50000"/>
-                </a:schemeClr>
-              </a:solidFill>
-            </a:endParaRPr>
-          </a:p>
-        </p:txBody>
-      </p:sp>
-      <p:sp>
-        <p:nvSpPr>
           <p:cNvPr id="12" name="TextBox 11">
             <a:extLst>
               <a:ext uri="{FF2B5EF4-FFF2-40B4-BE49-F238E27FC236}">
@@ -8676,6 +7882,73 @@
               </a:rPr>
               <a:t>https://manjunathbhat9920.medium.com/spatial-transformer-network-82666f184299</a:t>
             </a:r>
+          </a:p>
+        </p:txBody>
+      </p:sp>
+      <p:sp>
+        <p:nvSpPr>
+          <p:cNvPr id="5" name="제목 1">
+            <a:extLst>
+              <a:ext uri="{FF2B5EF4-FFF2-40B4-BE49-F238E27FC236}">
+                <a16:creationId xmlns:a16="http://schemas.microsoft.com/office/drawing/2014/main" id="{6BDCBA01-9756-AE10-7B24-A680E64C8653}"/>
+              </a:ext>
+            </a:extLst>
+          </p:cNvPr>
+          <p:cNvSpPr txBox="1">
+            <a:spLocks/>
+          </p:cNvSpPr>
+          <p:nvPr/>
+        </p:nvSpPr>
+        <p:spPr>
+          <a:xfrm>
+            <a:off x="-14748" y="1"/>
+            <a:ext cx="10454030" cy="255116"/>
+          </a:xfrm>
+          <a:prstGeom prst="rect">
+            <a:avLst/>
+          </a:prstGeom>
+        </p:spPr>
+        <p:txBody>
+          <a:bodyPr vert="horz" lIns="91440" tIns="45720" rIns="91440" bIns="45720" rtlCol="0" anchor="ctr">
+            <a:noAutofit/>
+          </a:bodyPr>
+          <a:lstStyle>
+            <a:lvl1pPr algn="l" defTabSz="914400" rtl="0" eaLnBrk="1" latinLnBrk="1" hangingPunct="1">
+              <a:lnSpc>
+                <a:spcPct val="90000"/>
+              </a:lnSpc>
+              <a:spcBef>
+                <a:spcPct val="0"/>
+              </a:spcBef>
+              <a:buNone/>
+              <a:defRPr sz="4400" kern="1200">
+                <a:solidFill>
+                  <a:schemeClr val="tx1"/>
+                </a:solidFill>
+                <a:latin typeface="+mj-lt"/>
+                <a:ea typeface="+mj-ea"/>
+                <a:cs typeface="+mj-cs"/>
+              </a:defRPr>
+            </a:lvl1pPr>
+          </a:lstStyle>
+          <a:p>
+            <a:r>
+              <a:rPr lang="en-US" altLang="ko-KR" sz="1100">
+                <a:solidFill>
+                  <a:schemeClr val="bg1">
+                    <a:lumMod val="50000"/>
+                  </a:schemeClr>
+                </a:solidFill>
+              </a:rPr>
+              <a:t>Jaderberg, Max, Karen Simonyan, and Andrew Zisserman. "Spatial transformer networks." Advances in neural information processing systems 28 (2015).</a:t>
+            </a:r>
+            <a:endParaRPr lang="ko-KR" altLang="en-US" sz="1100" dirty="0">
+              <a:solidFill>
+                <a:schemeClr val="bg1">
+                  <a:lumMod val="50000"/>
+                </a:schemeClr>
+              </a:solidFill>
+            </a:endParaRPr>
           </a:p>
         </p:txBody>
       </p:sp>
@@ -8773,8 +8046,8 @@
         </p:nvSpPr>
         <p:spPr>
           <a:xfrm>
-            <a:off x="-14748" y="0"/>
-            <a:ext cx="10454030" cy="404445"/>
+            <a:off x="-14748" y="1"/>
+            <a:ext cx="10454030" cy="255116"/>
           </a:xfrm>
         </p:spPr>
         <p:txBody>
@@ -8783,21 +8056,17 @@
           </a:bodyPr>
           <a:lstStyle/>
           <a:p>
-            <a:pPr marL="285750" indent="-285750">
-              <a:buFont typeface="Wingdings" panose="05000000000000000000" pitchFamily="2" charset="2"/>
-              <a:buChar char="v"/>
-            </a:pPr>
-            <a:r>
-              <a:rPr lang="en-US" altLang="ko-KR" sz="1800" dirty="0">
+            <a:r>
+              <a:rPr lang="en-US" altLang="ko-KR" sz="1100">
                 <a:solidFill>
                   <a:schemeClr val="bg1">
                     <a:lumMod val="50000"/>
                   </a:schemeClr>
                 </a:solidFill>
               </a:rPr>
-              <a:t>Spatial Transformer Networks</a:t>
-            </a:r>
-            <a:endParaRPr lang="ko-KR" altLang="en-US" sz="1800" dirty="0">
+              <a:t>Jaderberg, Max, Karen Simonyan, and Andrew Zisserman. "Spatial transformer networks." Advances in neural information processing systems 28 (2015).</a:t>
+            </a:r>
+            <a:endParaRPr lang="ko-KR" altLang="en-US" sz="1100" dirty="0">
               <a:solidFill>
                 <a:schemeClr val="bg1">
                   <a:lumMod val="50000"/>
@@ -8869,7 +8138,7 @@
         <p:spPr>
           <a:xfrm>
             <a:off x="567649" y="1460557"/>
-            <a:ext cx="11056702" cy="2306850"/>
+            <a:ext cx="11056702" cy="1522020"/>
           </a:xfrm>
           <a:prstGeom prst="rect">
             <a:avLst/>
@@ -8905,38 +8174,90 @@
               <a:lnSpc>
                 <a:spcPct val="150000"/>
               </a:lnSpc>
-              <a:buFont typeface="Wingdings" panose="05000000000000000000" pitchFamily="2" charset="2"/>
-              <a:buChar char="v"/>
+              <a:buFont typeface="Arial" panose="020B0604020202020204" pitchFamily="34" charset="0"/>
+              <a:buChar char="•"/>
             </a:pPr>
             <a:r>
-              <a:rPr lang="ko-KR" altLang="en-US" b="1" dirty="0">
+              <a:rPr lang="en-US" altLang="ko-KR" sz="1600">
                 <a:solidFill>
                   <a:schemeClr val="tx1"/>
                 </a:solidFill>
               </a:rPr>
-              <a:t>기존 </a:t>
-            </a:r>
-            <a:r>
-              <a:rPr lang="en-US" altLang="ko-KR" b="1" dirty="0">
+              <a:t>The Convolutional Neural Network (CNN)</a:t>
+            </a:r>
+            <a:r>
+              <a:rPr lang="en-US" altLang="ko-KR" sz="1600" b="1">
                 <a:solidFill>
                   <a:schemeClr val="tx1"/>
                 </a:solidFill>
               </a:rPr>
-              <a:t>CNN </a:t>
-            </a:r>
-            <a:r>
-              <a:rPr lang="ko-KR" altLang="en-US" b="1" dirty="0">
+              <a:t> </a:t>
+            </a:r>
+            <a:r>
+              <a:rPr lang="en-US" altLang="ko-KR" sz="1600">
+                <a:solidFill>
+                  <a:srgbClr val="FF4B4B"/>
+                </a:solidFill>
+              </a:rPr>
+              <a:t>Limitation</a:t>
+            </a:r>
+            <a:r>
+              <a:rPr lang="en-US" altLang="ko-KR" sz="1600" b="1">
                 <a:solidFill>
                   <a:schemeClr val="tx1"/>
                 </a:solidFill>
               </a:rPr>
-              <a:t>의 한계</a:t>
-            </a:r>
-            <a:endParaRPr lang="en-US" altLang="ko-KR" b="1" dirty="0">
-              <a:solidFill>
-                <a:schemeClr val="tx1"/>
-              </a:solidFill>
-            </a:endParaRPr>
+              <a:t> </a:t>
+            </a:r>
+            <a:r>
+              <a:rPr lang="en-US" altLang="ko-KR" sz="1600">
+                <a:solidFill>
+                  <a:schemeClr val="tx1"/>
+                </a:solidFill>
+              </a:rPr>
+              <a:t>: </a:t>
+            </a:r>
+            <a:r>
+              <a:rPr lang="en-US" altLang="ko-KR" sz="1600" b="1">
+                <a:solidFill>
+                  <a:srgbClr val="FF7D7D"/>
+                </a:solidFill>
+              </a:rPr>
+              <a:t>Not Spatially invariant</a:t>
+            </a:r>
+            <a:r>
+              <a:rPr lang="ko-KR" altLang="en-US" sz="1600" b="1">
+                <a:solidFill>
+                  <a:srgbClr val="FF7D7D"/>
+                </a:solidFill>
+              </a:rPr>
+              <a:t> </a:t>
+            </a:r>
+            <a:br>
+              <a:rPr lang="en-US" altLang="ko-KR" sz="1600" dirty="0">
+                <a:solidFill>
+                  <a:schemeClr val="tx1"/>
+                </a:solidFill>
+              </a:rPr>
+            </a:br>
+            <a:r>
+              <a:rPr lang="en-US" altLang="ko-KR" sz="1600">
+                <a:solidFill>
+                  <a:schemeClr val="tx1"/>
+                </a:solidFill>
+              </a:rPr>
+              <a:t>== invariance of the model towards spatial transformations of images</a:t>
+            </a:r>
+            <a:r>
+              <a:rPr lang="en-US" altLang="ko-KR" sz="1600">
+                <a:solidFill>
+                  <a:schemeClr val="bg1">
+                    <a:lumMod val="50000"/>
+                  </a:schemeClr>
+                </a:solidFill>
+              </a:rPr>
+              <a:t> (rotation, translation, scaling)</a:t>
+            </a:r>
           </a:p>
           <a:p>
             <a:pPr marL="285750" indent="-285750">
@@ -8947,226 +8268,20 @@
               <a:buChar char="•"/>
             </a:pPr>
             <a:r>
-              <a:rPr lang="en-US" altLang="ko-KR" sz="1600" b="1" dirty="0">
-                <a:solidFill>
-                  <a:srgbClr val="5875B0"/>
-                </a:solidFill>
-              </a:rPr>
-              <a:t>Spatially invariant </a:t>
-            </a:r>
-            <a:r>
-              <a:rPr lang="ko-KR" altLang="en-US" sz="1600" dirty="0">
+              <a:rPr lang="en-US" altLang="ko-KR" sz="1600" u="sng">
                 <a:solidFill>
                   <a:schemeClr val="tx1"/>
                 </a:solidFill>
               </a:rPr>
-              <a:t>하지 못하다 </a:t>
-            </a:r>
-            <a:br>
-              <a:rPr lang="en-US" altLang="ko-KR" sz="1600" dirty="0">
+              <a:t>Max-pooling layer</a:t>
+            </a:r>
+            <a:r>
+              <a:rPr lang="en-US" altLang="ko-KR" sz="1600">
                 <a:solidFill>
                   <a:schemeClr val="tx1"/>
                 </a:solidFill>
               </a:rPr>
-            </a:br>
-            <a:r>
-              <a:rPr lang="en-US" altLang="ko-KR" sz="1600" dirty="0">
-                <a:solidFill>
-                  <a:schemeClr val="tx1"/>
-                </a:solidFill>
-              </a:rPr>
-              <a:t>== </a:t>
-            </a:r>
-            <a:r>
-              <a:rPr lang="ko-KR" altLang="en-US" sz="1600" dirty="0">
-                <a:solidFill>
-                  <a:schemeClr val="tx1"/>
-                </a:solidFill>
-              </a:rPr>
-              <a:t>물체의</a:t>
-            </a:r>
-            <a:r>
-              <a:rPr lang="en-US" altLang="ko-KR" sz="1600" dirty="0">
-                <a:solidFill>
-                  <a:schemeClr val="tx1"/>
-                </a:solidFill>
-              </a:rPr>
-              <a:t> Scale,</a:t>
-            </a:r>
-            <a:r>
-              <a:rPr lang="ko-KR" altLang="en-US" sz="1600" dirty="0">
-                <a:solidFill>
-                  <a:schemeClr val="tx1"/>
-                </a:solidFill>
-              </a:rPr>
-              <a:t> </a:t>
-            </a:r>
-            <a:r>
-              <a:rPr lang="en-US" altLang="ko-KR" sz="1600" dirty="0">
-                <a:solidFill>
-                  <a:schemeClr val="tx1"/>
-                </a:solidFill>
-              </a:rPr>
-              <a:t>Rotation, Translation</a:t>
-            </a:r>
-            <a:r>
-              <a:rPr lang="ko-KR" altLang="en-US" sz="1600" dirty="0">
-                <a:solidFill>
-                  <a:schemeClr val="tx1"/>
-                </a:solidFill>
-              </a:rPr>
-              <a:t>과 같은 </a:t>
-            </a:r>
-            <a:r>
-              <a:rPr lang="ko-KR" altLang="en-US" sz="1600" dirty="0">
-                <a:solidFill>
-                  <a:srgbClr val="5875B0"/>
-                </a:solidFill>
-              </a:rPr>
-              <a:t>위치</a:t>
-            </a:r>
-            <a:r>
-              <a:rPr lang="en-US" altLang="ko-KR" sz="1600" dirty="0">
-                <a:solidFill>
-                  <a:srgbClr val="5875B0"/>
-                </a:solidFill>
-              </a:rPr>
-              <a:t>/</a:t>
-            </a:r>
-            <a:r>
-              <a:rPr lang="ko-KR" altLang="en-US" sz="1600" dirty="0">
-                <a:solidFill>
-                  <a:srgbClr val="5875B0"/>
-                </a:solidFill>
-              </a:rPr>
-              <a:t>공간 상의 변화</a:t>
-            </a:r>
-            <a:r>
-              <a:rPr lang="ko-KR" altLang="en-US" sz="1600" dirty="0">
-                <a:solidFill>
-                  <a:schemeClr val="tx1"/>
-                </a:solidFill>
-              </a:rPr>
-              <a:t>에 대해서 네트워크가 제대로 탐지 못한다</a:t>
-            </a:r>
-            <a:endParaRPr lang="en-US" altLang="ko-KR" sz="1600" dirty="0">
-              <a:solidFill>
-                <a:schemeClr val="tx1"/>
-              </a:solidFill>
-            </a:endParaRPr>
-          </a:p>
-          <a:p>
-            <a:pPr marL="285750" indent="-285750">
-              <a:lnSpc>
-                <a:spcPct val="150000"/>
-              </a:lnSpc>
-              <a:buFont typeface="Arial" panose="020B0604020202020204" pitchFamily="34" charset="0"/>
-              <a:buChar char="•"/>
-            </a:pPr>
-            <a:r>
-              <a:rPr lang="ko-KR" altLang="en-US" sz="1600" dirty="0">
-                <a:solidFill>
-                  <a:schemeClr val="tx1"/>
-                </a:solidFill>
-              </a:rPr>
-              <a:t>이를 위한 특징 </a:t>
-            </a:r>
-            <a:r>
-              <a:rPr lang="en-US" altLang="ko-KR" sz="1600" dirty="0">
-                <a:solidFill>
-                  <a:schemeClr val="tx1"/>
-                </a:solidFill>
-              </a:rPr>
-              <a:t>: </a:t>
-            </a:r>
-            <a:r>
-              <a:rPr lang="en-US" altLang="ko-KR" sz="1600" dirty="0">
-                <a:solidFill>
-                  <a:srgbClr val="5875B0"/>
-                </a:solidFill>
-              </a:rPr>
-              <a:t>Max-pooling layer </a:t>
-            </a:r>
-          </a:p>
-          <a:p>
-            <a:pPr marL="742950" lvl="1" indent="-285750">
-              <a:lnSpc>
-                <a:spcPct val="150000"/>
-              </a:lnSpc>
-              <a:buFont typeface="Arial" panose="020B0604020202020204" pitchFamily="34" charset="0"/>
-              <a:buChar char="•"/>
-            </a:pPr>
-            <a:r>
-              <a:rPr lang="ko-KR" altLang="en-US" sz="1600" dirty="0">
-                <a:solidFill>
-                  <a:schemeClr val="tx1"/>
-                </a:solidFill>
-              </a:rPr>
-              <a:t>한계 </a:t>
-            </a:r>
-            <a:r>
-              <a:rPr lang="en-US" altLang="ko-KR" sz="1600" dirty="0">
-                <a:solidFill>
-                  <a:schemeClr val="tx1"/>
-                </a:solidFill>
-              </a:rPr>
-              <a:t>: 2x2 </a:t>
-            </a:r>
-            <a:r>
-              <a:rPr lang="ko-KR" altLang="en-US" sz="1600" dirty="0">
-                <a:solidFill>
-                  <a:schemeClr val="tx1"/>
-                </a:solidFill>
-              </a:rPr>
-              <a:t>픽셀 단위의 연산으로는 데이터의 다양한 </a:t>
-            </a:r>
-            <a:r>
-              <a:rPr lang="en-US" altLang="ko-KR" sz="1600" dirty="0">
-                <a:solidFill>
-                  <a:schemeClr val="tx1"/>
-                </a:solidFill>
-              </a:rPr>
-              <a:t>spatial</a:t>
-            </a:r>
-            <a:r>
-              <a:rPr lang="ko-KR" altLang="en-US" sz="1600" dirty="0">
-                <a:solidFill>
-                  <a:schemeClr val="tx1"/>
-                </a:solidFill>
-              </a:rPr>
-              <a:t> </a:t>
-            </a:r>
-            <a:r>
-              <a:rPr lang="en-US" altLang="ko-KR" sz="1600" dirty="0">
-                <a:solidFill>
-                  <a:schemeClr val="tx1"/>
-                </a:solidFill>
-              </a:rPr>
-              <a:t>variability(</a:t>
-            </a:r>
-            <a:r>
-              <a:rPr lang="ko-KR" altLang="en-US" sz="1600" dirty="0">
-                <a:solidFill>
-                  <a:schemeClr val="tx1"/>
-                </a:solidFill>
-              </a:rPr>
-              <a:t>공간적 변화</a:t>
-            </a:r>
-            <a:r>
-              <a:rPr lang="en-US" altLang="ko-KR" sz="1600" dirty="0">
-                <a:solidFill>
-                  <a:schemeClr val="tx1"/>
-                </a:solidFill>
-              </a:rPr>
-              <a:t>)</a:t>
-            </a:r>
-            <a:r>
-              <a:rPr lang="ko-KR" altLang="en-US" sz="1600" dirty="0">
-                <a:solidFill>
-                  <a:schemeClr val="tx1"/>
-                </a:solidFill>
-              </a:rPr>
-              <a:t>에 대처하기 어려움</a:t>
+              <a:t> – satisfy this, but 2x2 pixel-wise operation is difficult to cope with various spatial variability</a:t>
             </a:r>
             <a:endParaRPr lang="en-US" altLang="ko-KR" sz="1600" dirty="0">
               <a:solidFill>
@@ -9185,38 +8300,30 @@
             <a:r>
               <a:rPr lang="en-US" altLang="ko-KR" sz="1600" b="1" dirty="0">
                 <a:solidFill>
-                  <a:srgbClr val="5875B0"/>
+                  <a:srgbClr val="6571E1"/>
                 </a:solidFill>
               </a:rPr>
-              <a:t>Spatial transformer </a:t>
-            </a:r>
-            <a:r>
-              <a:rPr lang="ko-KR" altLang="en-US" sz="1600" dirty="0">
+              <a:t>Spatial </a:t>
+            </a:r>
+            <a:r>
+              <a:rPr lang="en-US" altLang="ko-KR" sz="1600" b="1">
                 <a:solidFill>
-                  <a:schemeClr val="tx1"/>
+                  <a:srgbClr val="6571E1"/>
                 </a:solidFill>
               </a:rPr>
-              <a:t>를 기존 </a:t>
-            </a:r>
-            <a:r>
-              <a:rPr lang="en-US" altLang="ko-KR" sz="1600" dirty="0">
+              <a:t>transformer module </a:t>
+            </a:r>
+            <a:r>
+              <a:rPr lang="en-US" altLang="ko-KR" sz="1600">
                 <a:solidFill>
-                  <a:schemeClr val="tx1"/>
+                  <a:srgbClr val="6571E1"/>
                 </a:solidFill>
               </a:rPr>
-              <a:t>CNN</a:t>
-            </a:r>
-            <a:r>
-              <a:rPr lang="ko-KR" altLang="en-US" sz="1600" dirty="0">
-                <a:solidFill>
-                  <a:schemeClr val="tx1"/>
-                </a:solidFill>
-              </a:rPr>
-              <a:t>안에 넣어서 보완하자</a:t>
+              <a:t>– include in to standard neural network</a:t>
             </a:r>
             <a:endParaRPr lang="en-US" altLang="ko-KR" sz="1600" dirty="0">
               <a:solidFill>
-                <a:schemeClr val="tx1"/>
+                <a:srgbClr val="6571E1"/>
               </a:solidFill>
             </a:endParaRPr>
           </a:p>
@@ -9236,8 +8343,8 @@
         </p:nvSpPr>
         <p:spPr>
           <a:xfrm>
-            <a:off x="567648" y="4048303"/>
-            <a:ext cx="11056703" cy="2341422"/>
+            <a:off x="567648" y="3256109"/>
+            <a:ext cx="11056703" cy="3192782"/>
           </a:xfrm>
           <a:prstGeom prst="roundRect">
             <a:avLst>
@@ -9245,11 +8352,11 @@
             </a:avLst>
           </a:prstGeom>
           <a:noFill/>
-          <a:ln>
+          <a:ln w="38100">
             <a:solidFill>
-              <a:schemeClr val="tx2">
-                <a:lumMod val="40000"/>
-                <a:lumOff val="60000"/>
+              <a:schemeClr val="accent5">
+                <a:lumMod val="60000"/>
+                <a:lumOff val="40000"/>
               </a:schemeClr>
             </a:solidFill>
           </a:ln>
@@ -9266,13 +8373,10 @@
               </a:lnSpc>
             </a:pPr>
             <a:r>
-              <a:rPr lang="en-US" altLang="ko-KR" b="1" dirty="0">
-                <a:solidFill>
-                  <a:srgbClr val="294293"/>
-                </a:solidFill>
-              </a:rPr>
-              <a:t>Spatial transformer</a:t>
-            </a:r>
+              <a:rPr lang="en-US" altLang="ko-KR" b="1"/>
+              <a:t>Spatial transformer Network</a:t>
+            </a:r>
+            <a:endParaRPr lang="en-US" altLang="ko-KR" b="1" dirty="0"/>
           </a:p>
           <a:p>
             <a:pPr marL="285750" indent="-285750">
@@ -9283,8 +8387,8 @@
               <a:buChar char="•"/>
             </a:pPr>
             <a:r>
-              <a:rPr lang="en-US" altLang="ko-KR" dirty="0"/>
-              <a:t>Dynamic mechanism</a:t>
+              <a:rPr lang="en-US" altLang="ko-KR" sz="1600"/>
+              <a:t>A learnable module that can be placed in a CNN, to increase the spatial invariance in an efficient manner</a:t>
             </a:r>
           </a:p>
           <a:p>
@@ -9296,10 +8400,9 @@
               <a:buChar char="•"/>
             </a:pPr>
             <a:r>
-              <a:rPr lang="ko-KR" altLang="en-US" dirty="0"/>
-              <a:t>입력으로 받은 이미지를 변환</a:t>
-            </a:r>
-            <a:endParaRPr lang="en-US" altLang="ko-KR" dirty="0"/>
+              <a:rPr lang="en-US" altLang="ko-KR" sz="1600"/>
+              <a:t>The action of the spatial transformer is conditioned on individual data samples</a:t>
+            </a:r>
           </a:p>
           <a:p>
             <a:pPr marL="285750" indent="-285750">
@@ -9310,34 +8413,17 @@
               <a:buChar char="•"/>
             </a:pPr>
             <a:r>
-              <a:rPr lang="ko-KR" altLang="en-US" dirty="0"/>
-              <a:t>가장 관련 있는 영역만 골라 선택하거나</a:t>
-            </a:r>
-            <a:r>
-              <a:rPr lang="en-US" altLang="ko-KR" dirty="0"/>
-              <a:t>, </a:t>
-            </a:r>
-            <a:r>
-              <a:rPr lang="ko-KR" altLang="en-US" dirty="0"/>
-              <a:t>선택된 영역을 </a:t>
-            </a:r>
-            <a:r>
-              <a:rPr lang="en-US" altLang="ko-KR" dirty="0"/>
-              <a:t>canonical(</a:t>
-            </a:r>
-            <a:r>
-              <a:rPr lang="ko-KR" altLang="en-US" dirty="0"/>
-              <a:t>가장 일반적인</a:t>
-            </a:r>
-            <a:r>
-              <a:rPr lang="en-US" altLang="ko-KR" dirty="0"/>
-              <a:t>)</a:t>
-            </a:r>
-            <a:r>
-              <a:rPr lang="ko-KR" altLang="en-US" dirty="0"/>
-              <a:t> 형태로 변환하는 등</a:t>
-            </a:r>
-            <a:endParaRPr lang="en-US" altLang="ko-KR" dirty="0"/>
+              <a:rPr lang="en-US" altLang="ko-KR" sz="1600">
+                <a:solidFill>
+                  <a:srgbClr val="6571E1"/>
+                </a:solidFill>
+              </a:rPr>
+              <a:t>A dynamic mechanism </a:t>
+            </a:r>
+            <a:r>
+              <a:rPr lang="en-US" altLang="ko-KR" sz="1600"/>
+              <a:t>– pooling layer is fixed and local</a:t>
+            </a:r>
           </a:p>
           <a:p>
             <a:pPr marL="285750" indent="-285750">
@@ -9348,30 +8434,93 @@
               <a:buChar char="•"/>
             </a:pPr>
             <a:r>
-              <a:rPr lang="en-US" altLang="ko-KR" dirty="0"/>
-              <a:t>Scaling,</a:t>
-            </a:r>
-            <a:r>
-              <a:rPr lang="ko-KR" altLang="en-US" dirty="0"/>
+              <a:rPr lang="en-US" altLang="ko-KR" sz="1600"/>
+              <a:t>Input image </a:t>
+            </a:r>
+            <a:r>
+              <a:rPr lang="ko-KR" altLang="en-US" sz="1600"/>
+              <a:t>→ </a:t>
+            </a:r>
+            <a:r>
+              <a:rPr lang="en-US" altLang="ko-KR" sz="1600"/>
+              <a:t>transformation performed on the entire feature map, can include Scaling,</a:t>
+            </a:r>
+            <a:r>
+              <a:rPr lang="ko-KR" altLang="en-US" sz="1600"/>
               <a:t> </a:t>
             </a:r>
             <a:r>
-              <a:rPr lang="en-US" altLang="ko-KR" dirty="0"/>
+              <a:rPr lang="en-US" altLang="ko-KR" sz="1600"/>
               <a:t>cropping,</a:t>
             </a:r>
             <a:r>
-              <a:rPr lang="ko-KR" altLang="en-US" dirty="0"/>
+              <a:rPr lang="ko-KR" altLang="en-US" sz="1600"/>
               <a:t> </a:t>
             </a:r>
             <a:r>
-              <a:rPr lang="en-US" altLang="ko-KR" dirty="0"/>
-              <a:t>rotations, non-rigid deformation </a:t>
-            </a:r>
-            <a:r>
-              <a:rPr lang="ko-KR" altLang="en-US" dirty="0"/>
-              <a:t>등 다양하게 지원</a:t>
-            </a:r>
-            <a:endParaRPr lang="en-US" altLang="ko-KR" dirty="0"/>
+              <a:rPr lang="en-US" altLang="ko-KR" sz="1600"/>
+              <a:t>rotations, non-rigid deformation</a:t>
+            </a:r>
+            <a:endParaRPr lang="en-US" altLang="ko-KR" sz="1600" dirty="0"/>
+          </a:p>
+          <a:p>
+            <a:pPr marL="285750" indent="-285750">
+              <a:lnSpc>
+                <a:spcPct val="150000"/>
+              </a:lnSpc>
+              <a:buFont typeface="Arial" panose="020B0604020202020204" pitchFamily="34" charset="0"/>
+              <a:buChar char="•"/>
+            </a:pPr>
+            <a:r>
+              <a:rPr lang="en-US" altLang="ko-KR" sz="1600"/>
+              <a:t>Select regions that are most </a:t>
+            </a:r>
+            <a:r>
+              <a:rPr lang="en-US" altLang="ko-KR" sz="1600">
+                <a:solidFill>
+                  <a:srgbClr val="6571E1"/>
+                </a:solidFill>
+              </a:rPr>
+              <a:t>relevant</a:t>
+            </a:r>
+            <a:r>
+              <a:rPr lang="en-US" altLang="ko-KR" sz="1600"/>
+              <a:t>(attention), transform those regions to a </a:t>
+            </a:r>
+            <a:r>
+              <a:rPr lang="en-US" altLang="ko-KR" sz="1600">
+                <a:solidFill>
+                  <a:srgbClr val="6571E1"/>
+                </a:solidFill>
+              </a:rPr>
+              <a:t>canonical</a:t>
+            </a:r>
+            <a:r>
+              <a:rPr lang="en-US" altLang="ko-KR" sz="1600"/>
+              <a:t>(</a:t>
+            </a:r>
+            <a:r>
+              <a:rPr lang="ko-KR" altLang="en-US" sz="1600"/>
+              <a:t>일반적인</a:t>
+            </a:r>
+            <a:r>
+              <a:rPr lang="en-US" altLang="ko-KR" sz="1600"/>
+              <a:t>) pose</a:t>
+            </a:r>
+          </a:p>
+          <a:p>
+            <a:pPr marL="285750" indent="-285750">
+              <a:lnSpc>
+                <a:spcPct val="150000"/>
+              </a:lnSpc>
+              <a:buFont typeface="Arial" panose="020B0604020202020204" pitchFamily="34" charset="0"/>
+              <a:buChar char="•"/>
+            </a:pPr>
+            <a:r>
+              <a:rPr lang="en-US" altLang="ko-KR" sz="1600"/>
+              <a:t>increase the spatial invariance in an efficient manner.</a:t>
+            </a:r>
+            <a:endParaRPr lang="en-US" altLang="ko-KR" sz="1600" dirty="0"/>
           </a:p>
         </p:txBody>
       </p:sp>
@@ -9397,63 +8546,59 @@
         </p:blipFill>
         <p:spPr>
           <a:xfrm>
-            <a:off x="5693436" y="4171278"/>
-            <a:ext cx="5741136" cy="1116748"/>
+            <a:off x="7374665" y="3093095"/>
+            <a:ext cx="4246372" cy="825991"/>
           </a:xfrm>
           <a:prstGeom prst="rect">
             <a:avLst/>
           </a:prstGeom>
         </p:spPr>
       </p:pic>
-      <p:sp>
-        <p:nvSpPr>
-          <p:cNvPr id="8" name="TextBox 7">
+      <p:pic>
+        <p:nvPicPr>
+          <p:cNvPr id="1026" name="Picture 2">
             <a:extLst>
               <a:ext uri="{FF2B5EF4-FFF2-40B4-BE49-F238E27FC236}">
-                <a16:creationId xmlns:a16="http://schemas.microsoft.com/office/drawing/2014/main" id="{04DE84A5-04D0-5035-7C0B-B9677B9CDCEF}"/>
+                <a16:creationId xmlns:a16="http://schemas.microsoft.com/office/drawing/2014/main" id="{DAF0DD32-A1B8-7756-5C22-17732A7990FB}"/>
               </a:ext>
             </a:extLst>
           </p:cNvPr>
-          <p:cNvSpPr txBox="1"/>
+          <p:cNvPicPr>
+            <a:picLocks noChangeAspect="1" noChangeArrowheads="1"/>
+          </p:cNvPicPr>
           <p:nvPr/>
-        </p:nvSpPr>
-        <p:spPr>
+        </p:nvPicPr>
+        <p:blipFill rotWithShape="1">
+          <a:blip r:embed="rId4">
+            <a:extLst>
+              <a:ext uri="{28A0092B-C50C-407E-A947-70E740481C1C}">
+                <a14:useLocalDpi xmlns:a14="http://schemas.microsoft.com/office/drawing/2010/main" val="0"/>
+              </a:ext>
+            </a:extLst>
+          </a:blip>
+          <a:srcRect r="46871"/>
+          <a:stretch/>
+        </p:blipFill>
+        <p:spPr bwMode="auto">
           <a:xfrm>
-            <a:off x="11320671" y="0"/>
-            <a:ext cx="871330" cy="369332"/>
+            <a:off x="9257526" y="365636"/>
+            <a:ext cx="2363511" cy="1383756"/>
           </a:xfrm>
           <a:prstGeom prst="rect">
             <a:avLst/>
           </a:prstGeom>
           <a:noFill/>
+          <a:extLst>
+            <a:ext uri="{909E8E84-426E-40DD-AFC4-6F175D3DCCD1}">
+              <a14:hiddenFill xmlns:a14="http://schemas.microsoft.com/office/drawing/2010/main">
+                <a:solidFill>
+                  <a:srgbClr val="FFFFFF"/>
+                </a:solidFill>
+              </a14:hiddenFill>
+            </a:ext>
+          </a:extLst>
         </p:spPr>
-        <p:txBody>
-          <a:bodyPr wrap="square" rtlCol="0">
-            <a:spAutoFit/>
-          </a:bodyPr>
-          <a:lstStyle/>
-          <a:p>
-            <a:pPr algn="r"/>
-            <a:r>
-              <a:rPr lang="en-US" altLang="ko-KR" dirty="0">
-                <a:solidFill>
-                  <a:schemeClr val="bg2">
-                    <a:lumMod val="50000"/>
-                  </a:schemeClr>
-                </a:solidFill>
-              </a:rPr>
-              <a:t>1/13</a:t>
-            </a:r>
-            <a:endParaRPr lang="ko-KR" altLang="en-US" dirty="0">
-              <a:solidFill>
-                <a:schemeClr val="bg2">
-                  <a:lumMod val="50000"/>
-                </a:schemeClr>
-              </a:solidFill>
-            </a:endParaRPr>
-          </a:p>
-        </p:txBody>
-      </p:sp>
+      </p:pic>
     </p:spTree>
     <p:extLst>
       <p:ext uri="{BB962C8B-B14F-4D97-AF65-F5344CB8AC3E}">
@@ -9532,58 +8677,6 @@
       </p:cxnSp>
       <p:sp>
         <p:nvSpPr>
-          <p:cNvPr id="9" name="제목 1">
-            <a:extLst>
-              <a:ext uri="{FF2B5EF4-FFF2-40B4-BE49-F238E27FC236}">
-                <a16:creationId xmlns:a16="http://schemas.microsoft.com/office/drawing/2014/main" id="{05596BCF-D308-A29D-49E5-1678F5F8F27E}"/>
-              </a:ext>
-            </a:extLst>
-          </p:cNvPr>
-          <p:cNvSpPr>
-            <a:spLocks noGrp="1"/>
-          </p:cNvSpPr>
-          <p:nvPr>
-            <p:ph type="title"/>
-          </p:nvPr>
-        </p:nvSpPr>
-        <p:spPr>
-          <a:xfrm>
-            <a:off x="-14748" y="0"/>
-            <a:ext cx="10454030" cy="404445"/>
-          </a:xfrm>
-        </p:spPr>
-        <p:txBody>
-          <a:bodyPr>
-            <a:noAutofit/>
-          </a:bodyPr>
-          <a:lstStyle/>
-          <a:p>
-            <a:pPr marL="285750" indent="-285750">
-              <a:buFont typeface="Wingdings" panose="05000000000000000000" pitchFamily="2" charset="2"/>
-              <a:buChar char="v"/>
-            </a:pPr>
-            <a:r>
-              <a:rPr lang="en-US" altLang="ko-KR" sz="1800" dirty="0">
-                <a:solidFill>
-                  <a:schemeClr val="bg1">
-                    <a:lumMod val="50000"/>
-                  </a:schemeClr>
-                </a:solidFill>
-              </a:rPr>
-              <a:t>Spatial Transformer Networks</a:t>
-            </a:r>
-            <a:endParaRPr lang="ko-KR" altLang="en-US" sz="1800" dirty="0">
-              <a:solidFill>
-                <a:schemeClr val="bg1">
-                  <a:lumMod val="50000"/>
-                </a:schemeClr>
-              </a:solidFill>
-            </a:endParaRPr>
-          </a:p>
-        </p:txBody>
-      </p:sp>
-      <p:sp>
-        <p:nvSpPr>
           <p:cNvPr id="11" name="TextBox 10">
             <a:extLst>
               <a:ext uri="{FF2B5EF4-FFF2-40B4-BE49-F238E27FC236}">
@@ -10588,46 +9681,64 @@
       </p:sp>
       <p:sp>
         <p:nvSpPr>
-          <p:cNvPr id="20" name="TextBox 19">
+          <p:cNvPr id="7" name="제목 1">
             <a:extLst>
               <a:ext uri="{FF2B5EF4-FFF2-40B4-BE49-F238E27FC236}">
-                <a16:creationId xmlns:a16="http://schemas.microsoft.com/office/drawing/2014/main" id="{6021F622-7BA2-3BC9-6E13-A99FBFA307D9}"/>
+                <a16:creationId xmlns:a16="http://schemas.microsoft.com/office/drawing/2014/main" id="{DCD5FE20-B640-F724-44E3-9AAF4B3C78B3}"/>
               </a:ext>
             </a:extLst>
           </p:cNvPr>
-          <p:cNvSpPr txBox="1"/>
+          <p:cNvSpPr txBox="1">
+            <a:spLocks/>
+          </p:cNvSpPr>
           <p:nvPr/>
         </p:nvSpPr>
         <p:spPr>
           <a:xfrm>
-            <a:off x="11320671" y="0"/>
-            <a:ext cx="871330" cy="369332"/>
+            <a:off x="-14748" y="1"/>
+            <a:ext cx="10454030" cy="255116"/>
           </a:xfrm>
           <a:prstGeom prst="rect">
             <a:avLst/>
           </a:prstGeom>
-          <a:noFill/>
         </p:spPr>
         <p:txBody>
-          <a:bodyPr wrap="square" rtlCol="0">
-            <a:spAutoFit/>
+          <a:bodyPr vert="horz" lIns="91440" tIns="45720" rIns="91440" bIns="45720" rtlCol="0" anchor="ctr">
+            <a:noAutofit/>
           </a:bodyPr>
-          <a:lstStyle/>
-          <a:p>
-            <a:pPr algn="r"/>
-            <a:r>
-              <a:rPr lang="en-US" altLang="ko-KR" dirty="0">
+          <a:lstStyle>
+            <a:lvl1pPr algn="l" defTabSz="914400" rtl="0" eaLnBrk="1" latinLnBrk="1" hangingPunct="1">
+              <a:lnSpc>
+                <a:spcPct val="90000"/>
+              </a:lnSpc>
+              <a:spcBef>
+                <a:spcPct val="0"/>
+              </a:spcBef>
+              <a:buNone/>
+              <a:defRPr sz="4400" kern="1200">
                 <a:solidFill>
-                  <a:schemeClr val="bg2">
+                  <a:schemeClr val="tx1"/>
+                </a:solidFill>
+                <a:latin typeface="+mj-lt"/>
+                <a:ea typeface="+mj-ea"/>
+                <a:cs typeface="+mj-cs"/>
+              </a:defRPr>
+            </a:lvl1pPr>
+          </a:lstStyle>
+          <a:p>
+            <a:r>
+              <a:rPr lang="en-US" altLang="ko-KR" sz="1100">
+                <a:solidFill>
+                  <a:schemeClr val="bg1">
                     <a:lumMod val="50000"/>
                   </a:schemeClr>
                 </a:solidFill>
               </a:rPr>
-              <a:t>2/13</a:t>
-            </a:r>
-            <a:endParaRPr lang="ko-KR" altLang="en-US" dirty="0">
+              <a:t>Jaderberg, Max, Karen Simonyan, and Andrew Zisserman. "Spatial transformer networks." Advances in neural information processing systems 28 (2015).</a:t>
+            </a:r>
+            <a:endParaRPr lang="ko-KR" altLang="en-US" sz="1100" dirty="0">
               <a:solidFill>
-                <a:schemeClr val="bg2">
+                <a:schemeClr val="bg1">
                   <a:lumMod val="50000"/>
                 </a:schemeClr>
               </a:solidFill>
@@ -10713,58 +9824,6 @@
       </p:cxnSp>
       <p:sp>
         <p:nvSpPr>
-          <p:cNvPr id="9" name="제목 1">
-            <a:extLst>
-              <a:ext uri="{FF2B5EF4-FFF2-40B4-BE49-F238E27FC236}">
-                <a16:creationId xmlns:a16="http://schemas.microsoft.com/office/drawing/2014/main" id="{05596BCF-D308-A29D-49E5-1678F5F8F27E}"/>
-              </a:ext>
-            </a:extLst>
-          </p:cNvPr>
-          <p:cNvSpPr>
-            <a:spLocks noGrp="1"/>
-          </p:cNvSpPr>
-          <p:nvPr>
-            <p:ph type="title"/>
-          </p:nvPr>
-        </p:nvSpPr>
-        <p:spPr>
-          <a:xfrm>
-            <a:off x="-14748" y="0"/>
-            <a:ext cx="10454030" cy="404445"/>
-          </a:xfrm>
-        </p:spPr>
-        <p:txBody>
-          <a:bodyPr>
-            <a:noAutofit/>
-          </a:bodyPr>
-          <a:lstStyle/>
-          <a:p>
-            <a:pPr marL="285750" indent="-285750">
-              <a:buFont typeface="Wingdings" panose="05000000000000000000" pitchFamily="2" charset="2"/>
-              <a:buChar char="v"/>
-            </a:pPr>
-            <a:r>
-              <a:rPr lang="en-US" altLang="ko-KR" sz="1800" dirty="0">
-                <a:solidFill>
-                  <a:schemeClr val="bg1">
-                    <a:lumMod val="50000"/>
-                  </a:schemeClr>
-                </a:solidFill>
-              </a:rPr>
-              <a:t>Spatial Transformer Networks</a:t>
-            </a:r>
-            <a:endParaRPr lang="ko-KR" altLang="en-US" sz="1800" dirty="0">
-              <a:solidFill>
-                <a:schemeClr val="bg1">
-                  <a:lumMod val="50000"/>
-                </a:schemeClr>
-              </a:solidFill>
-            </a:endParaRPr>
-          </a:p>
-        </p:txBody>
-      </p:sp>
-      <p:sp>
-        <p:nvSpPr>
           <p:cNvPr id="11" name="TextBox 10">
             <a:extLst>
               <a:ext uri="{FF2B5EF4-FFF2-40B4-BE49-F238E27FC236}">
@@ -10891,22 +9950,21 @@
         </p:nvSpPr>
         <p:spPr>
           <a:xfrm>
-            <a:off x="2183626" y="4989969"/>
-            <a:ext cx="2917424" cy="1347440"/>
+            <a:off x="2183626" y="5103527"/>
+            <a:ext cx="2917424" cy="1286462"/>
           </a:xfrm>
           <a:prstGeom prst="roundRect">
             <a:avLst>
-              <a:gd name="adj" fmla="val 8562"/>
+              <a:gd name="adj" fmla="val 18069"/>
             </a:avLst>
           </a:prstGeom>
-          <a:noFill/>
+          <a:solidFill>
+            <a:srgbClr val="FFF2CC">
+              <a:alpha val="69804"/>
+            </a:srgbClr>
+          </a:solidFill>
           <a:ln>
-            <a:solidFill>
-              <a:schemeClr val="tx2">
-                <a:lumMod val="40000"/>
-                <a:lumOff val="60000"/>
-              </a:schemeClr>
-            </a:solidFill>
+            <a:noFill/>
           </a:ln>
         </p:spPr>
         <p:txBody>
@@ -10923,11 +9981,7 @@
               <a:buAutoNum type="arabicPeriod"/>
             </a:pPr>
             <a:r>
-              <a:rPr lang="en-US" altLang="ko-KR" dirty="0">
-                <a:solidFill>
-                  <a:srgbClr val="294293"/>
-                </a:solidFill>
-              </a:rPr>
+              <a:rPr lang="en-US" altLang="ko-KR" sz="1600" dirty="0"/>
               <a:t>Localisation network</a:t>
             </a:r>
           </a:p>
@@ -10940,11 +9994,7 @@
               <a:buAutoNum type="arabicPeriod"/>
             </a:pPr>
             <a:r>
-              <a:rPr lang="en-US" altLang="ko-KR" dirty="0">
-                <a:solidFill>
-                  <a:srgbClr val="294293"/>
-                </a:solidFill>
-              </a:rPr>
+              <a:rPr lang="en-US" altLang="ko-KR" sz="1600" dirty="0"/>
               <a:t>Grid generator</a:t>
             </a:r>
           </a:p>
@@ -10957,19 +10007,14 @@
               <a:buAutoNum type="arabicPeriod"/>
             </a:pPr>
             <a:r>
-              <a:rPr lang="en-US" altLang="ko-KR" dirty="0">
-                <a:solidFill>
-                  <a:srgbClr val="294293"/>
-                </a:solidFill>
-              </a:rPr>
+              <a:rPr lang="en-US" altLang="ko-KR" sz="1600"/>
               <a:t>Sampler </a:t>
             </a:r>
-            <a:endParaRPr lang="en-US" altLang="ko-KR" dirty="0"/>
           </a:p>
         </p:txBody>
       </p:sp>
-      <mc:AlternateContent xmlns:mc="http://schemas.openxmlformats.org/markup-compatibility/2006" xmlns:a14="http://schemas.microsoft.com/office/drawing/2010/main">
-        <mc:Choice Requires="a14">
+      <mc:AlternateContent xmlns:mc="http://schemas.openxmlformats.org/markup-compatibility/2006">
+        <mc:Choice xmlns:a14="http://schemas.microsoft.com/office/drawing/2010/main" Requires="a14">
           <p:sp>
             <p:nvSpPr>
               <p:cNvPr id="8" name="TextBox 7">
@@ -10984,8 +10029,8 @@
             </p:nvSpPr>
             <p:spPr>
               <a:xfrm>
-                <a:off x="6760402" y="1511566"/>
-                <a:ext cx="4863950" cy="4921540"/>
+                <a:off x="6918960" y="1689790"/>
+                <a:ext cx="4705392" cy="4049891"/>
               </a:xfrm>
               <a:prstGeom prst="roundRect">
                 <a:avLst>
@@ -11011,11 +10056,11 @@
                   <a:buAutoNum type="arabicPeriod"/>
                 </a:pPr>
                 <a:r>
-                  <a:rPr lang="en-US" altLang="ko-KR" dirty="0"/>
+                  <a:rPr lang="en-US" altLang="ko-KR" sz="1600" dirty="0"/>
                   <a:t>Input feature map </a:t>
                 </a:r>
                 <a:r>
-                  <a:rPr lang="en-US" altLang="ko-KR" dirty="0">
+                  <a:rPr lang="en-US" altLang="ko-KR" sz="1600" dirty="0">
                     <a:solidFill>
                       <a:srgbClr val="FF7D7D"/>
                     </a:solidFill>
@@ -11023,19 +10068,19 @@
                   <a:t>U</a:t>
                 </a:r>
                 <a:r>
-                  <a:rPr lang="ko-KR" altLang="en-US" dirty="0"/>
+                  <a:rPr lang="ko-KR" altLang="en-US" sz="1600" dirty="0"/>
                   <a:t>가 </a:t>
                 </a:r>
                 <a:r>
-                  <a:rPr lang="en-US" altLang="ko-KR" b="1" u="sng" dirty="0"/>
+                  <a:rPr lang="en-US" altLang="ko-KR" sz="1600" b="1" u="sng" dirty="0"/>
                   <a:t>localization net</a:t>
                 </a:r>
                 <a:r>
-                  <a:rPr lang="ko-KR" altLang="en-US" dirty="0"/>
+                  <a:rPr lang="ko-KR" altLang="en-US" sz="1600" dirty="0"/>
                   <a:t>에 들어가서 </a:t>
                 </a:r>
                 <a:r>
-                  <a:rPr lang="en-US" altLang="ko-KR" dirty="0">
+                  <a:rPr lang="en-US" altLang="ko-KR" sz="1600" dirty="0">
                     <a:solidFill>
                       <a:srgbClr val="6087CE"/>
                     </a:solidFill>
@@ -11045,7 +10090,7 @@
                 <a14:m>
                   <m:oMath xmlns:m="http://schemas.openxmlformats.org/officeDocument/2006/math">
                     <m:r>
-                      <a:rPr lang="ko-KR" altLang="en-US" b="0" i="1" smtClean="0">
+                      <a:rPr lang="ko-KR" altLang="en-US" sz="1600" b="0" i="1" smtClean="0">
                         <a:solidFill>
                           <a:srgbClr val="6087CE"/>
                         </a:solidFill>
@@ -11054,7 +10099,7 @@
                       <m:t>𝜃</m:t>
                     </m:r>
                     <m:r>
-                      <a:rPr lang="en-US" altLang="ko-KR" b="0" i="1" smtClean="0">
+                      <a:rPr lang="en-US" altLang="ko-KR" sz="1600" b="0" i="1" smtClean="0">
                         <a:solidFill>
                           <a:srgbClr val="6087CE"/>
                         </a:solidFill>
@@ -11063,7 +10108,7 @@
                       <m:t> </m:t>
                     </m:r>
                     <m:r>
-                      <a:rPr lang="ko-KR" altLang="en-US" b="0" i="1">
+                      <a:rPr lang="ko-KR" altLang="en-US" sz="1600" b="0" i="1">
                         <a:latin typeface="Cambria Math" panose="02040503050406030204" pitchFamily="18" charset="0"/>
                       </a:rPr>
                       <m:t>를</m:t>
@@ -11071,15 +10116,15 @@
                   </m:oMath>
                 </a14:m>
                 <a:r>
-                  <a:rPr lang="en-US" altLang="ko-KR" dirty="0"/>
+                  <a:rPr lang="en-US" altLang="ko-KR" sz="1600" dirty="0"/>
                   <a:t> </a:t>
                 </a:r>
                 <a:r>
-                  <a:rPr lang="ko-KR" altLang="en-US" dirty="0"/>
+                  <a:rPr lang="ko-KR" altLang="en-US" sz="1600" dirty="0"/>
                   <a:t>뽑아낸다</a:t>
                 </a:r>
                 <a:r>
-                  <a:rPr lang="en-US" altLang="ko-KR" dirty="0"/>
+                  <a:rPr lang="en-US" altLang="ko-KR" sz="1600" dirty="0"/>
                   <a:t>.</a:t>
                 </a:r>
               </a:p>
@@ -11095,13 +10140,13 @@
                   <a:buAutoNum type="arabicPeriod"/>
                 </a:pPr>
                 <a:r>
-                  <a:rPr lang="ko-KR" altLang="en-US" b="0" dirty="0"/>
+                  <a:rPr lang="ko-KR" altLang="en-US" sz="1600" b="0" dirty="0"/>
                   <a:t> </a:t>
                 </a:r>
                 <a14:m>
                   <m:oMath xmlns:m="http://schemas.openxmlformats.org/officeDocument/2006/math">
                     <m:r>
-                      <a:rPr lang="ko-KR" altLang="en-US" b="0" i="1" smtClean="0">
+                      <a:rPr lang="ko-KR" altLang="en-US" sz="1600" b="0" i="1" smtClean="0">
                         <a:solidFill>
                           <a:srgbClr val="FF7D7D"/>
                         </a:solidFill>
@@ -11110,7 +10155,7 @@
                       <m:t>𝜃</m:t>
                     </m:r>
                     <m:r>
-                      <a:rPr lang="ko-KR" altLang="en-US" b="0" i="1" smtClean="0">
+                      <a:rPr lang="ko-KR" altLang="en-US" sz="1600" b="0" i="1" smtClean="0">
                         <a:solidFill>
                           <a:srgbClr val="FF7D7D"/>
                         </a:solidFill>
@@ -11121,23 +10166,23 @@
                   </m:oMath>
                 </a14:m>
                 <a:r>
-                  <a:rPr lang="ko-KR" altLang="en-US" dirty="0"/>
+                  <a:rPr lang="ko-KR" altLang="en-US" sz="1600" dirty="0"/>
                   <a:t>는</a:t>
                 </a:r>
                 <a:r>
-                  <a:rPr lang="en-US" altLang="ko-KR" dirty="0"/>
+                  <a:rPr lang="en-US" altLang="ko-KR" sz="1600" dirty="0"/>
                   <a:t> </a:t>
                 </a:r>
                 <a:r>
-                  <a:rPr lang="en-US" altLang="ko-KR" b="1" u="sng" dirty="0"/>
+                  <a:rPr lang="en-US" altLang="ko-KR" sz="1600" b="1" u="sng" dirty="0"/>
                   <a:t>Grid generator</a:t>
                 </a:r>
                 <a:r>
-                  <a:rPr lang="ko-KR" altLang="en-US" dirty="0"/>
+                  <a:rPr lang="ko-KR" altLang="en-US" sz="1600" dirty="0"/>
                   <a:t>에 들어가서 샘플링 지점의 위치가 지정된 </a:t>
                 </a:r>
                 <a:r>
-                  <a:rPr lang="en-US" altLang="ko-KR" dirty="0">
+                  <a:rPr lang="en-US" altLang="ko-KR" sz="1600" dirty="0">
                     <a:solidFill>
                       <a:srgbClr val="6087CE"/>
                     </a:solidFill>
@@ -11149,7 +10194,7 @@
                     <m:sSub>
                       <m:sSubPr>
                         <m:ctrlPr>
-                          <a:rPr lang="en-US" altLang="ko-KR" i="1" smtClean="0">
+                          <a:rPr lang="en-US" altLang="ko-KR" sz="1600" i="1" smtClean="0">
                             <a:solidFill>
                               <a:srgbClr val="6087CE"/>
                             </a:solidFill>
@@ -11159,7 +10204,7 @@
                       </m:sSubPr>
                       <m:e>
                         <m:r>
-                          <a:rPr lang="en-US" altLang="ko-KR" b="0" i="1" smtClean="0">
+                          <a:rPr lang="en-US" altLang="ko-KR" sz="1600" b="0" i="1" smtClean="0">
                             <a:solidFill>
                               <a:srgbClr val="6087CE"/>
                             </a:solidFill>
@@ -11170,7 +10215,7 @@
                       </m:e>
                       <m:sub>
                         <m:r>
-                          <a:rPr lang="ko-KR" altLang="en-US" b="0" i="1">
+                          <a:rPr lang="ko-KR" altLang="en-US" sz="1600" b="0" i="1">
                             <a:solidFill>
                               <a:srgbClr val="6087CE"/>
                             </a:solidFill>
@@ -11181,7 +10226,7 @@
                       </m:sub>
                     </m:sSub>
                     <m:r>
-                      <a:rPr lang="en-US" altLang="ko-KR" b="0" i="1" smtClean="0">
+                      <a:rPr lang="en-US" altLang="ko-KR" sz="1600" b="0" i="1" smtClean="0">
                         <a:solidFill>
                           <a:srgbClr val="6087CE"/>
                         </a:solidFill>
@@ -11190,7 +10235,7 @@
                       <m:t>(</m:t>
                     </m:r>
                     <m:r>
-                      <a:rPr lang="en-US" altLang="ko-KR" b="0" i="1" smtClean="0">
+                      <a:rPr lang="en-US" altLang="ko-KR" sz="1600" b="0" i="1" smtClean="0">
                         <a:solidFill>
                           <a:srgbClr val="6087CE"/>
                         </a:solidFill>
@@ -11199,7 +10244,7 @@
                       <m:t>𝐺</m:t>
                     </m:r>
                     <m:r>
-                      <a:rPr lang="en-US" altLang="ko-KR" b="0" i="1" smtClean="0">
+                      <a:rPr lang="en-US" altLang="ko-KR" sz="1600" b="0" i="1" smtClean="0">
                         <a:solidFill>
                           <a:srgbClr val="6087CE"/>
                         </a:solidFill>
@@ -11208,7 +10253,7 @@
                       <m:t>)</m:t>
                     </m:r>
                     <m:r>
-                      <a:rPr lang="ko-KR" altLang="en-US" b="0" i="1">
+                      <a:rPr lang="ko-KR" altLang="en-US" sz="1600" b="0" i="1">
                         <a:latin typeface="Cambria Math" panose="02040503050406030204" pitchFamily="18" charset="0"/>
                       </a:rPr>
                       <m:t>를</m:t>
@@ -11216,15 +10261,15 @@
                   </m:oMath>
                 </a14:m>
                 <a:r>
-                  <a:rPr lang="en-US" altLang="ko-KR" dirty="0"/>
+                  <a:rPr lang="en-US" altLang="ko-KR" sz="1600" dirty="0"/>
                   <a:t> </a:t>
                 </a:r>
                 <a:r>
-                  <a:rPr lang="ko-KR" altLang="en-US" dirty="0"/>
+                  <a:rPr lang="ko-KR" altLang="en-US" sz="1600" dirty="0"/>
                   <a:t>생성한다</a:t>
                 </a:r>
                 <a:r>
-                  <a:rPr lang="en-US" altLang="ko-KR" dirty="0"/>
+                  <a:rPr lang="en-US" altLang="ko-KR" sz="1600" dirty="0"/>
                   <a:t>.</a:t>
                 </a:r>
               </a:p>
@@ -11240,15 +10285,15 @@
                   <a:buAutoNum type="arabicPeriod"/>
                 </a:pPr>
                 <a:r>
-                  <a:rPr lang="en-US" altLang="ko-KR" b="1" u="sng" dirty="0"/>
+                  <a:rPr lang="en-US" altLang="ko-KR" sz="1600" b="1" u="sng" dirty="0"/>
                   <a:t>Sampler</a:t>
                 </a:r>
                 <a:r>
-                  <a:rPr lang="ko-KR" altLang="en-US" dirty="0"/>
+                  <a:rPr lang="ko-KR" altLang="en-US" sz="1600" dirty="0"/>
                   <a:t>에는 </a:t>
                 </a:r>
                 <a:r>
-                  <a:rPr lang="en-US" altLang="ko-KR" dirty="0">
+                  <a:rPr lang="en-US" altLang="ko-KR" sz="1600" dirty="0">
                     <a:solidFill>
                       <a:srgbClr val="FF7D7D"/>
                     </a:solidFill>
@@ -11256,7 +10301,7 @@
                   <a:t>U</a:t>
                 </a:r>
                 <a:r>
-                  <a:rPr lang="ko-KR" altLang="en-US" dirty="0">
+                  <a:rPr lang="ko-KR" altLang="en-US" sz="1600" dirty="0">
                     <a:solidFill>
                       <a:srgbClr val="FF7D7D"/>
                     </a:solidFill>
@@ -11268,7 +10313,7 @@
                     <m:sSub>
                       <m:sSubPr>
                         <m:ctrlPr>
-                          <a:rPr lang="en-US" altLang="ko-KR" i="1" smtClean="0">
+                          <a:rPr lang="en-US" altLang="ko-KR" sz="1600" i="1" smtClean="0">
                             <a:solidFill>
                               <a:srgbClr val="FF7D7D"/>
                             </a:solidFill>
@@ -11278,7 +10323,7 @@
                       </m:sSubPr>
                       <m:e>
                         <m:r>
-                          <a:rPr lang="en-US" altLang="ko-KR" b="0" i="1" smtClean="0">
+                          <a:rPr lang="en-US" altLang="ko-KR" sz="1600" b="0" i="1" smtClean="0">
                             <a:solidFill>
                               <a:srgbClr val="FF7D7D"/>
                             </a:solidFill>
@@ -11289,7 +10334,7 @@
                       </m:e>
                       <m:sub>
                         <m:r>
-                          <a:rPr lang="ko-KR" altLang="en-US" b="0" i="1">
+                          <a:rPr lang="ko-KR" altLang="en-US" sz="1600" b="0" i="1">
                             <a:solidFill>
                               <a:srgbClr val="FF7D7D"/>
                             </a:solidFill>
@@ -11300,7 +10345,7 @@
                       </m:sub>
                     </m:sSub>
                     <m:r>
-                      <a:rPr lang="en-US" altLang="ko-KR" b="0" i="1" smtClean="0">
+                      <a:rPr lang="en-US" altLang="ko-KR" sz="1600" b="0" i="1" smtClean="0">
                         <a:solidFill>
                           <a:srgbClr val="FF7D7D"/>
                         </a:solidFill>
@@ -11309,7 +10354,7 @@
                       <m:t>(</m:t>
                     </m:r>
                     <m:r>
-                      <a:rPr lang="en-US" altLang="ko-KR" b="0" i="1" smtClean="0">
+                      <a:rPr lang="en-US" altLang="ko-KR" sz="1600" b="0" i="1" smtClean="0">
                         <a:solidFill>
                           <a:srgbClr val="FF7D7D"/>
                         </a:solidFill>
@@ -11318,7 +10363,7 @@
                       <m:t>𝐺</m:t>
                     </m:r>
                     <m:r>
-                      <a:rPr lang="en-US" altLang="ko-KR" b="0" i="1" smtClean="0">
+                      <a:rPr lang="en-US" altLang="ko-KR" sz="1600" b="0" i="1" smtClean="0">
                         <a:solidFill>
                           <a:srgbClr val="FF7D7D"/>
                         </a:solidFill>
@@ -11329,19 +10374,19 @@
                   </m:oMath>
                 </a14:m>
                 <a:r>
-                  <a:rPr lang="ko-KR" altLang="en-US" dirty="0"/>
+                  <a:rPr lang="ko-KR" altLang="en-US" sz="1600" dirty="0"/>
                   <a:t>가</a:t>
                 </a:r>
                 <a:r>
-                  <a:rPr lang="en-US" altLang="ko-KR" dirty="0"/>
+                  <a:rPr lang="en-US" altLang="ko-KR" sz="1600" dirty="0"/>
                   <a:t> </a:t>
                 </a:r>
                 <a:r>
-                  <a:rPr lang="ko-KR" altLang="en-US" dirty="0"/>
+                  <a:rPr lang="ko-KR" altLang="en-US" sz="1600" dirty="0"/>
                   <a:t>입력으로 들어간다</a:t>
                 </a:r>
                 <a:r>
-                  <a:rPr lang="en-US" altLang="ko-KR" dirty="0"/>
+                  <a:rPr lang="en-US" altLang="ko-KR" sz="1600" dirty="0"/>
                   <a:t>.</a:t>
                 </a:r>
               </a:p>
@@ -11352,7 +10397,7 @@
                   </a:lnSpc>
                 </a:pPr>
                 <a:r>
-                  <a:rPr lang="en-US" altLang="ko-KR" dirty="0"/>
+                  <a:rPr lang="en-US" altLang="ko-KR" sz="1600" dirty="0"/>
                   <a:t>&gt; </a:t>
                 </a:r>
                 <a14:m>
@@ -11360,14 +10405,14 @@
                     <m:sSub>
                       <m:sSubPr>
                         <m:ctrlPr>
-                          <a:rPr lang="en-US" altLang="ko-KR" i="1" smtClean="0">
+                          <a:rPr lang="en-US" altLang="ko-KR" sz="1600" i="1" smtClean="0">
                             <a:latin typeface="Cambria Math" panose="02040503050406030204" pitchFamily="18" charset="0"/>
                           </a:rPr>
                         </m:ctrlPr>
                       </m:sSubPr>
                       <m:e>
                         <m:r>
-                          <a:rPr lang="en-US" altLang="ko-KR" b="0" i="1" smtClean="0">
+                          <a:rPr lang="en-US" altLang="ko-KR" sz="1600" b="0" i="1" smtClean="0">
                             <a:latin typeface="Cambria Math" panose="02040503050406030204" pitchFamily="18" charset="0"/>
                           </a:rPr>
                           <m:t>𝑇</m:t>
@@ -11375,7 +10420,7 @@
                       </m:e>
                       <m:sub>
                         <m:r>
-                          <a:rPr lang="ko-KR" altLang="en-US" b="0" i="1">
+                          <a:rPr lang="ko-KR" altLang="en-US" sz="1600" b="0" i="1">
                             <a:latin typeface="Cambria Math" panose="02040503050406030204" pitchFamily="18" charset="0"/>
                           </a:rPr>
                           <m:t>𝜃</m:t>
@@ -11383,19 +10428,19 @@
                       </m:sub>
                     </m:sSub>
                     <m:r>
-                      <a:rPr lang="en-US" altLang="ko-KR" b="0" i="1" smtClean="0">
+                      <a:rPr lang="en-US" altLang="ko-KR" sz="1600" b="0" i="1" smtClean="0">
                         <a:latin typeface="Cambria Math" panose="02040503050406030204" pitchFamily="18" charset="0"/>
                       </a:rPr>
                       <m:t>(</m:t>
                     </m:r>
                     <m:r>
-                      <a:rPr lang="en-US" altLang="ko-KR" b="0" i="1" smtClean="0">
+                      <a:rPr lang="en-US" altLang="ko-KR" sz="1600" b="0" i="1" smtClean="0">
                         <a:latin typeface="Cambria Math" panose="02040503050406030204" pitchFamily="18" charset="0"/>
                       </a:rPr>
                       <m:t>𝐺</m:t>
                     </m:r>
                     <m:r>
-                      <a:rPr lang="en-US" altLang="ko-KR" b="0" i="1" smtClean="0">
+                      <a:rPr lang="en-US" altLang="ko-KR" sz="1600" b="0" i="1" smtClean="0">
                         <a:latin typeface="Cambria Math" panose="02040503050406030204" pitchFamily="18" charset="0"/>
                       </a:rPr>
                       <m:t>)</m:t>
@@ -11403,31 +10448,31 @@
                   </m:oMath>
                 </a14:m>
                 <a:r>
-                  <a:rPr lang="ko-KR" altLang="en-US" dirty="0"/>
+                  <a:rPr lang="ko-KR" altLang="en-US" sz="1600" dirty="0"/>
                   <a:t>에는 </a:t>
                 </a:r>
                 <a:r>
-                  <a:rPr lang="en-US" altLang="ko-KR" dirty="0"/>
+                  <a:rPr lang="en-US" altLang="ko-KR" sz="1600" dirty="0"/>
                   <a:t>sampling point</a:t>
                 </a:r>
                 <a:r>
-                  <a:rPr lang="ko-KR" altLang="en-US" dirty="0"/>
+                  <a:rPr lang="ko-KR" altLang="en-US" sz="1600" dirty="0"/>
                   <a:t>가 찍혀 있기 때문에 그것을 </a:t>
                 </a:r>
                 <a:r>
-                  <a:rPr lang="en-US" altLang="ko-KR" dirty="0"/>
+                  <a:rPr lang="en-US" altLang="ko-KR" sz="1600" dirty="0"/>
                   <a:t>U</a:t>
                 </a:r>
                 <a:r>
-                  <a:rPr lang="ko-KR" altLang="en-US" dirty="0"/>
+                  <a:rPr lang="ko-KR" altLang="en-US" sz="1600" dirty="0"/>
                   <a:t>에 적용하면 </a:t>
                 </a:r>
                 <a:r>
-                  <a:rPr lang="en-US" altLang="ko-KR" dirty="0"/>
+                  <a:rPr lang="en-US" altLang="ko-KR" sz="1600" dirty="0"/>
                   <a:t>output feature map </a:t>
                 </a:r>
                 <a:r>
-                  <a:rPr lang="en-US" altLang="ko-KR" dirty="0">
+                  <a:rPr lang="en-US" altLang="ko-KR" sz="1600" dirty="0">
                     <a:solidFill>
                       <a:srgbClr val="6087CE"/>
                     </a:solidFill>
@@ -11435,15 +10480,15 @@
                   <a:t>V</a:t>
                 </a:r>
                 <a:r>
-                  <a:rPr lang="ko-KR" altLang="en-US" dirty="0"/>
+                  <a:rPr lang="ko-KR" altLang="en-US" sz="1600" dirty="0"/>
                   <a:t>를 뽑아낼 수 있음</a:t>
                 </a:r>
-                <a:endParaRPr lang="en-US" altLang="ko-KR" dirty="0"/>
+                <a:endParaRPr lang="en-US" altLang="ko-KR" sz="1600" dirty="0"/>
               </a:p>
             </p:txBody>
           </p:sp>
         </mc:Choice>
-        <mc:Fallback xmlns="">
+        <mc:Fallback>
           <p:sp>
             <p:nvSpPr>
               <p:cNvPr id="8" name="TextBox 7">
@@ -11460,8 +10505,8 @@
             </p:nvSpPr>
             <p:spPr>
               <a:xfrm>
-                <a:off x="6760402" y="1511566"/>
-                <a:ext cx="4863950" cy="4921540"/>
+                <a:off x="6918960" y="1689790"/>
+                <a:ext cx="4705392" cy="4049891"/>
               </a:xfrm>
               <a:prstGeom prst="roundRect">
                 <a:avLst>
@@ -11471,7 +10516,7 @@
               <a:blipFill>
                 <a:blip r:embed="rId3"/>
                 <a:stretch>
-                  <a:fillRect l="-1378" r="-1003" b="-991"/>
+                  <a:fillRect l="-907" r="-1684" b="-902"/>
                 </a:stretch>
               </a:blipFill>
               <a:ln>
@@ -11493,55 +10538,6 @@
           </p:sp>
         </mc:Fallback>
       </mc:AlternateContent>
-      <p:sp>
-        <p:nvSpPr>
-          <p:cNvPr id="10" name="TextBox 9">
-            <a:extLst>
-              <a:ext uri="{FF2B5EF4-FFF2-40B4-BE49-F238E27FC236}">
-                <a16:creationId xmlns:a16="http://schemas.microsoft.com/office/drawing/2014/main" id="{04EF979A-AEA2-A25E-5F21-3BCE929CC356}"/>
-              </a:ext>
-            </a:extLst>
-          </p:cNvPr>
-          <p:cNvSpPr txBox="1"/>
-          <p:nvPr/>
-        </p:nvSpPr>
-        <p:spPr>
-          <a:xfrm>
-            <a:off x="11320671" y="0"/>
-            <a:ext cx="871330" cy="369332"/>
-          </a:xfrm>
-          <a:prstGeom prst="rect">
-            <a:avLst/>
-          </a:prstGeom>
-          <a:noFill/>
-        </p:spPr>
-        <p:txBody>
-          <a:bodyPr wrap="square" rtlCol="0">
-            <a:spAutoFit/>
-          </a:bodyPr>
-          <a:lstStyle/>
-          <a:p>
-            <a:pPr algn="r"/>
-            <a:r>
-              <a:rPr lang="en-US" altLang="ko-KR" dirty="0">
-                <a:solidFill>
-                  <a:schemeClr val="bg2">
-                    <a:lumMod val="50000"/>
-                  </a:schemeClr>
-                </a:solidFill>
-              </a:rPr>
-              <a:t>3/13</a:t>
-            </a:r>
-            <a:endParaRPr lang="ko-KR" altLang="en-US" dirty="0">
-              <a:solidFill>
-                <a:schemeClr val="bg2">
-                  <a:lumMod val="50000"/>
-                </a:schemeClr>
-              </a:solidFill>
-            </a:endParaRPr>
-          </a:p>
-        </p:txBody>
-      </p:sp>
       <p:pic>
         <p:nvPicPr>
           <p:cNvPr id="12" name="Picture 2">
@@ -11603,8 +10599,8 @@
         </p:nvSpPr>
         <p:spPr>
           <a:xfrm>
-            <a:off x="0" y="6557694"/>
-            <a:ext cx="7254997" cy="307777"/>
+            <a:off x="0" y="6611779"/>
+            <a:ext cx="7254997" cy="246221"/>
           </a:xfrm>
           <a:prstGeom prst="rect">
             <a:avLst/>
@@ -11618,7 +10614,7 @@
           <a:lstStyle/>
           <a:p>
             <a:r>
-              <a:rPr lang="ko-KR" altLang="en-US" sz="1400" dirty="0">
+              <a:rPr lang="ko-KR" altLang="en-US" sz="1000" dirty="0">
                 <a:solidFill>
                   <a:schemeClr val="bg1">
                     <a:lumMod val="50000"/>
@@ -11627,6 +10623,73 @@
               </a:rPr>
               <a:t>https://manjunathbhat9920.medium.com/spatial-transformer-network-82666f184299</a:t>
             </a:r>
+          </a:p>
+        </p:txBody>
+      </p:sp>
+      <p:sp>
+        <p:nvSpPr>
+          <p:cNvPr id="2" name="제목 1">
+            <a:extLst>
+              <a:ext uri="{FF2B5EF4-FFF2-40B4-BE49-F238E27FC236}">
+                <a16:creationId xmlns:a16="http://schemas.microsoft.com/office/drawing/2014/main" id="{FD6915A4-E0A8-343E-0E6A-CDC1F835CF1D}"/>
+              </a:ext>
+            </a:extLst>
+          </p:cNvPr>
+          <p:cNvSpPr txBox="1">
+            <a:spLocks/>
+          </p:cNvSpPr>
+          <p:nvPr/>
+        </p:nvSpPr>
+        <p:spPr>
+          <a:xfrm>
+            <a:off x="-14748" y="1"/>
+            <a:ext cx="10454030" cy="255116"/>
+          </a:xfrm>
+          <a:prstGeom prst="rect">
+            <a:avLst/>
+          </a:prstGeom>
+        </p:spPr>
+        <p:txBody>
+          <a:bodyPr vert="horz" lIns="91440" tIns="45720" rIns="91440" bIns="45720" rtlCol="0" anchor="ctr">
+            <a:noAutofit/>
+          </a:bodyPr>
+          <a:lstStyle>
+            <a:lvl1pPr algn="l" defTabSz="914400" rtl="0" eaLnBrk="1" latinLnBrk="1" hangingPunct="1">
+              <a:lnSpc>
+                <a:spcPct val="90000"/>
+              </a:lnSpc>
+              <a:spcBef>
+                <a:spcPct val="0"/>
+              </a:spcBef>
+              <a:buNone/>
+              <a:defRPr sz="4400" kern="1200">
+                <a:solidFill>
+                  <a:schemeClr val="tx1"/>
+                </a:solidFill>
+                <a:latin typeface="+mj-lt"/>
+                <a:ea typeface="+mj-ea"/>
+                <a:cs typeface="+mj-cs"/>
+              </a:defRPr>
+            </a:lvl1pPr>
+          </a:lstStyle>
+          <a:p>
+            <a:r>
+              <a:rPr lang="en-US" altLang="ko-KR" sz="1100">
+                <a:solidFill>
+                  <a:schemeClr val="bg1">
+                    <a:lumMod val="50000"/>
+                  </a:schemeClr>
+                </a:solidFill>
+              </a:rPr>
+              <a:t>Jaderberg, Max, Karen Simonyan, and Andrew Zisserman. "Spatial transformer networks." Advances in neural information processing systems 28 (2015).</a:t>
+            </a:r>
+            <a:endParaRPr lang="ko-KR" altLang="en-US" sz="1100" dirty="0">
+              <a:solidFill>
+                <a:schemeClr val="bg1">
+                  <a:lumMod val="50000"/>
+                </a:schemeClr>
+              </a:solidFill>
+            </a:endParaRPr>
           </a:p>
         </p:txBody>
       </p:sp>
@@ -11706,58 +10769,6 @@
           </a:fontRef>
         </p:style>
       </p:cxnSp>
-      <p:sp>
-        <p:nvSpPr>
-          <p:cNvPr id="9" name="제목 1">
-            <a:extLst>
-              <a:ext uri="{FF2B5EF4-FFF2-40B4-BE49-F238E27FC236}">
-                <a16:creationId xmlns:a16="http://schemas.microsoft.com/office/drawing/2014/main" id="{05596BCF-D308-A29D-49E5-1678F5F8F27E}"/>
-              </a:ext>
-            </a:extLst>
-          </p:cNvPr>
-          <p:cNvSpPr>
-            <a:spLocks noGrp="1"/>
-          </p:cNvSpPr>
-          <p:nvPr>
-            <p:ph type="title"/>
-          </p:nvPr>
-        </p:nvSpPr>
-        <p:spPr>
-          <a:xfrm>
-            <a:off x="-14748" y="0"/>
-            <a:ext cx="10454030" cy="404445"/>
-          </a:xfrm>
-        </p:spPr>
-        <p:txBody>
-          <a:bodyPr>
-            <a:noAutofit/>
-          </a:bodyPr>
-          <a:lstStyle/>
-          <a:p>
-            <a:pPr marL="285750" indent="-285750">
-              <a:buFont typeface="Wingdings" panose="05000000000000000000" pitchFamily="2" charset="2"/>
-              <a:buChar char="v"/>
-            </a:pPr>
-            <a:r>
-              <a:rPr lang="en-US" altLang="ko-KR" sz="1800" dirty="0">
-                <a:solidFill>
-                  <a:schemeClr val="bg1">
-                    <a:lumMod val="50000"/>
-                  </a:schemeClr>
-                </a:solidFill>
-              </a:rPr>
-              <a:t>Spatial Transformer Networks</a:t>
-            </a:r>
-            <a:endParaRPr lang="ko-KR" altLang="en-US" sz="1800" dirty="0">
-              <a:solidFill>
-                <a:schemeClr val="bg1">
-                  <a:lumMod val="50000"/>
-                </a:schemeClr>
-              </a:solidFill>
-            </a:endParaRPr>
-          </a:p>
-        </p:txBody>
-      </p:sp>
       <p:sp>
         <p:nvSpPr>
           <p:cNvPr id="11" name="TextBox 10">
@@ -12562,46 +11573,64 @@
       </p:pic>
       <p:sp>
         <p:nvSpPr>
-          <p:cNvPr id="8" name="TextBox 7">
+          <p:cNvPr id="10" name="제목 1">
             <a:extLst>
               <a:ext uri="{FF2B5EF4-FFF2-40B4-BE49-F238E27FC236}">
-                <a16:creationId xmlns:a16="http://schemas.microsoft.com/office/drawing/2014/main" id="{53036097-4167-930C-D0CE-11D017FC9DFF}"/>
+                <a16:creationId xmlns:a16="http://schemas.microsoft.com/office/drawing/2014/main" id="{2BCDB4D3-2759-3BD4-5B89-334CC19D82BE}"/>
               </a:ext>
             </a:extLst>
           </p:cNvPr>
-          <p:cNvSpPr txBox="1"/>
+          <p:cNvSpPr txBox="1">
+            <a:spLocks/>
+          </p:cNvSpPr>
           <p:nvPr/>
         </p:nvSpPr>
         <p:spPr>
           <a:xfrm>
-            <a:off x="11320671" y="0"/>
-            <a:ext cx="871330" cy="369332"/>
+            <a:off x="-14748" y="1"/>
+            <a:ext cx="10454030" cy="255116"/>
           </a:xfrm>
           <a:prstGeom prst="rect">
             <a:avLst/>
           </a:prstGeom>
-          <a:noFill/>
         </p:spPr>
         <p:txBody>
-          <a:bodyPr wrap="square" rtlCol="0">
-            <a:spAutoFit/>
+          <a:bodyPr vert="horz" lIns="91440" tIns="45720" rIns="91440" bIns="45720" rtlCol="0" anchor="ctr">
+            <a:noAutofit/>
           </a:bodyPr>
-          <a:lstStyle/>
-          <a:p>
-            <a:pPr algn="r"/>
-            <a:r>
-              <a:rPr lang="en-US" altLang="ko-KR" dirty="0">
+          <a:lstStyle>
+            <a:lvl1pPr algn="l" defTabSz="914400" rtl="0" eaLnBrk="1" latinLnBrk="1" hangingPunct="1">
+              <a:lnSpc>
+                <a:spcPct val="90000"/>
+              </a:lnSpc>
+              <a:spcBef>
+                <a:spcPct val="0"/>
+              </a:spcBef>
+              <a:buNone/>
+              <a:defRPr sz="4400" kern="1200">
                 <a:solidFill>
-                  <a:schemeClr val="bg2">
+                  <a:schemeClr val="tx1"/>
+                </a:solidFill>
+                <a:latin typeface="+mj-lt"/>
+                <a:ea typeface="+mj-ea"/>
+                <a:cs typeface="+mj-cs"/>
+              </a:defRPr>
+            </a:lvl1pPr>
+          </a:lstStyle>
+          <a:p>
+            <a:r>
+              <a:rPr lang="en-US" altLang="ko-KR" sz="1100">
+                <a:solidFill>
+                  <a:schemeClr val="bg1">
                     <a:lumMod val="50000"/>
                   </a:schemeClr>
                 </a:solidFill>
               </a:rPr>
-              <a:t>4/13</a:t>
-            </a:r>
-            <a:endParaRPr lang="ko-KR" altLang="en-US" dirty="0">
+              <a:t>Jaderberg, Max, Karen Simonyan, and Andrew Zisserman. "Spatial transformer networks." Advances in neural information processing systems 28 (2015).</a:t>
+            </a:r>
+            <a:endParaRPr lang="ko-KR" altLang="en-US" sz="1100" dirty="0">
               <a:solidFill>
-                <a:schemeClr val="bg2">
+                <a:schemeClr val="bg1">
                   <a:lumMod val="50000"/>
                 </a:schemeClr>
               </a:solidFill>
@@ -12685,58 +11714,6 @@
           </a:fontRef>
         </p:style>
       </p:cxnSp>
-      <p:sp>
-        <p:nvSpPr>
-          <p:cNvPr id="9" name="제목 1">
-            <a:extLst>
-              <a:ext uri="{FF2B5EF4-FFF2-40B4-BE49-F238E27FC236}">
-                <a16:creationId xmlns:a16="http://schemas.microsoft.com/office/drawing/2014/main" id="{05596BCF-D308-A29D-49E5-1678F5F8F27E}"/>
-              </a:ext>
-            </a:extLst>
-          </p:cNvPr>
-          <p:cNvSpPr>
-            <a:spLocks noGrp="1"/>
-          </p:cNvSpPr>
-          <p:nvPr>
-            <p:ph type="title"/>
-          </p:nvPr>
-        </p:nvSpPr>
-        <p:spPr>
-          <a:xfrm>
-            <a:off x="-14748" y="0"/>
-            <a:ext cx="10454030" cy="404445"/>
-          </a:xfrm>
-        </p:spPr>
-        <p:txBody>
-          <a:bodyPr>
-            <a:noAutofit/>
-          </a:bodyPr>
-          <a:lstStyle/>
-          <a:p>
-            <a:pPr marL="285750" indent="-285750">
-              <a:buFont typeface="Wingdings" panose="05000000000000000000" pitchFamily="2" charset="2"/>
-              <a:buChar char="v"/>
-            </a:pPr>
-            <a:r>
-              <a:rPr lang="en-US" altLang="ko-KR" sz="1800" dirty="0">
-                <a:solidFill>
-                  <a:schemeClr val="bg1">
-                    <a:lumMod val="50000"/>
-                  </a:schemeClr>
-                </a:solidFill>
-              </a:rPr>
-              <a:t>Spatial Transformer Networks</a:t>
-            </a:r>
-            <a:endParaRPr lang="ko-KR" altLang="en-US" sz="1800" dirty="0">
-              <a:solidFill>
-                <a:schemeClr val="bg1">
-                  <a:lumMod val="50000"/>
-                </a:schemeClr>
-              </a:solidFill>
-            </a:endParaRPr>
-          </a:p>
-        </p:txBody>
-      </p:sp>
       <p:sp>
         <p:nvSpPr>
           <p:cNvPr id="11" name="TextBox 10">
@@ -14854,46 +13831,64 @@
       </mc:AlternateContent>
       <p:sp>
         <p:nvSpPr>
-          <p:cNvPr id="23" name="TextBox 22">
+          <p:cNvPr id="2" name="제목 1">
             <a:extLst>
               <a:ext uri="{FF2B5EF4-FFF2-40B4-BE49-F238E27FC236}">
-                <a16:creationId xmlns:a16="http://schemas.microsoft.com/office/drawing/2014/main" id="{D63093DB-AA0D-395B-B2F8-AEC75DE41160}"/>
+                <a16:creationId xmlns:a16="http://schemas.microsoft.com/office/drawing/2014/main" id="{1086DD57-0606-2710-7721-9CE07E5657FA}"/>
               </a:ext>
             </a:extLst>
           </p:cNvPr>
-          <p:cNvSpPr txBox="1"/>
+          <p:cNvSpPr txBox="1">
+            <a:spLocks/>
+          </p:cNvSpPr>
           <p:nvPr/>
         </p:nvSpPr>
         <p:spPr>
           <a:xfrm>
-            <a:off x="11320671" y="0"/>
-            <a:ext cx="871330" cy="369332"/>
+            <a:off x="-14748" y="1"/>
+            <a:ext cx="10454030" cy="255116"/>
           </a:xfrm>
           <a:prstGeom prst="rect">
             <a:avLst/>
           </a:prstGeom>
-          <a:noFill/>
         </p:spPr>
         <p:txBody>
-          <a:bodyPr wrap="square" rtlCol="0">
-            <a:spAutoFit/>
+          <a:bodyPr vert="horz" lIns="91440" tIns="45720" rIns="91440" bIns="45720" rtlCol="0" anchor="ctr">
+            <a:noAutofit/>
           </a:bodyPr>
-          <a:lstStyle/>
-          <a:p>
-            <a:pPr algn="r"/>
-            <a:r>
-              <a:rPr lang="en-US" altLang="ko-KR" dirty="0">
+          <a:lstStyle>
+            <a:lvl1pPr algn="l" defTabSz="914400" rtl="0" eaLnBrk="1" latinLnBrk="1" hangingPunct="1">
+              <a:lnSpc>
+                <a:spcPct val="90000"/>
+              </a:lnSpc>
+              <a:spcBef>
+                <a:spcPct val="0"/>
+              </a:spcBef>
+              <a:buNone/>
+              <a:defRPr sz="4400" kern="1200">
                 <a:solidFill>
-                  <a:schemeClr val="bg2">
+                  <a:schemeClr val="tx1"/>
+                </a:solidFill>
+                <a:latin typeface="+mj-lt"/>
+                <a:ea typeface="+mj-ea"/>
+                <a:cs typeface="+mj-cs"/>
+              </a:defRPr>
+            </a:lvl1pPr>
+          </a:lstStyle>
+          <a:p>
+            <a:r>
+              <a:rPr lang="en-US" altLang="ko-KR" sz="1100">
+                <a:solidFill>
+                  <a:schemeClr val="bg1">
                     <a:lumMod val="50000"/>
                   </a:schemeClr>
                 </a:solidFill>
               </a:rPr>
-              <a:t>5/13</a:t>
-            </a:r>
-            <a:endParaRPr lang="ko-KR" altLang="en-US" dirty="0">
+              <a:t>Jaderberg, Max, Karen Simonyan, and Andrew Zisserman. "Spatial transformer networks." Advances in neural information processing systems 28 (2015).</a:t>
+            </a:r>
+            <a:endParaRPr lang="ko-KR" altLang="en-US" sz="1100" dirty="0">
               <a:solidFill>
-                <a:schemeClr val="bg2">
+                <a:schemeClr val="bg1">
                   <a:lumMod val="50000"/>
                 </a:schemeClr>
               </a:solidFill>
@@ -14977,58 +13972,6 @@
           </a:fontRef>
         </p:style>
       </p:cxnSp>
-      <p:sp>
-        <p:nvSpPr>
-          <p:cNvPr id="9" name="제목 1">
-            <a:extLst>
-              <a:ext uri="{FF2B5EF4-FFF2-40B4-BE49-F238E27FC236}">
-                <a16:creationId xmlns:a16="http://schemas.microsoft.com/office/drawing/2014/main" id="{05596BCF-D308-A29D-49E5-1678F5F8F27E}"/>
-              </a:ext>
-            </a:extLst>
-          </p:cNvPr>
-          <p:cNvSpPr>
-            <a:spLocks noGrp="1"/>
-          </p:cNvSpPr>
-          <p:nvPr>
-            <p:ph type="title"/>
-          </p:nvPr>
-        </p:nvSpPr>
-        <p:spPr>
-          <a:xfrm>
-            <a:off x="-14748" y="0"/>
-            <a:ext cx="10454030" cy="404445"/>
-          </a:xfrm>
-        </p:spPr>
-        <p:txBody>
-          <a:bodyPr>
-            <a:noAutofit/>
-          </a:bodyPr>
-          <a:lstStyle/>
-          <a:p>
-            <a:pPr marL="285750" indent="-285750">
-              <a:buFont typeface="Wingdings" panose="05000000000000000000" pitchFamily="2" charset="2"/>
-              <a:buChar char="v"/>
-            </a:pPr>
-            <a:r>
-              <a:rPr lang="en-US" altLang="ko-KR" sz="1800" dirty="0">
-                <a:solidFill>
-                  <a:schemeClr val="bg1">
-                    <a:lumMod val="50000"/>
-                  </a:schemeClr>
-                </a:solidFill>
-              </a:rPr>
-              <a:t>Spatial Transformer Networks</a:t>
-            </a:r>
-            <a:endParaRPr lang="ko-KR" altLang="en-US" sz="1800" dirty="0">
-              <a:solidFill>
-                <a:schemeClr val="bg1">
-                  <a:lumMod val="50000"/>
-                </a:schemeClr>
-              </a:solidFill>
-            </a:endParaRPr>
-          </a:p>
-        </p:txBody>
-      </p:sp>
       <p:sp>
         <p:nvSpPr>
           <p:cNvPr id="11" name="TextBox 10">
@@ -15752,46 +14695,64 @@
       </p:cxnSp>
       <p:sp>
         <p:nvSpPr>
-          <p:cNvPr id="19" name="TextBox 18">
+          <p:cNvPr id="8" name="제목 1">
             <a:extLst>
               <a:ext uri="{FF2B5EF4-FFF2-40B4-BE49-F238E27FC236}">
-                <a16:creationId xmlns:a16="http://schemas.microsoft.com/office/drawing/2014/main" id="{096EF5BA-99FE-5143-C4A6-CA9D3F2328E4}"/>
+                <a16:creationId xmlns:a16="http://schemas.microsoft.com/office/drawing/2014/main" id="{33946488-35C1-4D1A-330F-9322604735A5}"/>
               </a:ext>
             </a:extLst>
           </p:cNvPr>
-          <p:cNvSpPr txBox="1"/>
+          <p:cNvSpPr txBox="1">
+            <a:spLocks/>
+          </p:cNvSpPr>
           <p:nvPr/>
         </p:nvSpPr>
         <p:spPr>
           <a:xfrm>
-            <a:off x="11320671" y="0"/>
-            <a:ext cx="871330" cy="369332"/>
+            <a:off x="-14748" y="1"/>
+            <a:ext cx="10454030" cy="255116"/>
           </a:xfrm>
           <a:prstGeom prst="rect">
             <a:avLst/>
           </a:prstGeom>
-          <a:noFill/>
         </p:spPr>
         <p:txBody>
-          <a:bodyPr wrap="square" rtlCol="0">
-            <a:spAutoFit/>
+          <a:bodyPr vert="horz" lIns="91440" tIns="45720" rIns="91440" bIns="45720" rtlCol="0" anchor="ctr">
+            <a:noAutofit/>
           </a:bodyPr>
-          <a:lstStyle/>
-          <a:p>
-            <a:pPr algn="r"/>
-            <a:r>
-              <a:rPr lang="en-US" altLang="ko-KR" dirty="0">
+          <a:lstStyle>
+            <a:lvl1pPr algn="l" defTabSz="914400" rtl="0" eaLnBrk="1" latinLnBrk="1" hangingPunct="1">
+              <a:lnSpc>
+                <a:spcPct val="90000"/>
+              </a:lnSpc>
+              <a:spcBef>
+                <a:spcPct val="0"/>
+              </a:spcBef>
+              <a:buNone/>
+              <a:defRPr sz="4400" kern="1200">
                 <a:solidFill>
-                  <a:schemeClr val="bg2">
+                  <a:schemeClr val="tx1"/>
+                </a:solidFill>
+                <a:latin typeface="+mj-lt"/>
+                <a:ea typeface="+mj-ea"/>
+                <a:cs typeface="+mj-cs"/>
+              </a:defRPr>
+            </a:lvl1pPr>
+          </a:lstStyle>
+          <a:p>
+            <a:r>
+              <a:rPr lang="en-US" altLang="ko-KR" sz="1100">
+                <a:solidFill>
+                  <a:schemeClr val="bg1">
                     <a:lumMod val="50000"/>
                   </a:schemeClr>
                 </a:solidFill>
               </a:rPr>
-              <a:t>6/13</a:t>
-            </a:r>
-            <a:endParaRPr lang="ko-KR" altLang="en-US" dirty="0">
+              <a:t>Jaderberg, Max, Karen Simonyan, and Andrew Zisserman. "Spatial transformer networks." Advances in neural information processing systems 28 (2015).</a:t>
+            </a:r>
+            <a:endParaRPr lang="ko-KR" altLang="en-US" sz="1100" dirty="0">
               <a:solidFill>
-                <a:schemeClr val="bg2">
+                <a:schemeClr val="bg1">
                   <a:lumMod val="50000"/>
                 </a:schemeClr>
               </a:solidFill>
@@ -15875,58 +14836,6 @@
           </a:fontRef>
         </p:style>
       </p:cxnSp>
-      <p:sp>
-        <p:nvSpPr>
-          <p:cNvPr id="9" name="제목 1">
-            <a:extLst>
-              <a:ext uri="{FF2B5EF4-FFF2-40B4-BE49-F238E27FC236}">
-                <a16:creationId xmlns:a16="http://schemas.microsoft.com/office/drawing/2014/main" id="{05596BCF-D308-A29D-49E5-1678F5F8F27E}"/>
-              </a:ext>
-            </a:extLst>
-          </p:cNvPr>
-          <p:cNvSpPr>
-            <a:spLocks noGrp="1"/>
-          </p:cNvSpPr>
-          <p:nvPr>
-            <p:ph type="title"/>
-          </p:nvPr>
-        </p:nvSpPr>
-        <p:spPr>
-          <a:xfrm>
-            <a:off x="-14748" y="0"/>
-            <a:ext cx="10454030" cy="404445"/>
-          </a:xfrm>
-        </p:spPr>
-        <p:txBody>
-          <a:bodyPr>
-            <a:noAutofit/>
-          </a:bodyPr>
-          <a:lstStyle/>
-          <a:p>
-            <a:pPr marL="285750" indent="-285750">
-              <a:buFont typeface="Wingdings" panose="05000000000000000000" pitchFamily="2" charset="2"/>
-              <a:buChar char="v"/>
-            </a:pPr>
-            <a:r>
-              <a:rPr lang="en-US" altLang="ko-KR" sz="1800" dirty="0">
-                <a:solidFill>
-                  <a:schemeClr val="bg1">
-                    <a:lumMod val="50000"/>
-                  </a:schemeClr>
-                </a:solidFill>
-              </a:rPr>
-              <a:t>Spatial Transformer Networks</a:t>
-            </a:r>
-            <a:endParaRPr lang="ko-KR" altLang="en-US" sz="1800" dirty="0">
-              <a:solidFill>
-                <a:schemeClr val="bg1">
-                  <a:lumMod val="50000"/>
-                </a:schemeClr>
-              </a:solidFill>
-            </a:endParaRPr>
-          </a:p>
-        </p:txBody>
-      </p:sp>
       <p:sp>
         <p:nvSpPr>
           <p:cNvPr id="11" name="TextBox 10">
@@ -17257,46 +16166,64 @@
       </p:cxnSp>
       <p:sp>
         <p:nvSpPr>
-          <p:cNvPr id="31" name="TextBox 30">
+          <p:cNvPr id="5" name="제목 1">
             <a:extLst>
               <a:ext uri="{FF2B5EF4-FFF2-40B4-BE49-F238E27FC236}">
-                <a16:creationId xmlns:a16="http://schemas.microsoft.com/office/drawing/2014/main" id="{37E02CC3-5929-0D94-FFA2-70E7ADD4481C}"/>
+                <a16:creationId xmlns:a16="http://schemas.microsoft.com/office/drawing/2014/main" id="{2E368AB1-E584-8A8B-99BC-4E3328E30875}"/>
               </a:ext>
             </a:extLst>
           </p:cNvPr>
-          <p:cNvSpPr txBox="1"/>
+          <p:cNvSpPr txBox="1">
+            <a:spLocks/>
+          </p:cNvSpPr>
           <p:nvPr/>
         </p:nvSpPr>
         <p:spPr>
           <a:xfrm>
-            <a:off x="11320671" y="0"/>
-            <a:ext cx="871330" cy="369332"/>
+            <a:off x="-14748" y="1"/>
+            <a:ext cx="10454030" cy="255116"/>
           </a:xfrm>
           <a:prstGeom prst="rect">
             <a:avLst/>
           </a:prstGeom>
-          <a:noFill/>
         </p:spPr>
         <p:txBody>
-          <a:bodyPr wrap="square" rtlCol="0">
-            <a:spAutoFit/>
+          <a:bodyPr vert="horz" lIns="91440" tIns="45720" rIns="91440" bIns="45720" rtlCol="0" anchor="ctr">
+            <a:noAutofit/>
           </a:bodyPr>
-          <a:lstStyle/>
-          <a:p>
-            <a:pPr algn="r"/>
-            <a:r>
-              <a:rPr lang="en-US" altLang="ko-KR" dirty="0">
+          <a:lstStyle>
+            <a:lvl1pPr algn="l" defTabSz="914400" rtl="0" eaLnBrk="1" latinLnBrk="1" hangingPunct="1">
+              <a:lnSpc>
+                <a:spcPct val="90000"/>
+              </a:lnSpc>
+              <a:spcBef>
+                <a:spcPct val="0"/>
+              </a:spcBef>
+              <a:buNone/>
+              <a:defRPr sz="4400" kern="1200">
                 <a:solidFill>
-                  <a:schemeClr val="bg2">
+                  <a:schemeClr val="tx1"/>
+                </a:solidFill>
+                <a:latin typeface="+mj-lt"/>
+                <a:ea typeface="+mj-ea"/>
+                <a:cs typeface="+mj-cs"/>
+              </a:defRPr>
+            </a:lvl1pPr>
+          </a:lstStyle>
+          <a:p>
+            <a:r>
+              <a:rPr lang="en-US" altLang="ko-KR" sz="1100">
+                <a:solidFill>
+                  <a:schemeClr val="bg1">
                     <a:lumMod val="50000"/>
                   </a:schemeClr>
                 </a:solidFill>
               </a:rPr>
-              <a:t>7/13</a:t>
-            </a:r>
-            <a:endParaRPr lang="ko-KR" altLang="en-US" dirty="0">
+              <a:t>Jaderberg, Max, Karen Simonyan, and Andrew Zisserman. "Spatial transformer networks." Advances in neural information processing systems 28 (2015).</a:t>
+            </a:r>
+            <a:endParaRPr lang="ko-KR" altLang="en-US" sz="1100" dirty="0">
               <a:solidFill>
-                <a:schemeClr val="bg2">
+                <a:schemeClr val="bg1">
                   <a:lumMod val="50000"/>
                 </a:schemeClr>
               </a:solidFill>
@@ -17380,58 +16307,6 @@
           </a:fontRef>
         </p:style>
       </p:cxnSp>
-      <p:sp>
-        <p:nvSpPr>
-          <p:cNvPr id="9" name="제목 1">
-            <a:extLst>
-              <a:ext uri="{FF2B5EF4-FFF2-40B4-BE49-F238E27FC236}">
-                <a16:creationId xmlns:a16="http://schemas.microsoft.com/office/drawing/2014/main" id="{05596BCF-D308-A29D-49E5-1678F5F8F27E}"/>
-              </a:ext>
-            </a:extLst>
-          </p:cNvPr>
-          <p:cNvSpPr>
-            <a:spLocks noGrp="1"/>
-          </p:cNvSpPr>
-          <p:nvPr>
-            <p:ph type="title"/>
-          </p:nvPr>
-        </p:nvSpPr>
-        <p:spPr>
-          <a:xfrm>
-            <a:off x="-14748" y="0"/>
-            <a:ext cx="10454030" cy="404445"/>
-          </a:xfrm>
-        </p:spPr>
-        <p:txBody>
-          <a:bodyPr>
-            <a:noAutofit/>
-          </a:bodyPr>
-          <a:lstStyle/>
-          <a:p>
-            <a:pPr marL="285750" indent="-285750">
-              <a:buFont typeface="Wingdings" panose="05000000000000000000" pitchFamily="2" charset="2"/>
-              <a:buChar char="v"/>
-            </a:pPr>
-            <a:r>
-              <a:rPr lang="en-US" altLang="ko-KR" sz="1800" dirty="0">
-                <a:solidFill>
-                  <a:schemeClr val="bg1">
-                    <a:lumMod val="50000"/>
-                  </a:schemeClr>
-                </a:solidFill>
-              </a:rPr>
-              <a:t>Spatial Transformer Networks</a:t>
-            </a:r>
-            <a:endParaRPr lang="ko-KR" altLang="en-US" sz="1800" dirty="0">
-              <a:solidFill>
-                <a:schemeClr val="bg1">
-                  <a:lumMod val="50000"/>
-                </a:schemeClr>
-              </a:solidFill>
-            </a:endParaRPr>
-          </a:p>
-        </p:txBody>
-      </p:sp>
       <p:sp>
         <p:nvSpPr>
           <p:cNvPr id="11" name="TextBox 10">
@@ -18383,55 +17258,6 @@
           </a:p>
         </p:txBody>
       </p:sp>
-      <p:sp>
-        <p:nvSpPr>
-          <p:cNvPr id="29" name="TextBox 28">
-            <a:extLst>
-              <a:ext uri="{FF2B5EF4-FFF2-40B4-BE49-F238E27FC236}">
-                <a16:creationId xmlns:a16="http://schemas.microsoft.com/office/drawing/2014/main" id="{CA0EC0AD-FB87-E286-F054-8C315E2C9423}"/>
-              </a:ext>
-            </a:extLst>
-          </p:cNvPr>
-          <p:cNvSpPr txBox="1"/>
-          <p:nvPr/>
-        </p:nvSpPr>
-        <p:spPr>
-          <a:xfrm>
-            <a:off x="11320671" y="0"/>
-            <a:ext cx="871330" cy="369332"/>
-          </a:xfrm>
-          <a:prstGeom prst="rect">
-            <a:avLst/>
-          </a:prstGeom>
-          <a:noFill/>
-        </p:spPr>
-        <p:txBody>
-          <a:bodyPr wrap="square" rtlCol="0">
-            <a:spAutoFit/>
-          </a:bodyPr>
-          <a:lstStyle/>
-          <a:p>
-            <a:pPr algn="r"/>
-            <a:r>
-              <a:rPr lang="en-US" altLang="ko-KR" dirty="0">
-                <a:solidFill>
-                  <a:schemeClr val="bg2">
-                    <a:lumMod val="50000"/>
-                  </a:schemeClr>
-                </a:solidFill>
-              </a:rPr>
-              <a:t>8/13</a:t>
-            </a:r>
-            <a:endParaRPr lang="ko-KR" altLang="en-US" dirty="0">
-              <a:solidFill>
-                <a:schemeClr val="bg2">
-                  <a:lumMod val="50000"/>
-                </a:schemeClr>
-              </a:solidFill>
-            </a:endParaRPr>
-          </a:p>
-        </p:txBody>
-      </p:sp>
       <p:pic>
         <p:nvPicPr>
           <p:cNvPr id="4" name="그림 3">
@@ -18507,6 +17333,73 @@
           </a:extLst>
         </p:spPr>
       </p:pic>
+      <p:sp>
+        <p:nvSpPr>
+          <p:cNvPr id="15" name="제목 1">
+            <a:extLst>
+              <a:ext uri="{FF2B5EF4-FFF2-40B4-BE49-F238E27FC236}">
+                <a16:creationId xmlns:a16="http://schemas.microsoft.com/office/drawing/2014/main" id="{FA08FE20-F88C-23C3-E6FF-6910750D246B}"/>
+              </a:ext>
+            </a:extLst>
+          </p:cNvPr>
+          <p:cNvSpPr txBox="1">
+            <a:spLocks/>
+          </p:cNvSpPr>
+          <p:nvPr/>
+        </p:nvSpPr>
+        <p:spPr>
+          <a:xfrm>
+            <a:off x="-14748" y="1"/>
+            <a:ext cx="10454030" cy="255116"/>
+          </a:xfrm>
+          <a:prstGeom prst="rect">
+            <a:avLst/>
+          </a:prstGeom>
+        </p:spPr>
+        <p:txBody>
+          <a:bodyPr vert="horz" lIns="91440" tIns="45720" rIns="91440" bIns="45720" rtlCol="0" anchor="ctr">
+            <a:noAutofit/>
+          </a:bodyPr>
+          <a:lstStyle>
+            <a:lvl1pPr algn="l" defTabSz="914400" rtl="0" eaLnBrk="1" latinLnBrk="1" hangingPunct="1">
+              <a:lnSpc>
+                <a:spcPct val="90000"/>
+              </a:lnSpc>
+              <a:spcBef>
+                <a:spcPct val="0"/>
+              </a:spcBef>
+              <a:buNone/>
+              <a:defRPr sz="4400" kern="1200">
+                <a:solidFill>
+                  <a:schemeClr val="tx1"/>
+                </a:solidFill>
+                <a:latin typeface="+mj-lt"/>
+                <a:ea typeface="+mj-ea"/>
+                <a:cs typeface="+mj-cs"/>
+              </a:defRPr>
+            </a:lvl1pPr>
+          </a:lstStyle>
+          <a:p>
+            <a:r>
+              <a:rPr lang="en-US" altLang="ko-KR" sz="1100">
+                <a:solidFill>
+                  <a:schemeClr val="bg1">
+                    <a:lumMod val="50000"/>
+                  </a:schemeClr>
+                </a:solidFill>
+              </a:rPr>
+              <a:t>Jaderberg, Max, Karen Simonyan, and Andrew Zisserman. "Spatial transformer networks." Advances in neural information processing systems 28 (2015).</a:t>
+            </a:r>
+            <a:endParaRPr lang="ko-KR" altLang="en-US" sz="1100" dirty="0">
+              <a:solidFill>
+                <a:schemeClr val="bg1">
+                  <a:lumMod val="50000"/>
+                </a:schemeClr>
+              </a:solidFill>
+            </a:endParaRPr>
+          </a:p>
+        </p:txBody>
+      </p:sp>
     </p:spTree>
     <p:extLst>
       <p:ext uri="{BB962C8B-B14F-4D97-AF65-F5344CB8AC3E}">
